--- a/Presentations/CRI_AI_Camera_Week_9.pptx
+++ b/Presentations/CRI_AI_Camera_Week_9.pptx
@@ -5,10 +5,10 @@
     <p:sldMasterId id="2147483648" r:id="rId4"/>
   </p:sldMasterIdLst>
   <p:notesMasterIdLst>
-    <p:notesMasterId r:id="rId23"/>
+    <p:notesMasterId r:id="rId24"/>
   </p:notesMasterIdLst>
   <p:handoutMasterIdLst>
-    <p:handoutMasterId r:id="rId24"/>
+    <p:handoutMasterId r:id="rId25"/>
   </p:handoutMasterIdLst>
   <p:sldIdLst>
     <p:sldId id="325" r:id="rId5"/>
@@ -24,11 +24,12 @@
     <p:sldId id="334" r:id="rId15"/>
     <p:sldId id="347" r:id="rId16"/>
     <p:sldId id="348" r:id="rId17"/>
-    <p:sldId id="329" r:id="rId18"/>
-    <p:sldId id="351" r:id="rId19"/>
-    <p:sldId id="345" r:id="rId20"/>
-    <p:sldId id="344" r:id="rId21"/>
-    <p:sldId id="339" r:id="rId22"/>
+    <p:sldId id="353" r:id="rId18"/>
+    <p:sldId id="329" r:id="rId19"/>
+    <p:sldId id="351" r:id="rId20"/>
+    <p:sldId id="345" r:id="rId21"/>
+    <p:sldId id="344" r:id="rId22"/>
+    <p:sldId id="339" r:id="rId23"/>
   </p:sldIdLst>
   <p:sldSz cx="12192000" cy="6858000"/>
   <p:notesSz cx="6858000" cy="9144000"/>
@@ -203,7 +204,6 @@
           </a:p>
         </c:rich>
       </c:tx>
-      <c:layout/>
       <c:overlay val="0"/>
       <c:spPr>
         <a:noFill/>
@@ -443,11 +443,11 @@
         </c:dLbls>
         <c:gapWidth val="219"/>
         <c:overlap val="-27"/>
-        <c:axId val="-12007264"/>
-        <c:axId val="-2048910480"/>
+        <c:axId val="-407984832"/>
+        <c:axId val="-407981568"/>
       </c:barChart>
       <c:catAx>
-        <c:axId val="-12007264"/>
+        <c:axId val="-407984832"/>
         <c:scaling>
           <c:orientation val="minMax"/>
         </c:scaling>
@@ -490,7 +490,7 @@
             <a:endParaRPr lang="en-US"/>
           </a:p>
         </c:txPr>
-        <c:crossAx val="-2048910480"/>
+        <c:crossAx val="-407981568"/>
         <c:crosses val="autoZero"/>
         <c:auto val="1"/>
         <c:lblAlgn val="ctr"/>
@@ -498,7 +498,7 @@
         <c:noMultiLvlLbl val="0"/>
       </c:catAx>
       <c:valAx>
-        <c:axId val="-2048910480"/>
+        <c:axId val="-407981568"/>
         <c:scaling>
           <c:orientation val="minMax"/>
         </c:scaling>
@@ -549,7 +549,7 @@
             <a:endParaRPr lang="en-US"/>
           </a:p>
         </c:txPr>
-        <c:crossAx val="-12007264"/>
+        <c:crossAx val="-407984832"/>
         <c:crosses val="autoZero"/>
         <c:crossBetween val="between"/>
       </c:valAx>
@@ -563,7 +563,6 @@
     </c:plotArea>
     <c:legend>
       <c:legendPos val="b"/>
-      <c:layout/>
       <c:overlay val="0"/>
       <c:spPr>
         <a:noFill/>
@@ -1197,7 +1196,7 @@
           <p:cNvPr id="2" name="Header Placeholder 1">
             <a:extLst>
               <a:ext uri="{FF2B5EF4-FFF2-40B4-BE49-F238E27FC236}">
-                <a16:creationId xmlns:a16="http://schemas.microsoft.com/office/drawing/2014/main" xmlns="" id="{4BA57456-157A-C12A-2FEC-91B7B9EE491D}"/>
+                <a16:creationId xmlns="" xmlns:a16="http://schemas.microsoft.com/office/drawing/2014/main" id="{4BA57456-157A-C12A-2FEC-91B7B9EE491D}"/>
               </a:ext>
             </a:extLst>
           </p:cNvPr>
@@ -1234,7 +1233,7 @@
           <p:cNvPr id="3" name="Date Placeholder 2">
             <a:extLst>
               <a:ext uri="{FF2B5EF4-FFF2-40B4-BE49-F238E27FC236}">
-                <a16:creationId xmlns:a16="http://schemas.microsoft.com/office/drawing/2014/main" xmlns="" id="{D9D46761-828E-1508-56BD-BAEADF34862D}"/>
+                <a16:creationId xmlns="" xmlns:a16="http://schemas.microsoft.com/office/drawing/2014/main" id="{D9D46761-828E-1508-56BD-BAEADF34862D}"/>
               </a:ext>
             </a:extLst>
           </p:cNvPr>
@@ -1264,7 +1263,7 @@
           <a:p>
             <a:fld id="{7FF95820-84BB-3447-8286-60A51307E7F2}" type="datetimeFigureOut">
               <a:rPr lang="en-US" smtClean="0"/>
-              <a:t>14-Mar-23</a:t>
+              <a:t>15-Mar-23</a:t>
             </a:fld>
             <a:endParaRPr lang="en-US" dirty="0"/>
           </a:p>
@@ -1275,7 +1274,7 @@
           <p:cNvPr id="4" name="Footer Placeholder 3">
             <a:extLst>
               <a:ext uri="{FF2B5EF4-FFF2-40B4-BE49-F238E27FC236}">
-                <a16:creationId xmlns:a16="http://schemas.microsoft.com/office/drawing/2014/main" xmlns="" id="{CD428A7E-6B0E-809C-73D1-4B5E2FF471A9}"/>
+                <a16:creationId xmlns="" xmlns:a16="http://schemas.microsoft.com/office/drawing/2014/main" id="{CD428A7E-6B0E-809C-73D1-4B5E2FF471A9}"/>
               </a:ext>
             </a:extLst>
           </p:cNvPr>
@@ -1312,7 +1311,7 @@
           <p:cNvPr id="5" name="Slide Number Placeholder 4">
             <a:extLst>
               <a:ext uri="{FF2B5EF4-FFF2-40B4-BE49-F238E27FC236}">
-                <a16:creationId xmlns:a16="http://schemas.microsoft.com/office/drawing/2014/main" xmlns="" id="{789A5AA6-0C5B-430A-E0C4-C90B2F0A1CD6}"/>
+                <a16:creationId xmlns="" xmlns:a16="http://schemas.microsoft.com/office/drawing/2014/main" id="{789A5AA6-0C5B-430A-E0C4-C90B2F0A1CD6}"/>
               </a:ext>
             </a:extLst>
           </p:cNvPr>
@@ -1442,7 +1441,7 @@
           <a:p>
             <a:fld id="{FC08FC54-6AE4-6A4A-9756-823A0F1BE5A6}" type="datetimeFigureOut">
               <a:rPr lang="en-US" smtClean="0"/>
-              <a:t>14-Mar-23</a:t>
+              <a:t>15-Mar-23</a:t>
             </a:fld>
             <a:endParaRPr lang="en-US" dirty="0"/>
           </a:p>
@@ -1740,7 +1739,7 @@
           <p:cNvPr id="2" name="Rectangle 1">
             <a:extLst>
               <a:ext uri="{FF2B5EF4-FFF2-40B4-BE49-F238E27FC236}">
-                <a16:creationId xmlns:a16="http://schemas.microsoft.com/office/drawing/2014/main" xmlns="" id="{F51C745E-9B5A-59BF-BF50-4F251E39D58D}"/>
+                <a16:creationId xmlns="" xmlns:a16="http://schemas.microsoft.com/office/drawing/2014/main" id="{F51C745E-9B5A-59BF-BF50-4F251E39D58D}"/>
               </a:ext>
             </a:extLst>
           </p:cNvPr>
@@ -1792,7 +1791,7 @@
           <p:cNvPr id="3" name="Subtitle 2">
             <a:extLst>
               <a:ext uri="{FF2B5EF4-FFF2-40B4-BE49-F238E27FC236}">
-                <a16:creationId xmlns:a16="http://schemas.microsoft.com/office/drawing/2014/main" xmlns="" id="{DCFB69D3-5632-4285-A209-9DCA67DA668C}"/>
+                <a16:creationId xmlns="" xmlns:a16="http://schemas.microsoft.com/office/drawing/2014/main" id="{DCFB69D3-5632-4285-A209-9DCA67DA668C}"/>
               </a:ext>
             </a:extLst>
           </p:cNvPr>
@@ -1863,7 +1862,7 @@
           <p:cNvPr id="10" name="Picture Placeholder 9">
             <a:extLst>
               <a:ext uri="{FF2B5EF4-FFF2-40B4-BE49-F238E27FC236}">
-                <a16:creationId xmlns:a16="http://schemas.microsoft.com/office/drawing/2014/main" xmlns="" id="{F2B4A7EA-9E3F-9CE1-56B5-92F4FDDA6991}"/>
+                <a16:creationId xmlns="" xmlns:a16="http://schemas.microsoft.com/office/drawing/2014/main" id="{F2B4A7EA-9E3F-9CE1-56B5-92F4FDDA6991}"/>
               </a:ext>
             </a:extLst>
           </p:cNvPr>
@@ -1983,7 +1982,7 @@
           <p:cNvPr id="9" name="Title 8">
             <a:extLst>
               <a:ext uri="{FF2B5EF4-FFF2-40B4-BE49-F238E27FC236}">
-                <a16:creationId xmlns:a16="http://schemas.microsoft.com/office/drawing/2014/main" xmlns="" id="{42398E06-9E0E-BC81-DEB5-1DB2F8635C23}"/>
+                <a16:creationId xmlns="" xmlns:a16="http://schemas.microsoft.com/office/drawing/2014/main" id="{42398E06-9E0E-BC81-DEB5-1DB2F8635C23}"/>
               </a:ext>
             </a:extLst>
           </p:cNvPr>
@@ -2021,7 +2020,7 @@
           <p:cNvPr id="11" name="Rectangle 10">
             <a:extLst>
               <a:ext uri="{FF2B5EF4-FFF2-40B4-BE49-F238E27FC236}">
-                <a16:creationId xmlns:a16="http://schemas.microsoft.com/office/drawing/2014/main" xmlns="" id="{39F70834-CB8D-A95B-D859-6E5B4C6B4F78}"/>
+                <a16:creationId xmlns="" xmlns:a16="http://schemas.microsoft.com/office/drawing/2014/main" id="{39F70834-CB8D-A95B-D859-6E5B4C6B4F78}"/>
               </a:ext>
             </a:extLst>
           </p:cNvPr>
@@ -2100,7 +2099,7 @@
           <p:cNvPr id="38" name="Picture Placeholder 37">
             <a:extLst>
               <a:ext uri="{FF2B5EF4-FFF2-40B4-BE49-F238E27FC236}">
-                <a16:creationId xmlns:a16="http://schemas.microsoft.com/office/drawing/2014/main" xmlns="" id="{7068A9B7-F56A-44B7-D61E-66289C79F1C3}"/>
+                <a16:creationId xmlns="" xmlns:a16="http://schemas.microsoft.com/office/drawing/2014/main" id="{7068A9B7-F56A-44B7-D61E-66289C79F1C3}"/>
               </a:ext>
             </a:extLst>
           </p:cNvPr>
@@ -2139,7 +2138,7 @@
           <p:cNvPr id="2" name="Title 1">
             <a:extLst>
               <a:ext uri="{FF2B5EF4-FFF2-40B4-BE49-F238E27FC236}">
-                <a16:creationId xmlns:a16="http://schemas.microsoft.com/office/drawing/2014/main" xmlns="" id="{0783ED19-9B5E-8852-24D6-62401816CBB7}"/>
+                <a16:creationId xmlns="" xmlns:a16="http://schemas.microsoft.com/office/drawing/2014/main" id="{0783ED19-9B5E-8852-24D6-62401816CBB7}"/>
               </a:ext>
             </a:extLst>
           </p:cNvPr>
@@ -2180,7 +2179,7 @@
           <p:cNvPr id="3" name="Slide Number Placeholder 2">
             <a:extLst>
               <a:ext uri="{FF2B5EF4-FFF2-40B4-BE49-F238E27FC236}">
-                <a16:creationId xmlns:a16="http://schemas.microsoft.com/office/drawing/2014/main" xmlns="" id="{4307A8A0-5009-A086-A6AE-542CA4684892}"/>
+                <a16:creationId xmlns="" xmlns:a16="http://schemas.microsoft.com/office/drawing/2014/main" id="{4307A8A0-5009-A086-A6AE-542CA4684892}"/>
               </a:ext>
             </a:extLst>
           </p:cNvPr>
@@ -2218,7 +2217,7 @@
           <p:cNvPr id="4" name="Footer Placeholder 3">
             <a:extLst>
               <a:ext uri="{FF2B5EF4-FFF2-40B4-BE49-F238E27FC236}">
-                <a16:creationId xmlns:a16="http://schemas.microsoft.com/office/drawing/2014/main" xmlns="" id="{56746F73-AB2D-A55B-67FD-85A2F20D50E8}"/>
+                <a16:creationId xmlns="" xmlns:a16="http://schemas.microsoft.com/office/drawing/2014/main" id="{56746F73-AB2D-A55B-67FD-85A2F20D50E8}"/>
               </a:ext>
             </a:extLst>
           </p:cNvPr>
@@ -2246,7 +2245,7 @@
           <p:cNvPr id="9" name="Text Placeholder 13">
             <a:extLst>
               <a:ext uri="{FF2B5EF4-FFF2-40B4-BE49-F238E27FC236}">
-                <a16:creationId xmlns:a16="http://schemas.microsoft.com/office/drawing/2014/main" xmlns="" id="{AA3DDCC3-9231-434E-A1D1-8A078DE7BF10}"/>
+                <a16:creationId xmlns="" xmlns:a16="http://schemas.microsoft.com/office/drawing/2014/main" id="{AA3DDCC3-9231-434E-A1D1-8A078DE7BF10}"/>
               </a:ext>
             </a:extLst>
           </p:cNvPr>
@@ -2298,7 +2297,7 @@
           <p:cNvPr id="10" name="Text Placeholder 13">
             <a:extLst>
               <a:ext uri="{FF2B5EF4-FFF2-40B4-BE49-F238E27FC236}">
-                <a16:creationId xmlns:a16="http://schemas.microsoft.com/office/drawing/2014/main" xmlns="" id="{970A1046-F88C-E11E-0E2E-A7F3AEDB3A26}"/>
+                <a16:creationId xmlns="" xmlns:a16="http://schemas.microsoft.com/office/drawing/2014/main" id="{970A1046-F88C-E11E-0E2E-A7F3AEDB3A26}"/>
               </a:ext>
             </a:extLst>
           </p:cNvPr>
@@ -2350,7 +2349,7 @@
           <p:cNvPr id="11" name="Text Placeholder 13">
             <a:extLst>
               <a:ext uri="{FF2B5EF4-FFF2-40B4-BE49-F238E27FC236}">
-                <a16:creationId xmlns:a16="http://schemas.microsoft.com/office/drawing/2014/main" xmlns="" id="{BF27FC0A-1C34-6BFF-806A-6911C16F2184}"/>
+                <a16:creationId xmlns="" xmlns:a16="http://schemas.microsoft.com/office/drawing/2014/main" id="{BF27FC0A-1C34-6BFF-806A-6911C16F2184}"/>
               </a:ext>
             </a:extLst>
           </p:cNvPr>
@@ -2402,7 +2401,7 @@
           <p:cNvPr id="12" name="Text Placeholder 13">
             <a:extLst>
               <a:ext uri="{FF2B5EF4-FFF2-40B4-BE49-F238E27FC236}">
-                <a16:creationId xmlns:a16="http://schemas.microsoft.com/office/drawing/2014/main" xmlns="" id="{EF94CC5A-0B90-D0D3-CF42-2A9B86331729}"/>
+                <a16:creationId xmlns="" xmlns:a16="http://schemas.microsoft.com/office/drawing/2014/main" id="{EF94CC5A-0B90-D0D3-CF42-2A9B86331729}"/>
               </a:ext>
             </a:extLst>
           </p:cNvPr>
@@ -2454,7 +2453,7 @@
           <p:cNvPr id="13" name="Text Placeholder 13">
             <a:extLst>
               <a:ext uri="{FF2B5EF4-FFF2-40B4-BE49-F238E27FC236}">
-                <a16:creationId xmlns:a16="http://schemas.microsoft.com/office/drawing/2014/main" xmlns="" id="{8E685B28-FC51-9FE8-2F7E-C8255BD75945}"/>
+                <a16:creationId xmlns="" xmlns:a16="http://schemas.microsoft.com/office/drawing/2014/main" id="{8E685B28-FC51-9FE8-2F7E-C8255BD75945}"/>
               </a:ext>
             </a:extLst>
           </p:cNvPr>
@@ -2506,7 +2505,7 @@
           <p:cNvPr id="14" name="Text Placeholder 13">
             <a:extLst>
               <a:ext uri="{FF2B5EF4-FFF2-40B4-BE49-F238E27FC236}">
-                <a16:creationId xmlns:a16="http://schemas.microsoft.com/office/drawing/2014/main" xmlns="" id="{B472F1E6-DAE5-AE6D-F688-575FC243CD0C}"/>
+                <a16:creationId xmlns="" xmlns:a16="http://schemas.microsoft.com/office/drawing/2014/main" id="{B472F1E6-DAE5-AE6D-F688-575FC243CD0C}"/>
               </a:ext>
             </a:extLst>
           </p:cNvPr>
@@ -2558,7 +2557,7 @@
           <p:cNvPr id="15" name="Text Placeholder 13">
             <a:extLst>
               <a:ext uri="{FF2B5EF4-FFF2-40B4-BE49-F238E27FC236}">
-                <a16:creationId xmlns:a16="http://schemas.microsoft.com/office/drawing/2014/main" xmlns="" id="{7138E486-F729-AEC8-0C2D-44FA21EDC617}"/>
+                <a16:creationId xmlns="" xmlns:a16="http://schemas.microsoft.com/office/drawing/2014/main" id="{7138E486-F729-AEC8-0C2D-44FA21EDC617}"/>
               </a:ext>
             </a:extLst>
           </p:cNvPr>
@@ -2610,7 +2609,7 @@
           <p:cNvPr id="16" name="Text Placeholder 13">
             <a:extLst>
               <a:ext uri="{FF2B5EF4-FFF2-40B4-BE49-F238E27FC236}">
-                <a16:creationId xmlns:a16="http://schemas.microsoft.com/office/drawing/2014/main" xmlns="" id="{0F182FA8-4DA0-527F-89C3-96D9A996F2C7}"/>
+                <a16:creationId xmlns="" xmlns:a16="http://schemas.microsoft.com/office/drawing/2014/main" id="{0F182FA8-4DA0-527F-89C3-96D9A996F2C7}"/>
               </a:ext>
             </a:extLst>
           </p:cNvPr>
@@ -2662,7 +2661,7 @@
           <p:cNvPr id="17" name="Straight Connector 16">
             <a:extLst>
               <a:ext uri="{FF2B5EF4-FFF2-40B4-BE49-F238E27FC236}">
-                <a16:creationId xmlns:a16="http://schemas.microsoft.com/office/drawing/2014/main" xmlns="" id="{BF42A71B-2F05-7F67-85C0-0C5AA947983D}"/>
+                <a16:creationId xmlns="" xmlns:a16="http://schemas.microsoft.com/office/drawing/2014/main" id="{BF42A71B-2F05-7F67-85C0-0C5AA947983D}"/>
               </a:ext>
             </a:extLst>
           </p:cNvPr>
@@ -2705,7 +2704,7 @@
           <p:cNvPr id="18" name="Straight Connector 17">
             <a:extLst>
               <a:ext uri="{FF2B5EF4-FFF2-40B4-BE49-F238E27FC236}">
-                <a16:creationId xmlns:a16="http://schemas.microsoft.com/office/drawing/2014/main" xmlns="" id="{2BC25395-CA95-6040-8ED6-C7D8A2E16C49}"/>
+                <a16:creationId xmlns="" xmlns:a16="http://schemas.microsoft.com/office/drawing/2014/main" id="{2BC25395-CA95-6040-8ED6-C7D8A2E16C49}"/>
               </a:ext>
             </a:extLst>
           </p:cNvPr>
@@ -2748,7 +2747,7 @@
           <p:cNvPr id="19" name="Straight Connector 18">
             <a:extLst>
               <a:ext uri="{FF2B5EF4-FFF2-40B4-BE49-F238E27FC236}">
-                <a16:creationId xmlns:a16="http://schemas.microsoft.com/office/drawing/2014/main" xmlns="" id="{AE2F589B-649A-57C2-1D3E-79FDFF84BADB}"/>
+                <a16:creationId xmlns="" xmlns:a16="http://schemas.microsoft.com/office/drawing/2014/main" id="{AE2F589B-649A-57C2-1D3E-79FDFF84BADB}"/>
               </a:ext>
             </a:extLst>
           </p:cNvPr>
@@ -2791,7 +2790,7 @@
           <p:cNvPr id="20" name="Straight Connector 19">
             <a:extLst>
               <a:ext uri="{FF2B5EF4-FFF2-40B4-BE49-F238E27FC236}">
-                <a16:creationId xmlns:a16="http://schemas.microsoft.com/office/drawing/2014/main" xmlns="" id="{81F3728F-0FBF-5AD2-357E-FFCFFBF7687E}"/>
+                <a16:creationId xmlns="" xmlns:a16="http://schemas.microsoft.com/office/drawing/2014/main" id="{81F3728F-0FBF-5AD2-357E-FFCFFBF7687E}"/>
               </a:ext>
             </a:extLst>
           </p:cNvPr>
@@ -2834,7 +2833,7 @@
           <p:cNvPr id="25" name="Text Placeholder 13">
             <a:extLst>
               <a:ext uri="{FF2B5EF4-FFF2-40B4-BE49-F238E27FC236}">
-                <a16:creationId xmlns:a16="http://schemas.microsoft.com/office/drawing/2014/main" xmlns="" id="{1025D334-8990-1960-8865-C877ECC47E67}"/>
+                <a16:creationId xmlns="" xmlns:a16="http://schemas.microsoft.com/office/drawing/2014/main" id="{1025D334-8990-1960-8865-C877ECC47E67}"/>
               </a:ext>
             </a:extLst>
           </p:cNvPr>
@@ -2886,7 +2885,7 @@
           <p:cNvPr id="26" name="Text Placeholder 13">
             <a:extLst>
               <a:ext uri="{FF2B5EF4-FFF2-40B4-BE49-F238E27FC236}">
-                <a16:creationId xmlns:a16="http://schemas.microsoft.com/office/drawing/2014/main" xmlns="" id="{7F491CA2-1A10-E7DB-4203-DC7E9E48CCFF}"/>
+                <a16:creationId xmlns="" xmlns:a16="http://schemas.microsoft.com/office/drawing/2014/main" id="{7F491CA2-1A10-E7DB-4203-DC7E9E48CCFF}"/>
               </a:ext>
             </a:extLst>
           </p:cNvPr>
@@ -2938,7 +2937,7 @@
           <p:cNvPr id="34" name="Straight Connector 33">
             <a:extLst>
               <a:ext uri="{FF2B5EF4-FFF2-40B4-BE49-F238E27FC236}">
-                <a16:creationId xmlns:a16="http://schemas.microsoft.com/office/drawing/2014/main" xmlns="" id="{7A9AA302-5107-FDE7-557C-3305A9A7DEC2}"/>
+                <a16:creationId xmlns="" xmlns:a16="http://schemas.microsoft.com/office/drawing/2014/main" id="{7A9AA302-5107-FDE7-557C-3305A9A7DEC2}"/>
               </a:ext>
             </a:extLst>
           </p:cNvPr>
@@ -3011,7 +3010,7 @@
           <p:cNvPr id="38" name="Picture Placeholder 37">
             <a:extLst>
               <a:ext uri="{FF2B5EF4-FFF2-40B4-BE49-F238E27FC236}">
-                <a16:creationId xmlns:a16="http://schemas.microsoft.com/office/drawing/2014/main" xmlns="" id="{7068A9B7-F56A-44B7-D61E-66289C79F1C3}"/>
+                <a16:creationId xmlns="" xmlns:a16="http://schemas.microsoft.com/office/drawing/2014/main" id="{7068A9B7-F56A-44B7-D61E-66289C79F1C3}"/>
               </a:ext>
             </a:extLst>
           </p:cNvPr>
@@ -3050,7 +3049,7 @@
           <p:cNvPr id="2" name="Title 1">
             <a:extLst>
               <a:ext uri="{FF2B5EF4-FFF2-40B4-BE49-F238E27FC236}">
-                <a16:creationId xmlns:a16="http://schemas.microsoft.com/office/drawing/2014/main" xmlns="" id="{0783ED19-9B5E-8852-24D6-62401816CBB7}"/>
+                <a16:creationId xmlns="" xmlns:a16="http://schemas.microsoft.com/office/drawing/2014/main" id="{0783ED19-9B5E-8852-24D6-62401816CBB7}"/>
               </a:ext>
             </a:extLst>
           </p:cNvPr>
@@ -3091,7 +3090,7 @@
           <p:cNvPr id="3" name="Slide Number Placeholder 2">
             <a:extLst>
               <a:ext uri="{FF2B5EF4-FFF2-40B4-BE49-F238E27FC236}">
-                <a16:creationId xmlns:a16="http://schemas.microsoft.com/office/drawing/2014/main" xmlns="" id="{4307A8A0-5009-A086-A6AE-542CA4684892}"/>
+                <a16:creationId xmlns="" xmlns:a16="http://schemas.microsoft.com/office/drawing/2014/main" id="{4307A8A0-5009-A086-A6AE-542CA4684892}"/>
               </a:ext>
             </a:extLst>
           </p:cNvPr>
@@ -3129,7 +3128,7 @@
           <p:cNvPr id="4" name="Footer Placeholder 3">
             <a:extLst>
               <a:ext uri="{FF2B5EF4-FFF2-40B4-BE49-F238E27FC236}">
-                <a16:creationId xmlns:a16="http://schemas.microsoft.com/office/drawing/2014/main" xmlns="" id="{56746F73-AB2D-A55B-67FD-85A2F20D50E8}"/>
+                <a16:creationId xmlns="" xmlns:a16="http://schemas.microsoft.com/office/drawing/2014/main" id="{56746F73-AB2D-A55B-67FD-85A2F20D50E8}"/>
               </a:ext>
             </a:extLst>
           </p:cNvPr>
@@ -3157,7 +3156,7 @@
           <p:cNvPr id="9" name="Text Placeholder 13">
             <a:extLst>
               <a:ext uri="{FF2B5EF4-FFF2-40B4-BE49-F238E27FC236}">
-                <a16:creationId xmlns:a16="http://schemas.microsoft.com/office/drawing/2014/main" xmlns="" id="{AA3DDCC3-9231-434E-A1D1-8A078DE7BF10}"/>
+                <a16:creationId xmlns="" xmlns:a16="http://schemas.microsoft.com/office/drawing/2014/main" id="{AA3DDCC3-9231-434E-A1D1-8A078DE7BF10}"/>
               </a:ext>
             </a:extLst>
           </p:cNvPr>
@@ -3209,7 +3208,7 @@
           <p:cNvPr id="11" name="Text Placeholder 13">
             <a:extLst>
               <a:ext uri="{FF2B5EF4-FFF2-40B4-BE49-F238E27FC236}">
-                <a16:creationId xmlns:a16="http://schemas.microsoft.com/office/drawing/2014/main" xmlns="" id="{BF27FC0A-1C34-6BFF-806A-6911C16F2184}"/>
+                <a16:creationId xmlns="" xmlns:a16="http://schemas.microsoft.com/office/drawing/2014/main" id="{BF27FC0A-1C34-6BFF-806A-6911C16F2184}"/>
               </a:ext>
             </a:extLst>
           </p:cNvPr>
@@ -3261,7 +3260,7 @@
           <p:cNvPr id="13" name="Text Placeholder 13">
             <a:extLst>
               <a:ext uri="{FF2B5EF4-FFF2-40B4-BE49-F238E27FC236}">
-                <a16:creationId xmlns:a16="http://schemas.microsoft.com/office/drawing/2014/main" xmlns="" id="{8E685B28-FC51-9FE8-2F7E-C8255BD75945}"/>
+                <a16:creationId xmlns="" xmlns:a16="http://schemas.microsoft.com/office/drawing/2014/main" id="{8E685B28-FC51-9FE8-2F7E-C8255BD75945}"/>
               </a:ext>
             </a:extLst>
           </p:cNvPr>
@@ -3313,7 +3312,7 @@
           <p:cNvPr id="15" name="Text Placeholder 13">
             <a:extLst>
               <a:ext uri="{FF2B5EF4-FFF2-40B4-BE49-F238E27FC236}">
-                <a16:creationId xmlns:a16="http://schemas.microsoft.com/office/drawing/2014/main" xmlns="" id="{7138E486-F729-AEC8-0C2D-44FA21EDC617}"/>
+                <a16:creationId xmlns="" xmlns:a16="http://schemas.microsoft.com/office/drawing/2014/main" id="{7138E486-F729-AEC8-0C2D-44FA21EDC617}"/>
               </a:ext>
             </a:extLst>
           </p:cNvPr>
@@ -3365,7 +3364,7 @@
           <p:cNvPr id="25" name="Text Placeholder 13">
             <a:extLst>
               <a:ext uri="{FF2B5EF4-FFF2-40B4-BE49-F238E27FC236}">
-                <a16:creationId xmlns:a16="http://schemas.microsoft.com/office/drawing/2014/main" xmlns="" id="{1025D334-8990-1960-8865-C877ECC47E67}"/>
+                <a16:creationId xmlns="" xmlns:a16="http://schemas.microsoft.com/office/drawing/2014/main" id="{1025D334-8990-1960-8865-C877ECC47E67}"/>
               </a:ext>
             </a:extLst>
           </p:cNvPr>
@@ -3417,7 +3416,7 @@
           <p:cNvPr id="5" name="Straight Connector 4">
             <a:extLst>
               <a:ext uri="{FF2B5EF4-FFF2-40B4-BE49-F238E27FC236}">
-                <a16:creationId xmlns:a16="http://schemas.microsoft.com/office/drawing/2014/main" xmlns="" id="{73769F54-E10C-40C4-5EFF-E8A9CA520AEC}"/>
+                <a16:creationId xmlns="" xmlns:a16="http://schemas.microsoft.com/office/drawing/2014/main" id="{73769F54-E10C-40C4-5EFF-E8A9CA520AEC}"/>
               </a:ext>
             </a:extLst>
           </p:cNvPr>
@@ -3460,7 +3459,7 @@
           <p:cNvPr id="6" name="Straight Connector 5">
             <a:extLst>
               <a:ext uri="{FF2B5EF4-FFF2-40B4-BE49-F238E27FC236}">
-                <a16:creationId xmlns:a16="http://schemas.microsoft.com/office/drawing/2014/main" xmlns="" id="{46E7B1EF-9D07-1E66-7467-93C9AE48BD85}"/>
+                <a16:creationId xmlns="" xmlns:a16="http://schemas.microsoft.com/office/drawing/2014/main" id="{46E7B1EF-9D07-1E66-7467-93C9AE48BD85}"/>
               </a:ext>
             </a:extLst>
           </p:cNvPr>
@@ -3507,7 +3506,7 @@
           <p:cNvPr id="10" name="Text Placeholder 13">
             <a:extLst>
               <a:ext uri="{FF2B5EF4-FFF2-40B4-BE49-F238E27FC236}">
-                <a16:creationId xmlns:a16="http://schemas.microsoft.com/office/drawing/2014/main" xmlns="" id="{970A1046-F88C-E11E-0E2E-A7F3AEDB3A26}"/>
+                <a16:creationId xmlns="" xmlns:a16="http://schemas.microsoft.com/office/drawing/2014/main" id="{970A1046-F88C-E11E-0E2E-A7F3AEDB3A26}"/>
               </a:ext>
             </a:extLst>
           </p:cNvPr>
@@ -3559,7 +3558,7 @@
           <p:cNvPr id="12" name="Text Placeholder 13">
             <a:extLst>
               <a:ext uri="{FF2B5EF4-FFF2-40B4-BE49-F238E27FC236}">
-                <a16:creationId xmlns:a16="http://schemas.microsoft.com/office/drawing/2014/main" xmlns="" id="{EF94CC5A-0B90-D0D3-CF42-2A9B86331729}"/>
+                <a16:creationId xmlns="" xmlns:a16="http://schemas.microsoft.com/office/drawing/2014/main" id="{EF94CC5A-0B90-D0D3-CF42-2A9B86331729}"/>
               </a:ext>
             </a:extLst>
           </p:cNvPr>
@@ -3611,7 +3610,7 @@
           <p:cNvPr id="14" name="Text Placeholder 13">
             <a:extLst>
               <a:ext uri="{FF2B5EF4-FFF2-40B4-BE49-F238E27FC236}">
-                <a16:creationId xmlns:a16="http://schemas.microsoft.com/office/drawing/2014/main" xmlns="" id="{B472F1E6-DAE5-AE6D-F688-575FC243CD0C}"/>
+                <a16:creationId xmlns="" xmlns:a16="http://schemas.microsoft.com/office/drawing/2014/main" id="{B472F1E6-DAE5-AE6D-F688-575FC243CD0C}"/>
               </a:ext>
             </a:extLst>
           </p:cNvPr>
@@ -3663,7 +3662,7 @@
           <p:cNvPr id="16" name="Text Placeholder 13">
             <a:extLst>
               <a:ext uri="{FF2B5EF4-FFF2-40B4-BE49-F238E27FC236}">
-                <a16:creationId xmlns:a16="http://schemas.microsoft.com/office/drawing/2014/main" xmlns="" id="{0F182FA8-4DA0-527F-89C3-96D9A996F2C7}"/>
+                <a16:creationId xmlns="" xmlns:a16="http://schemas.microsoft.com/office/drawing/2014/main" id="{0F182FA8-4DA0-527F-89C3-96D9A996F2C7}"/>
               </a:ext>
             </a:extLst>
           </p:cNvPr>
@@ -3715,7 +3714,7 @@
           <p:cNvPr id="26" name="Text Placeholder 13">
             <a:extLst>
               <a:ext uri="{FF2B5EF4-FFF2-40B4-BE49-F238E27FC236}">
-                <a16:creationId xmlns:a16="http://schemas.microsoft.com/office/drawing/2014/main" xmlns="" id="{7F491CA2-1A10-E7DB-4203-DC7E9E48CCFF}"/>
+                <a16:creationId xmlns="" xmlns:a16="http://schemas.microsoft.com/office/drawing/2014/main" id="{7F491CA2-1A10-E7DB-4203-DC7E9E48CCFF}"/>
               </a:ext>
             </a:extLst>
           </p:cNvPr>
@@ -3767,7 +3766,7 @@
           <p:cNvPr id="8" name="Text Placeholder 7">
             <a:extLst>
               <a:ext uri="{FF2B5EF4-FFF2-40B4-BE49-F238E27FC236}">
-                <a16:creationId xmlns:a16="http://schemas.microsoft.com/office/drawing/2014/main" xmlns="" id="{75476138-49FF-70BE-6359-0A511EFB243F}"/>
+                <a16:creationId xmlns="" xmlns:a16="http://schemas.microsoft.com/office/drawing/2014/main" id="{75476138-49FF-70BE-6359-0A511EFB243F}"/>
               </a:ext>
             </a:extLst>
           </p:cNvPr>
@@ -3815,7 +3814,7 @@
           <p:cNvPr id="22" name="Text Placeholder 7">
             <a:extLst>
               <a:ext uri="{FF2B5EF4-FFF2-40B4-BE49-F238E27FC236}">
-                <a16:creationId xmlns:a16="http://schemas.microsoft.com/office/drawing/2014/main" xmlns="" id="{46EFC43B-3F8D-6957-F343-F3D9C3E7A716}"/>
+                <a16:creationId xmlns="" xmlns:a16="http://schemas.microsoft.com/office/drawing/2014/main" id="{46EFC43B-3F8D-6957-F343-F3D9C3E7A716}"/>
               </a:ext>
             </a:extLst>
           </p:cNvPr>
@@ -3863,7 +3862,7 @@
           <p:cNvPr id="23" name="Text Placeholder 7">
             <a:extLst>
               <a:ext uri="{FF2B5EF4-FFF2-40B4-BE49-F238E27FC236}">
-                <a16:creationId xmlns:a16="http://schemas.microsoft.com/office/drawing/2014/main" xmlns="" id="{D6007DD2-0F2E-6F92-8457-FC670750ED38}"/>
+                <a16:creationId xmlns="" xmlns:a16="http://schemas.microsoft.com/office/drawing/2014/main" id="{D6007DD2-0F2E-6F92-8457-FC670750ED38}"/>
               </a:ext>
             </a:extLst>
           </p:cNvPr>
@@ -3911,7 +3910,7 @@
           <p:cNvPr id="24" name="Text Placeholder 7">
             <a:extLst>
               <a:ext uri="{FF2B5EF4-FFF2-40B4-BE49-F238E27FC236}">
-                <a16:creationId xmlns:a16="http://schemas.microsoft.com/office/drawing/2014/main" xmlns="" id="{06C5667F-C463-51B6-B8D6-F757BDB8AFCC}"/>
+                <a16:creationId xmlns="" xmlns:a16="http://schemas.microsoft.com/office/drawing/2014/main" id="{06C5667F-C463-51B6-B8D6-F757BDB8AFCC}"/>
               </a:ext>
             </a:extLst>
           </p:cNvPr>
@@ -3959,7 +3958,7 @@
           <p:cNvPr id="27" name="Text Placeholder 7">
             <a:extLst>
               <a:ext uri="{FF2B5EF4-FFF2-40B4-BE49-F238E27FC236}">
-                <a16:creationId xmlns:a16="http://schemas.microsoft.com/office/drawing/2014/main" xmlns="" id="{0FF09CBB-BD48-E8E5-EECF-B6CBC36B236C}"/>
+                <a16:creationId xmlns="" xmlns:a16="http://schemas.microsoft.com/office/drawing/2014/main" id="{0FF09CBB-BD48-E8E5-EECF-B6CBC36B236C}"/>
               </a:ext>
             </a:extLst>
           </p:cNvPr>
@@ -4037,7 +4036,7 @@
           <p:cNvPr id="16" name="Picture Placeholder 15">
             <a:extLst>
               <a:ext uri="{FF2B5EF4-FFF2-40B4-BE49-F238E27FC236}">
-                <a16:creationId xmlns:a16="http://schemas.microsoft.com/office/drawing/2014/main" xmlns="" id="{1A881D2A-2C75-8B2A-DA41-F42ABBA59AA9}"/>
+                <a16:creationId xmlns="" xmlns:a16="http://schemas.microsoft.com/office/drawing/2014/main" id="{1A881D2A-2C75-8B2A-DA41-F42ABBA59AA9}"/>
               </a:ext>
             </a:extLst>
           </p:cNvPr>
@@ -4152,7 +4151,7 @@
           <p:cNvPr id="2" name="Title 1">
             <a:extLst>
               <a:ext uri="{FF2B5EF4-FFF2-40B4-BE49-F238E27FC236}">
-                <a16:creationId xmlns:a16="http://schemas.microsoft.com/office/drawing/2014/main" xmlns="" id="{5A0D1FF5-7EF8-4250-A259-43050ABBD3B6}"/>
+                <a16:creationId xmlns="" xmlns:a16="http://schemas.microsoft.com/office/drawing/2014/main" id="{5A0D1FF5-7EF8-4250-A259-43050ABBD3B6}"/>
               </a:ext>
             </a:extLst>
           </p:cNvPr>
@@ -4186,7 +4185,7 @@
           <p:cNvPr id="18" name="Text Placeholder 17">
             <a:extLst>
               <a:ext uri="{FF2B5EF4-FFF2-40B4-BE49-F238E27FC236}">
-                <a16:creationId xmlns:a16="http://schemas.microsoft.com/office/drawing/2014/main" xmlns="" id="{CCA7A15A-B484-E46E-FF4D-179F31F1777F}"/>
+                <a16:creationId xmlns="" xmlns:a16="http://schemas.microsoft.com/office/drawing/2014/main" id="{CCA7A15A-B484-E46E-FF4D-179F31F1777F}"/>
               </a:ext>
             </a:extLst>
           </p:cNvPr>
@@ -4314,7 +4313,7 @@
           <p:cNvPr id="4" name="Content Placeholder 3">
             <a:extLst>
               <a:ext uri="{FF2B5EF4-FFF2-40B4-BE49-F238E27FC236}">
-                <a16:creationId xmlns:a16="http://schemas.microsoft.com/office/drawing/2014/main" xmlns="" id="{C752CCA9-53A3-4DA5-AD45-C2A2C12A3A6A}"/>
+                <a16:creationId xmlns="" xmlns:a16="http://schemas.microsoft.com/office/drawing/2014/main" id="{C752CCA9-53A3-4DA5-AD45-C2A2C12A3A6A}"/>
               </a:ext>
             </a:extLst>
           </p:cNvPr>
@@ -4394,7 +4393,7 @@
           <p:cNvPr id="21" name="Text Placeholder 20">
             <a:extLst>
               <a:ext uri="{FF2B5EF4-FFF2-40B4-BE49-F238E27FC236}">
-                <a16:creationId xmlns:a16="http://schemas.microsoft.com/office/drawing/2014/main" xmlns="" id="{A123542D-139D-45CC-7853-FE3702B4BB1E}"/>
+                <a16:creationId xmlns="" xmlns:a16="http://schemas.microsoft.com/office/drawing/2014/main" id="{A123542D-139D-45CC-7853-FE3702B4BB1E}"/>
               </a:ext>
             </a:extLst>
           </p:cNvPr>
@@ -4522,7 +4521,7 @@
           <p:cNvPr id="6" name="Content Placeholder 5">
             <a:extLst>
               <a:ext uri="{FF2B5EF4-FFF2-40B4-BE49-F238E27FC236}">
-                <a16:creationId xmlns:a16="http://schemas.microsoft.com/office/drawing/2014/main" xmlns="" id="{E2E342EE-68BB-484D-98C3-48A7847549D4}"/>
+                <a16:creationId xmlns="" xmlns:a16="http://schemas.microsoft.com/office/drawing/2014/main" id="{E2E342EE-68BB-484D-98C3-48A7847549D4}"/>
               </a:ext>
             </a:extLst>
           </p:cNvPr>
@@ -4602,7 +4601,7 @@
           <p:cNvPr id="9" name="Slide Number Placeholder 8">
             <a:extLst>
               <a:ext uri="{FF2B5EF4-FFF2-40B4-BE49-F238E27FC236}">
-                <a16:creationId xmlns:a16="http://schemas.microsoft.com/office/drawing/2014/main" xmlns="" id="{0659A9D2-C6ED-A99E-6041-56B568841809}"/>
+                <a16:creationId xmlns="" xmlns:a16="http://schemas.microsoft.com/office/drawing/2014/main" id="{0659A9D2-C6ED-A99E-6041-56B568841809}"/>
               </a:ext>
             </a:extLst>
           </p:cNvPr>
@@ -4631,7 +4630,7 @@
           <p:cNvPr id="12" name="Footer Placeholder 11">
             <a:extLst>
               <a:ext uri="{FF2B5EF4-FFF2-40B4-BE49-F238E27FC236}">
-                <a16:creationId xmlns:a16="http://schemas.microsoft.com/office/drawing/2014/main" xmlns="" id="{971F094C-919A-3E78-DE58-27C2B997C940}"/>
+                <a16:creationId xmlns="" xmlns:a16="http://schemas.microsoft.com/office/drawing/2014/main" id="{971F094C-919A-3E78-DE58-27C2B997C940}"/>
               </a:ext>
             </a:extLst>
           </p:cNvPr>
@@ -4659,7 +4658,7 @@
           <p:cNvPr id="17" name="Rectangle 16">
             <a:extLst>
               <a:ext uri="{FF2B5EF4-FFF2-40B4-BE49-F238E27FC236}">
-                <a16:creationId xmlns:a16="http://schemas.microsoft.com/office/drawing/2014/main" xmlns="" id="{D5896335-CC4F-4D72-23F0-F7FBFA640021}"/>
+                <a16:creationId xmlns="" xmlns:a16="http://schemas.microsoft.com/office/drawing/2014/main" id="{D5896335-CC4F-4D72-23F0-F7FBFA640021}"/>
               </a:ext>
             </a:extLst>
           </p:cNvPr>
@@ -4738,7 +4737,7 @@
           <p:cNvPr id="3" name="Rectangle 2">
             <a:extLst>
               <a:ext uri="{FF2B5EF4-FFF2-40B4-BE49-F238E27FC236}">
-                <a16:creationId xmlns:a16="http://schemas.microsoft.com/office/drawing/2014/main" xmlns="" id="{1B9EF4E7-F4EF-FFCD-9B0C-961E519F6DDD}"/>
+                <a16:creationId xmlns="" xmlns:a16="http://schemas.microsoft.com/office/drawing/2014/main" id="{1B9EF4E7-F4EF-FFCD-9B0C-961E519F6DDD}"/>
               </a:ext>
             </a:extLst>
           </p:cNvPr>
@@ -4793,7 +4792,7 @@
           <p:cNvPr id="2" name="Title 1">
             <a:extLst>
               <a:ext uri="{FF2B5EF4-FFF2-40B4-BE49-F238E27FC236}">
-                <a16:creationId xmlns:a16="http://schemas.microsoft.com/office/drawing/2014/main" xmlns="" id="{5A0D1FF5-7EF8-4250-A259-43050ABBD3B6}"/>
+                <a16:creationId xmlns="" xmlns:a16="http://schemas.microsoft.com/office/drawing/2014/main" id="{5A0D1FF5-7EF8-4250-A259-43050ABBD3B6}"/>
               </a:ext>
             </a:extLst>
           </p:cNvPr>
@@ -4827,7 +4826,7 @@
           <p:cNvPr id="18" name="Text Placeholder 17">
             <a:extLst>
               <a:ext uri="{FF2B5EF4-FFF2-40B4-BE49-F238E27FC236}">
-                <a16:creationId xmlns:a16="http://schemas.microsoft.com/office/drawing/2014/main" xmlns="" id="{CCA7A15A-B484-E46E-FF4D-179F31F1777F}"/>
+                <a16:creationId xmlns="" xmlns:a16="http://schemas.microsoft.com/office/drawing/2014/main" id="{CCA7A15A-B484-E46E-FF4D-179F31F1777F}"/>
               </a:ext>
             </a:extLst>
           </p:cNvPr>
@@ -4953,7 +4952,7 @@
           <p:cNvPr id="4" name="Content Placeholder 3">
             <a:extLst>
               <a:ext uri="{FF2B5EF4-FFF2-40B4-BE49-F238E27FC236}">
-                <a16:creationId xmlns:a16="http://schemas.microsoft.com/office/drawing/2014/main" xmlns="" id="{C752CCA9-53A3-4DA5-AD45-C2A2C12A3A6A}"/>
+                <a16:creationId xmlns="" xmlns:a16="http://schemas.microsoft.com/office/drawing/2014/main" id="{C752CCA9-53A3-4DA5-AD45-C2A2C12A3A6A}"/>
               </a:ext>
             </a:extLst>
           </p:cNvPr>
@@ -5048,7 +5047,7 @@
           <p:cNvPr id="21" name="Text Placeholder 20">
             <a:extLst>
               <a:ext uri="{FF2B5EF4-FFF2-40B4-BE49-F238E27FC236}">
-                <a16:creationId xmlns:a16="http://schemas.microsoft.com/office/drawing/2014/main" xmlns="" id="{A123542D-139D-45CC-7853-FE3702B4BB1E}"/>
+                <a16:creationId xmlns="" xmlns:a16="http://schemas.microsoft.com/office/drawing/2014/main" id="{A123542D-139D-45CC-7853-FE3702B4BB1E}"/>
               </a:ext>
             </a:extLst>
           </p:cNvPr>
@@ -5174,7 +5173,7 @@
           <p:cNvPr id="6" name="Content Placeholder 5">
             <a:extLst>
               <a:ext uri="{FF2B5EF4-FFF2-40B4-BE49-F238E27FC236}">
-                <a16:creationId xmlns:a16="http://schemas.microsoft.com/office/drawing/2014/main" xmlns="" id="{E2E342EE-68BB-484D-98C3-48A7847549D4}"/>
+                <a16:creationId xmlns="" xmlns:a16="http://schemas.microsoft.com/office/drawing/2014/main" id="{E2E342EE-68BB-484D-98C3-48A7847549D4}"/>
               </a:ext>
             </a:extLst>
           </p:cNvPr>
@@ -5269,7 +5268,7 @@
           <p:cNvPr id="9" name="Slide Number Placeholder 8">
             <a:extLst>
               <a:ext uri="{FF2B5EF4-FFF2-40B4-BE49-F238E27FC236}">
-                <a16:creationId xmlns:a16="http://schemas.microsoft.com/office/drawing/2014/main" xmlns="" id="{0659A9D2-C6ED-A99E-6041-56B568841809}"/>
+                <a16:creationId xmlns="" xmlns:a16="http://schemas.microsoft.com/office/drawing/2014/main" id="{0659A9D2-C6ED-A99E-6041-56B568841809}"/>
               </a:ext>
             </a:extLst>
           </p:cNvPr>
@@ -5298,7 +5297,7 @@
           <p:cNvPr id="12" name="Footer Placeholder 11">
             <a:extLst>
               <a:ext uri="{FF2B5EF4-FFF2-40B4-BE49-F238E27FC236}">
-                <a16:creationId xmlns:a16="http://schemas.microsoft.com/office/drawing/2014/main" xmlns="" id="{971F094C-919A-3E78-DE58-27C2B997C940}"/>
+                <a16:creationId xmlns="" xmlns:a16="http://schemas.microsoft.com/office/drawing/2014/main" id="{971F094C-919A-3E78-DE58-27C2B997C940}"/>
               </a:ext>
             </a:extLst>
           </p:cNvPr>
@@ -5326,7 +5325,7 @@
           <p:cNvPr id="5" name="Picture Placeholder 6">
             <a:extLst>
               <a:ext uri="{FF2B5EF4-FFF2-40B4-BE49-F238E27FC236}">
-                <a16:creationId xmlns:a16="http://schemas.microsoft.com/office/drawing/2014/main" xmlns="" id="{AD6DBECB-0E53-C186-A485-96A8FC1252C7}"/>
+                <a16:creationId xmlns="" xmlns:a16="http://schemas.microsoft.com/office/drawing/2014/main" id="{AD6DBECB-0E53-C186-A485-96A8FC1252C7}"/>
               </a:ext>
             </a:extLst>
           </p:cNvPr>
@@ -5369,7 +5368,7 @@
           <p:cNvPr id="7" name="Text Placeholder 20">
             <a:extLst>
               <a:ext uri="{FF2B5EF4-FFF2-40B4-BE49-F238E27FC236}">
-                <a16:creationId xmlns:a16="http://schemas.microsoft.com/office/drawing/2014/main" xmlns="" id="{F0B28D44-29B3-3396-973D-82E361161253}"/>
+                <a16:creationId xmlns="" xmlns:a16="http://schemas.microsoft.com/office/drawing/2014/main" id="{F0B28D44-29B3-3396-973D-82E361161253}"/>
               </a:ext>
             </a:extLst>
           </p:cNvPr>
@@ -5495,7 +5494,7 @@
           <p:cNvPr id="8" name="Content Placeholder 5">
             <a:extLst>
               <a:ext uri="{FF2B5EF4-FFF2-40B4-BE49-F238E27FC236}">
-                <a16:creationId xmlns:a16="http://schemas.microsoft.com/office/drawing/2014/main" xmlns="" id="{C06156AC-1153-3958-CFE6-6CDCC21C38A9}"/>
+                <a16:creationId xmlns="" xmlns:a16="http://schemas.microsoft.com/office/drawing/2014/main" id="{C06156AC-1153-3958-CFE6-6CDCC21C38A9}"/>
               </a:ext>
             </a:extLst>
           </p:cNvPr>
@@ -5590,7 +5589,7 @@
           <p:cNvPr id="11" name="Picture Placeholder 10">
             <a:extLst>
               <a:ext uri="{FF2B5EF4-FFF2-40B4-BE49-F238E27FC236}">
-                <a16:creationId xmlns:a16="http://schemas.microsoft.com/office/drawing/2014/main" xmlns="" id="{A4CE90CA-176B-1E45-FECF-0290B1DCF55C}"/>
+                <a16:creationId xmlns="" xmlns:a16="http://schemas.microsoft.com/office/drawing/2014/main" id="{A4CE90CA-176B-1E45-FECF-0290B1DCF55C}"/>
               </a:ext>
             </a:extLst>
           </p:cNvPr>
@@ -5629,7 +5628,7 @@
           <p:cNvPr id="13" name="Picture Placeholder 10">
             <a:extLst>
               <a:ext uri="{FF2B5EF4-FFF2-40B4-BE49-F238E27FC236}">
-                <a16:creationId xmlns:a16="http://schemas.microsoft.com/office/drawing/2014/main" xmlns="" id="{365BC287-99EE-D6FA-48B9-1E6FFE9357EA}"/>
+                <a16:creationId xmlns="" xmlns:a16="http://schemas.microsoft.com/office/drawing/2014/main" id="{365BC287-99EE-D6FA-48B9-1E6FFE9357EA}"/>
               </a:ext>
             </a:extLst>
           </p:cNvPr>
@@ -5668,7 +5667,7 @@
           <p:cNvPr id="14" name="Picture Placeholder 10">
             <a:extLst>
               <a:ext uri="{FF2B5EF4-FFF2-40B4-BE49-F238E27FC236}">
-                <a16:creationId xmlns:a16="http://schemas.microsoft.com/office/drawing/2014/main" xmlns="" id="{ECE7A377-A1E6-77DF-79F9-F251BD757741}"/>
+                <a16:creationId xmlns="" xmlns:a16="http://schemas.microsoft.com/office/drawing/2014/main" id="{ECE7A377-A1E6-77DF-79F9-F251BD757741}"/>
               </a:ext>
             </a:extLst>
           </p:cNvPr>
@@ -5707,7 +5706,7 @@
           <p:cNvPr id="15" name="Straight Connector 14">
             <a:extLst>
               <a:ext uri="{FF2B5EF4-FFF2-40B4-BE49-F238E27FC236}">
-                <a16:creationId xmlns:a16="http://schemas.microsoft.com/office/drawing/2014/main" xmlns="" id="{52D976B1-BEF2-CB69-E97E-A6DAD1F04689}"/>
+                <a16:creationId xmlns="" xmlns:a16="http://schemas.microsoft.com/office/drawing/2014/main" id="{52D976B1-BEF2-CB69-E97E-A6DAD1F04689}"/>
               </a:ext>
             </a:extLst>
           </p:cNvPr>
@@ -5780,7 +5779,7 @@
           <p:cNvPr id="3" name="Slide Number Placeholder 2">
             <a:extLst>
               <a:ext uri="{FF2B5EF4-FFF2-40B4-BE49-F238E27FC236}">
-                <a16:creationId xmlns:a16="http://schemas.microsoft.com/office/drawing/2014/main" xmlns="" id="{F9358819-7D9B-11CB-DBC5-CC8BC5C076D2}"/>
+                <a16:creationId xmlns="" xmlns:a16="http://schemas.microsoft.com/office/drawing/2014/main" id="{F9358819-7D9B-11CB-DBC5-CC8BC5C076D2}"/>
               </a:ext>
             </a:extLst>
           </p:cNvPr>
@@ -5810,7 +5809,7 @@
           <p:cNvPr id="4" name="Footer Placeholder 3">
             <a:extLst>
               <a:ext uri="{FF2B5EF4-FFF2-40B4-BE49-F238E27FC236}">
-                <a16:creationId xmlns:a16="http://schemas.microsoft.com/office/drawing/2014/main" xmlns="" id="{B2EB2EEB-FE70-98B2-9437-0E1E91F929E8}"/>
+                <a16:creationId xmlns="" xmlns:a16="http://schemas.microsoft.com/office/drawing/2014/main" id="{B2EB2EEB-FE70-98B2-9437-0E1E91F929E8}"/>
               </a:ext>
             </a:extLst>
           </p:cNvPr>
@@ -5838,7 +5837,7 @@
           <p:cNvPr id="5" name="Straight Connector 4">
             <a:extLst>
               <a:ext uri="{FF2B5EF4-FFF2-40B4-BE49-F238E27FC236}">
-                <a16:creationId xmlns:a16="http://schemas.microsoft.com/office/drawing/2014/main" xmlns="" id="{DFAA902D-BDC9-E5AF-D40D-7B8DE616EBE0}"/>
+                <a16:creationId xmlns="" xmlns:a16="http://schemas.microsoft.com/office/drawing/2014/main" id="{DFAA902D-BDC9-E5AF-D40D-7B8DE616EBE0}"/>
               </a:ext>
             </a:extLst>
           </p:cNvPr>
@@ -5881,7 +5880,7 @@
           <p:cNvPr id="8" name="Text Placeholder 7">
             <a:extLst>
               <a:ext uri="{FF2B5EF4-FFF2-40B4-BE49-F238E27FC236}">
-                <a16:creationId xmlns:a16="http://schemas.microsoft.com/office/drawing/2014/main" xmlns="" id="{92A4017E-4CAA-8499-38AE-3A3306A7EB26}"/>
+                <a16:creationId xmlns="" xmlns:a16="http://schemas.microsoft.com/office/drawing/2014/main" id="{92A4017E-4CAA-8499-38AE-3A3306A7EB26}"/>
               </a:ext>
             </a:extLst>
           </p:cNvPr>
@@ -5926,7 +5925,7 @@
           <p:cNvPr id="11" name="Picture Placeholder 10">
             <a:extLst>
               <a:ext uri="{FF2B5EF4-FFF2-40B4-BE49-F238E27FC236}">
-                <a16:creationId xmlns:a16="http://schemas.microsoft.com/office/drawing/2014/main" xmlns="" id="{E9103CB5-F9EF-D6DA-A5D4-DCCAEBEBE615}"/>
+                <a16:creationId xmlns="" xmlns:a16="http://schemas.microsoft.com/office/drawing/2014/main" id="{E9103CB5-F9EF-D6DA-A5D4-DCCAEBEBE615}"/>
               </a:ext>
             </a:extLst>
           </p:cNvPr>
@@ -5960,7 +5959,7 @@
           <p:cNvPr id="2" name="Title 1">
             <a:extLst>
               <a:ext uri="{FF2B5EF4-FFF2-40B4-BE49-F238E27FC236}">
-                <a16:creationId xmlns:a16="http://schemas.microsoft.com/office/drawing/2014/main" xmlns="" id="{E217F00C-8F19-CB9F-D5BF-9A5F4C77E256}"/>
+                <a16:creationId xmlns="" xmlns:a16="http://schemas.microsoft.com/office/drawing/2014/main" id="{E217F00C-8F19-CB9F-D5BF-9A5F4C77E256}"/>
               </a:ext>
             </a:extLst>
           </p:cNvPr>
@@ -6028,7 +6027,7 @@
           <p:cNvPr id="19" name="Picture Placeholder 18">
             <a:extLst>
               <a:ext uri="{FF2B5EF4-FFF2-40B4-BE49-F238E27FC236}">
-                <a16:creationId xmlns:a16="http://schemas.microsoft.com/office/drawing/2014/main" xmlns="" id="{8C402F40-958A-D2BF-629C-39B659EC95D4}"/>
+                <a16:creationId xmlns="" xmlns:a16="http://schemas.microsoft.com/office/drawing/2014/main" id="{8C402F40-958A-D2BF-629C-39B659EC95D4}"/>
               </a:ext>
             </a:extLst>
           </p:cNvPr>
@@ -6143,7 +6142,7 @@
           <p:cNvPr id="16" name="Title 15">
             <a:extLst>
               <a:ext uri="{FF2B5EF4-FFF2-40B4-BE49-F238E27FC236}">
-                <a16:creationId xmlns:a16="http://schemas.microsoft.com/office/drawing/2014/main" xmlns="" id="{ABAFD431-F46D-3701-6A51-738ADAF3A5E3}"/>
+                <a16:creationId xmlns="" xmlns:a16="http://schemas.microsoft.com/office/drawing/2014/main" id="{ABAFD431-F46D-3701-6A51-738ADAF3A5E3}"/>
               </a:ext>
             </a:extLst>
           </p:cNvPr>
@@ -6268,7 +6267,7 @@
           <p:cNvPr id="11" name="Picture Placeholder 10">
             <a:extLst>
               <a:ext uri="{FF2B5EF4-FFF2-40B4-BE49-F238E27FC236}">
-                <a16:creationId xmlns:a16="http://schemas.microsoft.com/office/drawing/2014/main" xmlns="" id="{CAFD788D-D699-2BA7-3637-AA3B48C09084}"/>
+                <a16:creationId xmlns="" xmlns:a16="http://schemas.microsoft.com/office/drawing/2014/main" id="{CAFD788D-D699-2BA7-3637-AA3B48C09084}"/>
               </a:ext>
             </a:extLst>
           </p:cNvPr>
@@ -6310,7 +6309,7 @@
           <p:cNvPr id="13" name="Text Placeholder 12">
             <a:extLst>
               <a:ext uri="{FF2B5EF4-FFF2-40B4-BE49-F238E27FC236}">
-                <a16:creationId xmlns:a16="http://schemas.microsoft.com/office/drawing/2014/main" xmlns="" id="{7808A0C0-A02B-D1C7-6DE5-CA25624AD099}"/>
+                <a16:creationId xmlns="" xmlns:a16="http://schemas.microsoft.com/office/drawing/2014/main" id="{7808A0C0-A02B-D1C7-6DE5-CA25624AD099}"/>
               </a:ext>
             </a:extLst>
           </p:cNvPr>
@@ -6349,7 +6348,7 @@
           <p:cNvPr id="20" name="Rectangle 19">
             <a:extLst>
               <a:ext uri="{FF2B5EF4-FFF2-40B4-BE49-F238E27FC236}">
-                <a16:creationId xmlns:a16="http://schemas.microsoft.com/office/drawing/2014/main" xmlns="" id="{469017C4-5BB0-DF6F-781B-FB81A3A5D977}"/>
+                <a16:creationId xmlns="" xmlns:a16="http://schemas.microsoft.com/office/drawing/2014/main" id="{469017C4-5BB0-DF6F-781B-FB81A3A5D977}"/>
               </a:ext>
             </a:extLst>
           </p:cNvPr>
@@ -6428,7 +6427,7 @@
           <p:cNvPr id="2" name="Title 1">
             <a:extLst>
               <a:ext uri="{FF2B5EF4-FFF2-40B4-BE49-F238E27FC236}">
-                <a16:creationId xmlns:a16="http://schemas.microsoft.com/office/drawing/2014/main" xmlns="" id="{20B5ED18-7A07-47F1-8056-CD86B076AFE2}"/>
+                <a16:creationId xmlns="" xmlns:a16="http://schemas.microsoft.com/office/drawing/2014/main" id="{20B5ED18-7A07-47F1-8056-CD86B076AFE2}"/>
               </a:ext>
             </a:extLst>
           </p:cNvPr>
@@ -6457,7 +6456,7 @@
           <p:cNvPr id="5" name="Slide Number Placeholder 4">
             <a:extLst>
               <a:ext uri="{FF2B5EF4-FFF2-40B4-BE49-F238E27FC236}">
-                <a16:creationId xmlns:a16="http://schemas.microsoft.com/office/drawing/2014/main" xmlns="" id="{814BC7BE-FECC-8573-D4F0-FA004B4A04F4}"/>
+                <a16:creationId xmlns="" xmlns:a16="http://schemas.microsoft.com/office/drawing/2014/main" id="{814BC7BE-FECC-8573-D4F0-FA004B4A04F4}"/>
               </a:ext>
             </a:extLst>
           </p:cNvPr>
@@ -6486,7 +6485,7 @@
           <p:cNvPr id="8" name="Footer Placeholder 7">
             <a:extLst>
               <a:ext uri="{FF2B5EF4-FFF2-40B4-BE49-F238E27FC236}">
-                <a16:creationId xmlns:a16="http://schemas.microsoft.com/office/drawing/2014/main" xmlns="" id="{A4DB0707-D3A6-4BF0-3225-EC3851AD7387}"/>
+                <a16:creationId xmlns="" xmlns:a16="http://schemas.microsoft.com/office/drawing/2014/main" id="{A4DB0707-D3A6-4BF0-3225-EC3851AD7387}"/>
               </a:ext>
             </a:extLst>
           </p:cNvPr>
@@ -6544,7 +6543,7 @@
           <p:cNvPr id="4" name="Slide Number Placeholder 3">
             <a:extLst>
               <a:ext uri="{FF2B5EF4-FFF2-40B4-BE49-F238E27FC236}">
-                <a16:creationId xmlns:a16="http://schemas.microsoft.com/office/drawing/2014/main" xmlns="" id="{E81AE946-135C-E4E8-BA60-64AB48B87F80}"/>
+                <a16:creationId xmlns="" xmlns:a16="http://schemas.microsoft.com/office/drawing/2014/main" id="{E81AE946-135C-E4E8-BA60-64AB48B87F80}"/>
               </a:ext>
             </a:extLst>
           </p:cNvPr>
@@ -6573,7 +6572,7 @@
           <p:cNvPr id="7" name="Footer Placeholder 6">
             <a:extLst>
               <a:ext uri="{FF2B5EF4-FFF2-40B4-BE49-F238E27FC236}">
-                <a16:creationId xmlns:a16="http://schemas.microsoft.com/office/drawing/2014/main" xmlns="" id="{FFD67329-9F30-BEB7-31E2-FECA7FD59B06}"/>
+                <a16:creationId xmlns="" xmlns:a16="http://schemas.microsoft.com/office/drawing/2014/main" id="{FFD67329-9F30-BEB7-31E2-FECA7FD59B06}"/>
               </a:ext>
             </a:extLst>
           </p:cNvPr>
@@ -6631,7 +6630,7 @@
           <p:cNvPr id="2" name="Title 1">
             <a:extLst>
               <a:ext uri="{FF2B5EF4-FFF2-40B4-BE49-F238E27FC236}">
-                <a16:creationId xmlns:a16="http://schemas.microsoft.com/office/drawing/2014/main" xmlns="" id="{305BD6A3-F987-4FCC-A6EF-2EF0D33C0888}"/>
+                <a16:creationId xmlns="" xmlns:a16="http://schemas.microsoft.com/office/drawing/2014/main" id="{305BD6A3-F987-4FCC-A6EF-2EF0D33C0888}"/>
               </a:ext>
             </a:extLst>
           </p:cNvPr>
@@ -6668,7 +6667,7 @@
           <p:cNvPr id="3" name="Content Placeholder 2">
             <a:extLst>
               <a:ext uri="{FF2B5EF4-FFF2-40B4-BE49-F238E27FC236}">
-                <a16:creationId xmlns:a16="http://schemas.microsoft.com/office/drawing/2014/main" xmlns="" id="{4C3F06A0-63CE-4272-B90E-4F20296BFBEB}"/>
+                <a16:creationId xmlns="" xmlns:a16="http://schemas.microsoft.com/office/drawing/2014/main" id="{4C3F06A0-63CE-4272-B90E-4F20296BFBEB}"/>
               </a:ext>
             </a:extLst>
           </p:cNvPr>
@@ -6758,7 +6757,7 @@
           <p:cNvPr id="4" name="Text Placeholder 3">
             <a:extLst>
               <a:ext uri="{FF2B5EF4-FFF2-40B4-BE49-F238E27FC236}">
-                <a16:creationId xmlns:a16="http://schemas.microsoft.com/office/drawing/2014/main" xmlns="" id="{08467220-06E3-427A-B4D3-9B0030E09DBB}"/>
+                <a16:creationId xmlns="" xmlns:a16="http://schemas.microsoft.com/office/drawing/2014/main" id="{08467220-06E3-427A-B4D3-9B0030E09DBB}"/>
               </a:ext>
             </a:extLst>
           </p:cNvPr>
@@ -6829,7 +6828,7 @@
           <p:cNvPr id="7" name="Slide Number Placeholder 6">
             <a:extLst>
               <a:ext uri="{FF2B5EF4-FFF2-40B4-BE49-F238E27FC236}">
-                <a16:creationId xmlns:a16="http://schemas.microsoft.com/office/drawing/2014/main" xmlns="" id="{73183587-0236-046F-3B80-4D4EEA7A8009}"/>
+                <a16:creationId xmlns="" xmlns:a16="http://schemas.microsoft.com/office/drawing/2014/main" id="{73183587-0236-046F-3B80-4D4EEA7A8009}"/>
               </a:ext>
             </a:extLst>
           </p:cNvPr>
@@ -6858,7 +6857,7 @@
           <p:cNvPr id="10" name="Footer Placeholder 9">
             <a:extLst>
               <a:ext uri="{FF2B5EF4-FFF2-40B4-BE49-F238E27FC236}">
-                <a16:creationId xmlns:a16="http://schemas.microsoft.com/office/drawing/2014/main" xmlns="" id="{60C67779-9FAD-3FE4-5C67-7E5313C03B45}"/>
+                <a16:creationId xmlns="" xmlns:a16="http://schemas.microsoft.com/office/drawing/2014/main" id="{60C67779-9FAD-3FE4-5C67-7E5313C03B45}"/>
               </a:ext>
             </a:extLst>
           </p:cNvPr>
@@ -6916,7 +6915,7 @@
           <p:cNvPr id="2" name="Title 1">
             <a:extLst>
               <a:ext uri="{FF2B5EF4-FFF2-40B4-BE49-F238E27FC236}">
-                <a16:creationId xmlns:a16="http://schemas.microsoft.com/office/drawing/2014/main" xmlns="" id="{DF308F2A-1C19-4116-80DF-E24EDDF283FF}"/>
+                <a16:creationId xmlns="" xmlns:a16="http://schemas.microsoft.com/office/drawing/2014/main" id="{DF308F2A-1C19-4116-80DF-E24EDDF283FF}"/>
               </a:ext>
             </a:extLst>
           </p:cNvPr>
@@ -6953,7 +6952,7 @@
           <p:cNvPr id="3" name="Picture Placeholder 2">
             <a:extLst>
               <a:ext uri="{FF2B5EF4-FFF2-40B4-BE49-F238E27FC236}">
-                <a16:creationId xmlns:a16="http://schemas.microsoft.com/office/drawing/2014/main" xmlns="" id="{08A489A7-7CA6-4CC9-B634-FCB2E102C6B9}"/>
+                <a16:creationId xmlns="" xmlns:a16="http://schemas.microsoft.com/office/drawing/2014/main" id="{08A489A7-7CA6-4CC9-B634-FCB2E102C6B9}"/>
               </a:ext>
             </a:extLst>
           </p:cNvPr>
@@ -7024,7 +7023,7 @@
           <p:cNvPr id="4" name="Text Placeholder 3">
             <a:extLst>
               <a:ext uri="{FF2B5EF4-FFF2-40B4-BE49-F238E27FC236}">
-                <a16:creationId xmlns:a16="http://schemas.microsoft.com/office/drawing/2014/main" xmlns="" id="{7DF5F80D-1DB9-4E0A-8F68-924FC1C9C3BA}"/>
+                <a16:creationId xmlns="" xmlns:a16="http://schemas.microsoft.com/office/drawing/2014/main" id="{7DF5F80D-1DB9-4E0A-8F68-924FC1C9C3BA}"/>
               </a:ext>
             </a:extLst>
           </p:cNvPr>
@@ -7095,7 +7094,7 @@
           <p:cNvPr id="7" name="Slide Number Placeholder 6">
             <a:extLst>
               <a:ext uri="{FF2B5EF4-FFF2-40B4-BE49-F238E27FC236}">
-                <a16:creationId xmlns:a16="http://schemas.microsoft.com/office/drawing/2014/main" xmlns="" id="{3AD70A4E-ED43-B5A1-F8FE-762E21A30A3E}"/>
+                <a16:creationId xmlns="" xmlns:a16="http://schemas.microsoft.com/office/drawing/2014/main" id="{3AD70A4E-ED43-B5A1-F8FE-762E21A30A3E}"/>
               </a:ext>
             </a:extLst>
           </p:cNvPr>
@@ -7124,7 +7123,7 @@
           <p:cNvPr id="10" name="Footer Placeholder 9">
             <a:extLst>
               <a:ext uri="{FF2B5EF4-FFF2-40B4-BE49-F238E27FC236}">
-                <a16:creationId xmlns:a16="http://schemas.microsoft.com/office/drawing/2014/main" xmlns="" id="{A4125545-56D8-5212-AA45-63F7C1DBF101}"/>
+                <a16:creationId xmlns="" xmlns:a16="http://schemas.microsoft.com/office/drawing/2014/main" id="{A4125545-56D8-5212-AA45-63F7C1DBF101}"/>
               </a:ext>
             </a:extLst>
           </p:cNvPr>
@@ -7182,7 +7181,7 @@
           <p:cNvPr id="4" name="Rectangle 3">
             <a:extLst>
               <a:ext uri="{FF2B5EF4-FFF2-40B4-BE49-F238E27FC236}">
-                <a16:creationId xmlns:a16="http://schemas.microsoft.com/office/drawing/2014/main" xmlns="" id="{A94B2501-78A9-E41B-7C2D-09F09ADDCB5E}"/>
+                <a16:creationId xmlns="" xmlns:a16="http://schemas.microsoft.com/office/drawing/2014/main" id="{A94B2501-78A9-E41B-7C2D-09F09ADDCB5E}"/>
               </a:ext>
             </a:extLst>
           </p:cNvPr>
@@ -7234,7 +7233,7 @@
           <p:cNvPr id="12" name="Rectangle 11">
             <a:extLst>
               <a:ext uri="{FF2B5EF4-FFF2-40B4-BE49-F238E27FC236}">
-                <a16:creationId xmlns:a16="http://schemas.microsoft.com/office/drawing/2014/main" xmlns="" id="{BBA0478E-A529-CF4E-CE5C-583ACA20D66C}"/>
+                <a16:creationId xmlns="" xmlns:a16="http://schemas.microsoft.com/office/drawing/2014/main" id="{BBA0478E-A529-CF4E-CE5C-583ACA20D66C}"/>
               </a:ext>
             </a:extLst>
           </p:cNvPr>
@@ -7286,7 +7285,7 @@
           <p:cNvPr id="2" name="Title 1">
             <a:extLst>
               <a:ext uri="{FF2B5EF4-FFF2-40B4-BE49-F238E27FC236}">
-                <a16:creationId xmlns:a16="http://schemas.microsoft.com/office/drawing/2014/main" xmlns="" id="{3CD97974-B93C-4C96-B3F6-F69E3D6DE6CA}"/>
+                <a16:creationId xmlns="" xmlns:a16="http://schemas.microsoft.com/office/drawing/2014/main" id="{3CD97974-B93C-4C96-B3F6-F69E3D6DE6CA}"/>
               </a:ext>
             </a:extLst>
           </p:cNvPr>
@@ -7324,7 +7323,7 @@
           <p:cNvPr id="3" name="Content Placeholder 2">
             <a:extLst>
               <a:ext uri="{FF2B5EF4-FFF2-40B4-BE49-F238E27FC236}">
-                <a16:creationId xmlns:a16="http://schemas.microsoft.com/office/drawing/2014/main" xmlns="" id="{8A6FC6F2-80B4-49A7-9448-33FE2DF0E967}"/>
+                <a16:creationId xmlns="" xmlns:a16="http://schemas.microsoft.com/office/drawing/2014/main" id="{8A6FC6F2-80B4-49A7-9448-33FE2DF0E967}"/>
               </a:ext>
             </a:extLst>
           </p:cNvPr>
@@ -7407,7 +7406,7 @@
           <p:cNvPr id="6" name="TextBox 5">
             <a:extLst>
               <a:ext uri="{FF2B5EF4-FFF2-40B4-BE49-F238E27FC236}">
-                <a16:creationId xmlns:a16="http://schemas.microsoft.com/office/drawing/2014/main" xmlns="" id="{D17F99EA-AB5F-24F3-D971-2B9BDE3B4F3C}"/>
+                <a16:creationId xmlns="" xmlns:a16="http://schemas.microsoft.com/office/drawing/2014/main" id="{D17F99EA-AB5F-24F3-D971-2B9BDE3B4F3C}"/>
               </a:ext>
             </a:extLst>
           </p:cNvPr>
@@ -7439,7 +7438,7 @@
           <p:cNvPr id="9" name="Slide Number Placeholder 8">
             <a:extLst>
               <a:ext uri="{FF2B5EF4-FFF2-40B4-BE49-F238E27FC236}">
-                <a16:creationId xmlns:a16="http://schemas.microsoft.com/office/drawing/2014/main" xmlns="" id="{969BB099-33E8-8B24-7E54-70E7457A1C7B}"/>
+                <a16:creationId xmlns="" xmlns:a16="http://schemas.microsoft.com/office/drawing/2014/main" id="{969BB099-33E8-8B24-7E54-70E7457A1C7B}"/>
               </a:ext>
             </a:extLst>
           </p:cNvPr>
@@ -7468,7 +7467,7 @@
           <p:cNvPr id="10" name="Footer Placeholder 9">
             <a:extLst>
               <a:ext uri="{FF2B5EF4-FFF2-40B4-BE49-F238E27FC236}">
-                <a16:creationId xmlns:a16="http://schemas.microsoft.com/office/drawing/2014/main" xmlns="" id="{1E607086-83FC-E680-56CD-FD986ACF5B7E}"/>
+                <a16:creationId xmlns="" xmlns:a16="http://schemas.microsoft.com/office/drawing/2014/main" id="{1E607086-83FC-E680-56CD-FD986ACF5B7E}"/>
               </a:ext>
             </a:extLst>
           </p:cNvPr>
@@ -7496,7 +7495,7 @@
           <p:cNvPr id="7" name="Picture Placeholder 6">
             <a:extLst>
               <a:ext uri="{FF2B5EF4-FFF2-40B4-BE49-F238E27FC236}">
-                <a16:creationId xmlns:a16="http://schemas.microsoft.com/office/drawing/2014/main" xmlns="" id="{90AD0F96-99DE-C9D9-569E-AE6FC6307EA7}"/>
+                <a16:creationId xmlns="" xmlns:a16="http://schemas.microsoft.com/office/drawing/2014/main" id="{90AD0F96-99DE-C9D9-569E-AE6FC6307EA7}"/>
               </a:ext>
             </a:extLst>
           </p:cNvPr>
@@ -7536,7 +7535,7 @@
           <p:cNvPr id="8" name="Straight Connector 7">
             <a:extLst>
               <a:ext uri="{FF2B5EF4-FFF2-40B4-BE49-F238E27FC236}">
-                <a16:creationId xmlns:a16="http://schemas.microsoft.com/office/drawing/2014/main" xmlns="" id="{D792E47F-4E2C-B4B2-51F0-43D9D15C5A60}"/>
+                <a16:creationId xmlns="" xmlns:a16="http://schemas.microsoft.com/office/drawing/2014/main" id="{D792E47F-4E2C-B4B2-51F0-43D9D15C5A60}"/>
               </a:ext>
             </a:extLst>
           </p:cNvPr>
@@ -7617,7 +7616,7 @@
           <p:cNvPr id="12" name="Rectangle 11">
             <a:extLst>
               <a:ext uri="{FF2B5EF4-FFF2-40B4-BE49-F238E27FC236}">
-                <a16:creationId xmlns:a16="http://schemas.microsoft.com/office/drawing/2014/main" xmlns="" id="{BBA0478E-A529-CF4E-CE5C-583ACA20D66C}"/>
+                <a16:creationId xmlns="" xmlns:a16="http://schemas.microsoft.com/office/drawing/2014/main" id="{BBA0478E-A529-CF4E-CE5C-583ACA20D66C}"/>
               </a:ext>
             </a:extLst>
           </p:cNvPr>
@@ -7669,7 +7668,7 @@
           <p:cNvPr id="2" name="Title 1">
             <a:extLst>
               <a:ext uri="{FF2B5EF4-FFF2-40B4-BE49-F238E27FC236}">
-                <a16:creationId xmlns:a16="http://schemas.microsoft.com/office/drawing/2014/main" xmlns="" id="{3CD97974-B93C-4C96-B3F6-F69E3D6DE6CA}"/>
+                <a16:creationId xmlns="" xmlns:a16="http://schemas.microsoft.com/office/drawing/2014/main" id="{3CD97974-B93C-4C96-B3F6-F69E3D6DE6CA}"/>
               </a:ext>
             </a:extLst>
           </p:cNvPr>
@@ -7707,7 +7706,7 @@
           <p:cNvPr id="3" name="Content Placeholder 2">
             <a:extLst>
               <a:ext uri="{FF2B5EF4-FFF2-40B4-BE49-F238E27FC236}">
-                <a16:creationId xmlns:a16="http://schemas.microsoft.com/office/drawing/2014/main" xmlns="" id="{8A6FC6F2-80B4-49A7-9448-33FE2DF0E967}"/>
+                <a16:creationId xmlns="" xmlns:a16="http://schemas.microsoft.com/office/drawing/2014/main" id="{8A6FC6F2-80B4-49A7-9448-33FE2DF0E967}"/>
               </a:ext>
             </a:extLst>
           </p:cNvPr>
@@ -7790,7 +7789,7 @@
           <p:cNvPr id="6" name="TextBox 5">
             <a:extLst>
               <a:ext uri="{FF2B5EF4-FFF2-40B4-BE49-F238E27FC236}">
-                <a16:creationId xmlns:a16="http://schemas.microsoft.com/office/drawing/2014/main" xmlns="" id="{D17F99EA-AB5F-24F3-D971-2B9BDE3B4F3C}"/>
+                <a16:creationId xmlns="" xmlns:a16="http://schemas.microsoft.com/office/drawing/2014/main" id="{D17F99EA-AB5F-24F3-D971-2B9BDE3B4F3C}"/>
               </a:ext>
             </a:extLst>
           </p:cNvPr>
@@ -7822,7 +7821,7 @@
           <p:cNvPr id="9" name="Slide Number Placeholder 8">
             <a:extLst>
               <a:ext uri="{FF2B5EF4-FFF2-40B4-BE49-F238E27FC236}">
-                <a16:creationId xmlns:a16="http://schemas.microsoft.com/office/drawing/2014/main" xmlns="" id="{969BB099-33E8-8B24-7E54-70E7457A1C7B}"/>
+                <a16:creationId xmlns="" xmlns:a16="http://schemas.microsoft.com/office/drawing/2014/main" id="{969BB099-33E8-8B24-7E54-70E7457A1C7B}"/>
               </a:ext>
             </a:extLst>
           </p:cNvPr>
@@ -7860,7 +7859,7 @@
           <p:cNvPr id="10" name="Footer Placeholder 9">
             <a:extLst>
               <a:ext uri="{FF2B5EF4-FFF2-40B4-BE49-F238E27FC236}">
-                <a16:creationId xmlns:a16="http://schemas.microsoft.com/office/drawing/2014/main" xmlns="" id="{1E607086-83FC-E680-56CD-FD986ACF5B7E}"/>
+                <a16:creationId xmlns="" xmlns:a16="http://schemas.microsoft.com/office/drawing/2014/main" id="{1E607086-83FC-E680-56CD-FD986ACF5B7E}"/>
               </a:ext>
             </a:extLst>
           </p:cNvPr>
@@ -7896,7 +7895,7 @@
           <p:cNvPr id="7" name="Picture Placeholder 6">
             <a:extLst>
               <a:ext uri="{FF2B5EF4-FFF2-40B4-BE49-F238E27FC236}">
-                <a16:creationId xmlns:a16="http://schemas.microsoft.com/office/drawing/2014/main" xmlns="" id="{90AD0F96-99DE-C9D9-569E-AE6FC6307EA7}"/>
+                <a16:creationId xmlns="" xmlns:a16="http://schemas.microsoft.com/office/drawing/2014/main" id="{90AD0F96-99DE-C9D9-569E-AE6FC6307EA7}"/>
               </a:ext>
             </a:extLst>
           </p:cNvPr>
@@ -7939,7 +7938,7 @@
           <p:cNvPr id="11" name="Straight Connector 10">
             <a:extLst>
               <a:ext uri="{FF2B5EF4-FFF2-40B4-BE49-F238E27FC236}">
-                <a16:creationId xmlns:a16="http://schemas.microsoft.com/office/drawing/2014/main" xmlns="" id="{F036BAAC-D89F-682D-12A3-1C31F92F0FAF}"/>
+                <a16:creationId xmlns="" xmlns:a16="http://schemas.microsoft.com/office/drawing/2014/main" id="{F036BAAC-D89F-682D-12A3-1C31F92F0FAF}"/>
               </a:ext>
             </a:extLst>
           </p:cNvPr>
@@ -7982,7 +7981,7 @@
           <p:cNvPr id="5" name="Straight Connector 4">
             <a:extLst>
               <a:ext uri="{FF2B5EF4-FFF2-40B4-BE49-F238E27FC236}">
-                <a16:creationId xmlns:a16="http://schemas.microsoft.com/office/drawing/2014/main" xmlns="" id="{6F877625-E710-6DF2-3E49-374C6DD8DBC0}"/>
+                <a16:creationId xmlns="" xmlns:a16="http://schemas.microsoft.com/office/drawing/2014/main" id="{6F877625-E710-6DF2-3E49-374C6DD8DBC0}"/>
               </a:ext>
             </a:extLst>
           </p:cNvPr>
@@ -8063,7 +8062,7 @@
           <p:cNvPr id="10" name="Picture Placeholder 9">
             <a:extLst>
               <a:ext uri="{FF2B5EF4-FFF2-40B4-BE49-F238E27FC236}">
-                <a16:creationId xmlns:a16="http://schemas.microsoft.com/office/drawing/2014/main" xmlns="" id="{ED0AC02C-19A4-4754-CC96-34357DEFF55D}"/>
+                <a16:creationId xmlns="" xmlns:a16="http://schemas.microsoft.com/office/drawing/2014/main" id="{ED0AC02C-19A4-4754-CC96-34357DEFF55D}"/>
               </a:ext>
             </a:extLst>
           </p:cNvPr>
@@ -8178,7 +8177,7 @@
           <p:cNvPr id="2" name="Title 1">
             <a:extLst>
               <a:ext uri="{FF2B5EF4-FFF2-40B4-BE49-F238E27FC236}">
-                <a16:creationId xmlns:a16="http://schemas.microsoft.com/office/drawing/2014/main" xmlns="" id="{A2DFA2E8-50A1-4465-AC33-6FAC0E7736E9}"/>
+                <a16:creationId xmlns="" xmlns:a16="http://schemas.microsoft.com/office/drawing/2014/main" id="{A2DFA2E8-50A1-4465-AC33-6FAC0E7736E9}"/>
               </a:ext>
             </a:extLst>
           </p:cNvPr>
@@ -8216,7 +8215,7 @@
           <p:cNvPr id="3" name="Text Placeholder 2">
             <a:extLst>
               <a:ext uri="{FF2B5EF4-FFF2-40B4-BE49-F238E27FC236}">
-                <a16:creationId xmlns:a16="http://schemas.microsoft.com/office/drawing/2014/main" xmlns="" id="{2E65DE34-CDB7-41F7-A95A-592B99558C69}"/>
+                <a16:creationId xmlns="" xmlns:a16="http://schemas.microsoft.com/office/drawing/2014/main" id="{2E65DE34-CDB7-41F7-A95A-592B99558C69}"/>
               </a:ext>
             </a:extLst>
           </p:cNvPr>
@@ -8339,7 +8338,7 @@
           <p:cNvPr id="12" name="Rectangle 11">
             <a:extLst>
               <a:ext uri="{FF2B5EF4-FFF2-40B4-BE49-F238E27FC236}">
-                <a16:creationId xmlns:a16="http://schemas.microsoft.com/office/drawing/2014/main" xmlns="" id="{42E7004C-CFEF-6E88-A3C1-60FBC7F8CD13}"/>
+                <a16:creationId xmlns="" xmlns:a16="http://schemas.microsoft.com/office/drawing/2014/main" id="{42E7004C-CFEF-6E88-A3C1-60FBC7F8CD13}"/>
               </a:ext>
             </a:extLst>
           </p:cNvPr>
@@ -8418,7 +8417,7 @@
           <p:cNvPr id="2" name="Title 1">
             <a:extLst>
               <a:ext uri="{FF2B5EF4-FFF2-40B4-BE49-F238E27FC236}">
-                <a16:creationId xmlns:a16="http://schemas.microsoft.com/office/drawing/2014/main" xmlns="" id="{3CD97974-B93C-4C96-B3F6-F69E3D6DE6CA}"/>
+                <a16:creationId xmlns="" xmlns:a16="http://schemas.microsoft.com/office/drawing/2014/main" id="{3CD97974-B93C-4C96-B3F6-F69E3D6DE6CA}"/>
               </a:ext>
             </a:extLst>
           </p:cNvPr>
@@ -8456,7 +8455,7 @@
           <p:cNvPr id="3" name="Content Placeholder 2">
             <a:extLst>
               <a:ext uri="{FF2B5EF4-FFF2-40B4-BE49-F238E27FC236}">
-                <a16:creationId xmlns:a16="http://schemas.microsoft.com/office/drawing/2014/main" xmlns="" id="{8A6FC6F2-80B4-49A7-9448-33FE2DF0E967}"/>
+                <a16:creationId xmlns="" xmlns:a16="http://schemas.microsoft.com/office/drawing/2014/main" id="{8A6FC6F2-80B4-49A7-9448-33FE2DF0E967}"/>
               </a:ext>
             </a:extLst>
           </p:cNvPr>
@@ -8534,7 +8533,7 @@
           <p:cNvPr id="6" name="TextBox 5">
             <a:extLst>
               <a:ext uri="{FF2B5EF4-FFF2-40B4-BE49-F238E27FC236}">
-                <a16:creationId xmlns:a16="http://schemas.microsoft.com/office/drawing/2014/main" xmlns="" id="{D17F99EA-AB5F-24F3-D971-2B9BDE3B4F3C}"/>
+                <a16:creationId xmlns="" xmlns:a16="http://schemas.microsoft.com/office/drawing/2014/main" id="{D17F99EA-AB5F-24F3-D971-2B9BDE3B4F3C}"/>
               </a:ext>
             </a:extLst>
           </p:cNvPr>
@@ -8566,7 +8565,7 @@
           <p:cNvPr id="9" name="Slide Number Placeholder 8">
             <a:extLst>
               <a:ext uri="{FF2B5EF4-FFF2-40B4-BE49-F238E27FC236}">
-                <a16:creationId xmlns:a16="http://schemas.microsoft.com/office/drawing/2014/main" xmlns="" id="{969BB099-33E8-8B24-7E54-70E7457A1C7B}"/>
+                <a16:creationId xmlns="" xmlns:a16="http://schemas.microsoft.com/office/drawing/2014/main" id="{969BB099-33E8-8B24-7E54-70E7457A1C7B}"/>
               </a:ext>
             </a:extLst>
           </p:cNvPr>
@@ -8595,7 +8594,7 @@
           <p:cNvPr id="10" name="Footer Placeholder 9">
             <a:extLst>
               <a:ext uri="{FF2B5EF4-FFF2-40B4-BE49-F238E27FC236}">
-                <a16:creationId xmlns:a16="http://schemas.microsoft.com/office/drawing/2014/main" xmlns="" id="{1E607086-83FC-E680-56CD-FD986ACF5B7E}"/>
+                <a16:creationId xmlns="" xmlns:a16="http://schemas.microsoft.com/office/drawing/2014/main" id="{1E607086-83FC-E680-56CD-FD986ACF5B7E}"/>
               </a:ext>
             </a:extLst>
           </p:cNvPr>
@@ -8653,7 +8652,7 @@
           <p:cNvPr id="2" name="Title 1">
             <a:extLst>
               <a:ext uri="{FF2B5EF4-FFF2-40B4-BE49-F238E27FC236}">
-                <a16:creationId xmlns:a16="http://schemas.microsoft.com/office/drawing/2014/main" xmlns="" id="{3CD97974-B93C-4C96-B3F6-F69E3D6DE6CA}"/>
+                <a16:creationId xmlns="" xmlns:a16="http://schemas.microsoft.com/office/drawing/2014/main" id="{3CD97974-B93C-4C96-B3F6-F69E3D6DE6CA}"/>
               </a:ext>
             </a:extLst>
           </p:cNvPr>
@@ -8691,7 +8690,7 @@
           <p:cNvPr id="3" name="Content Placeholder 2">
             <a:extLst>
               <a:ext uri="{FF2B5EF4-FFF2-40B4-BE49-F238E27FC236}">
-                <a16:creationId xmlns:a16="http://schemas.microsoft.com/office/drawing/2014/main" xmlns="" id="{8A6FC6F2-80B4-49A7-9448-33FE2DF0E967}"/>
+                <a16:creationId xmlns="" xmlns:a16="http://schemas.microsoft.com/office/drawing/2014/main" id="{8A6FC6F2-80B4-49A7-9448-33FE2DF0E967}"/>
               </a:ext>
             </a:extLst>
           </p:cNvPr>
@@ -8770,7 +8769,7 @@
           <p:cNvPr id="6" name="TextBox 5">
             <a:extLst>
               <a:ext uri="{FF2B5EF4-FFF2-40B4-BE49-F238E27FC236}">
-                <a16:creationId xmlns:a16="http://schemas.microsoft.com/office/drawing/2014/main" xmlns="" id="{D17F99EA-AB5F-24F3-D971-2B9BDE3B4F3C}"/>
+                <a16:creationId xmlns="" xmlns:a16="http://schemas.microsoft.com/office/drawing/2014/main" id="{D17F99EA-AB5F-24F3-D971-2B9BDE3B4F3C}"/>
               </a:ext>
             </a:extLst>
           </p:cNvPr>
@@ -8802,7 +8801,7 @@
           <p:cNvPr id="9" name="Slide Number Placeholder 8">
             <a:extLst>
               <a:ext uri="{FF2B5EF4-FFF2-40B4-BE49-F238E27FC236}">
-                <a16:creationId xmlns:a16="http://schemas.microsoft.com/office/drawing/2014/main" xmlns="" id="{969BB099-33E8-8B24-7E54-70E7457A1C7B}"/>
+                <a16:creationId xmlns="" xmlns:a16="http://schemas.microsoft.com/office/drawing/2014/main" id="{969BB099-33E8-8B24-7E54-70E7457A1C7B}"/>
               </a:ext>
             </a:extLst>
           </p:cNvPr>
@@ -8831,7 +8830,7 @@
           <p:cNvPr id="10" name="Footer Placeholder 9">
             <a:extLst>
               <a:ext uri="{FF2B5EF4-FFF2-40B4-BE49-F238E27FC236}">
-                <a16:creationId xmlns:a16="http://schemas.microsoft.com/office/drawing/2014/main" xmlns="" id="{1E607086-83FC-E680-56CD-FD986ACF5B7E}"/>
+                <a16:creationId xmlns="" xmlns:a16="http://schemas.microsoft.com/office/drawing/2014/main" id="{1E607086-83FC-E680-56CD-FD986ACF5B7E}"/>
               </a:ext>
             </a:extLst>
           </p:cNvPr>
@@ -8889,7 +8888,7 @@
           <p:cNvPr id="6" name="TextBox 5">
             <a:extLst>
               <a:ext uri="{FF2B5EF4-FFF2-40B4-BE49-F238E27FC236}">
-                <a16:creationId xmlns:a16="http://schemas.microsoft.com/office/drawing/2014/main" xmlns="" id="{D17F99EA-AB5F-24F3-D971-2B9BDE3B4F3C}"/>
+                <a16:creationId xmlns="" xmlns:a16="http://schemas.microsoft.com/office/drawing/2014/main" id="{D17F99EA-AB5F-24F3-D971-2B9BDE3B4F3C}"/>
               </a:ext>
             </a:extLst>
           </p:cNvPr>
@@ -8921,7 +8920,7 @@
           <p:cNvPr id="9" name="Slide Number Placeholder 8">
             <a:extLst>
               <a:ext uri="{FF2B5EF4-FFF2-40B4-BE49-F238E27FC236}">
-                <a16:creationId xmlns:a16="http://schemas.microsoft.com/office/drawing/2014/main" xmlns="" id="{969BB099-33E8-8B24-7E54-70E7457A1C7B}"/>
+                <a16:creationId xmlns="" xmlns:a16="http://schemas.microsoft.com/office/drawing/2014/main" id="{969BB099-33E8-8B24-7E54-70E7457A1C7B}"/>
               </a:ext>
             </a:extLst>
           </p:cNvPr>
@@ -8950,7 +8949,7 @@
           <p:cNvPr id="10" name="Footer Placeholder 9">
             <a:extLst>
               <a:ext uri="{FF2B5EF4-FFF2-40B4-BE49-F238E27FC236}">
-                <a16:creationId xmlns:a16="http://schemas.microsoft.com/office/drawing/2014/main" xmlns="" id="{1E607086-83FC-E680-56CD-FD986ACF5B7E}"/>
+                <a16:creationId xmlns="" xmlns:a16="http://schemas.microsoft.com/office/drawing/2014/main" id="{1E607086-83FC-E680-56CD-FD986ACF5B7E}"/>
               </a:ext>
             </a:extLst>
           </p:cNvPr>
@@ -8978,7 +8977,7 @@
           <p:cNvPr id="5" name="Picture Placeholder 4">
             <a:extLst>
               <a:ext uri="{FF2B5EF4-FFF2-40B4-BE49-F238E27FC236}">
-                <a16:creationId xmlns:a16="http://schemas.microsoft.com/office/drawing/2014/main" xmlns="" id="{B7811310-A21F-0BFB-8198-22EDFCF9F45B}"/>
+                <a16:creationId xmlns="" xmlns:a16="http://schemas.microsoft.com/office/drawing/2014/main" id="{B7811310-A21F-0BFB-8198-22EDFCF9F45B}"/>
               </a:ext>
             </a:extLst>
           </p:cNvPr>
@@ -9017,7 +9016,7 @@
           <p:cNvPr id="7" name="Straight Connector 6">
             <a:extLst>
               <a:ext uri="{FF2B5EF4-FFF2-40B4-BE49-F238E27FC236}">
-                <a16:creationId xmlns:a16="http://schemas.microsoft.com/office/drawing/2014/main" xmlns="" id="{A73D2EFC-F14F-5508-06EE-4E5B5C535E16}"/>
+                <a16:creationId xmlns="" xmlns:a16="http://schemas.microsoft.com/office/drawing/2014/main" id="{A73D2EFC-F14F-5508-06EE-4E5B5C535E16}"/>
               </a:ext>
             </a:extLst>
           </p:cNvPr>
@@ -9060,7 +9059,7 @@
           <p:cNvPr id="8" name="Subtitle 2">
             <a:extLst>
               <a:ext uri="{FF2B5EF4-FFF2-40B4-BE49-F238E27FC236}">
-                <a16:creationId xmlns:a16="http://schemas.microsoft.com/office/drawing/2014/main" xmlns="" id="{28A6ACFB-D620-056D-1C62-903C5FBCEBCF}"/>
+                <a16:creationId xmlns="" xmlns:a16="http://schemas.microsoft.com/office/drawing/2014/main" id="{28A6ACFB-D620-056D-1C62-903C5FBCEBCF}"/>
               </a:ext>
             </a:extLst>
           </p:cNvPr>
@@ -9133,7 +9132,7 @@
           <p:cNvPr id="2" name="Title 1">
             <a:extLst>
               <a:ext uri="{FF2B5EF4-FFF2-40B4-BE49-F238E27FC236}">
-                <a16:creationId xmlns:a16="http://schemas.microsoft.com/office/drawing/2014/main" xmlns="" id="{3CD97974-B93C-4C96-B3F6-F69E3D6DE6CA}"/>
+                <a16:creationId xmlns="" xmlns:a16="http://schemas.microsoft.com/office/drawing/2014/main" id="{3CD97974-B93C-4C96-B3F6-F69E3D6DE6CA}"/>
               </a:ext>
             </a:extLst>
           </p:cNvPr>
@@ -9206,7 +9205,7 @@
           <p:cNvPr id="2" name="Title 1">
             <a:extLst>
               <a:ext uri="{FF2B5EF4-FFF2-40B4-BE49-F238E27FC236}">
-                <a16:creationId xmlns:a16="http://schemas.microsoft.com/office/drawing/2014/main" xmlns="" id="{0783ED19-9B5E-8852-24D6-62401816CBB7}"/>
+                <a16:creationId xmlns="" xmlns:a16="http://schemas.microsoft.com/office/drawing/2014/main" id="{0783ED19-9B5E-8852-24D6-62401816CBB7}"/>
               </a:ext>
             </a:extLst>
           </p:cNvPr>
@@ -9244,7 +9243,7 @@
           <p:cNvPr id="3" name="Slide Number Placeholder 2">
             <a:extLst>
               <a:ext uri="{FF2B5EF4-FFF2-40B4-BE49-F238E27FC236}">
-                <a16:creationId xmlns:a16="http://schemas.microsoft.com/office/drawing/2014/main" xmlns="" id="{4307A8A0-5009-A086-A6AE-542CA4684892}"/>
+                <a16:creationId xmlns="" xmlns:a16="http://schemas.microsoft.com/office/drawing/2014/main" id="{4307A8A0-5009-A086-A6AE-542CA4684892}"/>
               </a:ext>
             </a:extLst>
           </p:cNvPr>
@@ -9274,7 +9273,7 @@
           <p:cNvPr id="4" name="Footer Placeholder 3">
             <a:extLst>
               <a:ext uri="{FF2B5EF4-FFF2-40B4-BE49-F238E27FC236}">
-                <a16:creationId xmlns:a16="http://schemas.microsoft.com/office/drawing/2014/main" xmlns="" id="{56746F73-AB2D-A55B-67FD-85A2F20D50E8}"/>
+                <a16:creationId xmlns="" xmlns:a16="http://schemas.microsoft.com/office/drawing/2014/main" id="{56746F73-AB2D-A55B-67FD-85A2F20D50E8}"/>
               </a:ext>
             </a:extLst>
           </p:cNvPr>
@@ -9302,7 +9301,7 @@
           <p:cNvPr id="5" name="Picture Placeholder 8">
             <a:extLst>
               <a:ext uri="{FF2B5EF4-FFF2-40B4-BE49-F238E27FC236}">
-                <a16:creationId xmlns:a16="http://schemas.microsoft.com/office/drawing/2014/main" xmlns="" id="{6F01F221-54DA-6EF2-D9DE-2B9A7AB60B1C}"/>
+                <a16:creationId xmlns="" xmlns:a16="http://schemas.microsoft.com/office/drawing/2014/main" id="{6F01F221-54DA-6EF2-D9DE-2B9A7AB60B1C}"/>
               </a:ext>
             </a:extLst>
           </p:cNvPr>
@@ -9346,7 +9345,7 @@
           <p:cNvPr id="6" name="Picture Placeholder 8">
             <a:extLst>
               <a:ext uri="{FF2B5EF4-FFF2-40B4-BE49-F238E27FC236}">
-                <a16:creationId xmlns:a16="http://schemas.microsoft.com/office/drawing/2014/main" xmlns="" id="{9BEECCD2-A0EF-0622-7377-A2BAE978656E}"/>
+                <a16:creationId xmlns="" xmlns:a16="http://schemas.microsoft.com/office/drawing/2014/main" id="{9BEECCD2-A0EF-0622-7377-A2BAE978656E}"/>
               </a:ext>
             </a:extLst>
           </p:cNvPr>
@@ -9390,7 +9389,7 @@
           <p:cNvPr id="7" name="Picture Placeholder 8">
             <a:extLst>
               <a:ext uri="{FF2B5EF4-FFF2-40B4-BE49-F238E27FC236}">
-                <a16:creationId xmlns:a16="http://schemas.microsoft.com/office/drawing/2014/main" xmlns="" id="{DDD9A982-D940-ADB7-F949-B3898D1984E6}"/>
+                <a16:creationId xmlns="" xmlns:a16="http://schemas.microsoft.com/office/drawing/2014/main" id="{DDD9A982-D940-ADB7-F949-B3898D1984E6}"/>
               </a:ext>
             </a:extLst>
           </p:cNvPr>
@@ -9434,7 +9433,7 @@
           <p:cNvPr id="8" name="Picture Placeholder 8">
             <a:extLst>
               <a:ext uri="{FF2B5EF4-FFF2-40B4-BE49-F238E27FC236}">
-                <a16:creationId xmlns:a16="http://schemas.microsoft.com/office/drawing/2014/main" xmlns="" id="{492630AD-4FA0-C5D3-DC29-AE0E67CB6CAA}"/>
+                <a16:creationId xmlns="" xmlns:a16="http://schemas.microsoft.com/office/drawing/2014/main" id="{492630AD-4FA0-C5D3-DC29-AE0E67CB6CAA}"/>
               </a:ext>
             </a:extLst>
           </p:cNvPr>
@@ -9478,7 +9477,7 @@
           <p:cNvPr id="9" name="Text Placeholder 13">
             <a:extLst>
               <a:ext uri="{FF2B5EF4-FFF2-40B4-BE49-F238E27FC236}">
-                <a16:creationId xmlns:a16="http://schemas.microsoft.com/office/drawing/2014/main" xmlns="" id="{AA3DDCC3-9231-434E-A1D1-8A078DE7BF10}"/>
+                <a16:creationId xmlns="" xmlns:a16="http://schemas.microsoft.com/office/drawing/2014/main" id="{AA3DDCC3-9231-434E-A1D1-8A078DE7BF10}"/>
               </a:ext>
             </a:extLst>
           </p:cNvPr>
@@ -9530,7 +9529,7 @@
           <p:cNvPr id="10" name="Text Placeholder 13">
             <a:extLst>
               <a:ext uri="{FF2B5EF4-FFF2-40B4-BE49-F238E27FC236}">
-                <a16:creationId xmlns:a16="http://schemas.microsoft.com/office/drawing/2014/main" xmlns="" id="{970A1046-F88C-E11E-0E2E-A7F3AEDB3A26}"/>
+                <a16:creationId xmlns="" xmlns:a16="http://schemas.microsoft.com/office/drawing/2014/main" id="{970A1046-F88C-E11E-0E2E-A7F3AEDB3A26}"/>
               </a:ext>
             </a:extLst>
           </p:cNvPr>
@@ -9582,7 +9581,7 @@
           <p:cNvPr id="11" name="Text Placeholder 13">
             <a:extLst>
               <a:ext uri="{FF2B5EF4-FFF2-40B4-BE49-F238E27FC236}">
-                <a16:creationId xmlns:a16="http://schemas.microsoft.com/office/drawing/2014/main" xmlns="" id="{BF27FC0A-1C34-6BFF-806A-6911C16F2184}"/>
+                <a16:creationId xmlns="" xmlns:a16="http://schemas.microsoft.com/office/drawing/2014/main" id="{BF27FC0A-1C34-6BFF-806A-6911C16F2184}"/>
               </a:ext>
             </a:extLst>
           </p:cNvPr>
@@ -9634,7 +9633,7 @@
           <p:cNvPr id="12" name="Text Placeholder 13">
             <a:extLst>
               <a:ext uri="{FF2B5EF4-FFF2-40B4-BE49-F238E27FC236}">
-                <a16:creationId xmlns:a16="http://schemas.microsoft.com/office/drawing/2014/main" xmlns="" id="{EF94CC5A-0B90-D0D3-CF42-2A9B86331729}"/>
+                <a16:creationId xmlns="" xmlns:a16="http://schemas.microsoft.com/office/drawing/2014/main" id="{EF94CC5A-0B90-D0D3-CF42-2A9B86331729}"/>
               </a:ext>
             </a:extLst>
           </p:cNvPr>
@@ -9686,7 +9685,7 @@
           <p:cNvPr id="13" name="Text Placeholder 13">
             <a:extLst>
               <a:ext uri="{FF2B5EF4-FFF2-40B4-BE49-F238E27FC236}">
-                <a16:creationId xmlns:a16="http://schemas.microsoft.com/office/drawing/2014/main" xmlns="" id="{8E685B28-FC51-9FE8-2F7E-C8255BD75945}"/>
+                <a16:creationId xmlns="" xmlns:a16="http://schemas.microsoft.com/office/drawing/2014/main" id="{8E685B28-FC51-9FE8-2F7E-C8255BD75945}"/>
               </a:ext>
             </a:extLst>
           </p:cNvPr>
@@ -9738,7 +9737,7 @@
           <p:cNvPr id="14" name="Text Placeholder 13">
             <a:extLst>
               <a:ext uri="{FF2B5EF4-FFF2-40B4-BE49-F238E27FC236}">
-                <a16:creationId xmlns:a16="http://schemas.microsoft.com/office/drawing/2014/main" xmlns="" id="{B472F1E6-DAE5-AE6D-F688-575FC243CD0C}"/>
+                <a16:creationId xmlns="" xmlns:a16="http://schemas.microsoft.com/office/drawing/2014/main" id="{B472F1E6-DAE5-AE6D-F688-575FC243CD0C}"/>
               </a:ext>
             </a:extLst>
           </p:cNvPr>
@@ -9790,7 +9789,7 @@
           <p:cNvPr id="15" name="Text Placeholder 13">
             <a:extLst>
               <a:ext uri="{FF2B5EF4-FFF2-40B4-BE49-F238E27FC236}">
-                <a16:creationId xmlns:a16="http://schemas.microsoft.com/office/drawing/2014/main" xmlns="" id="{7138E486-F729-AEC8-0C2D-44FA21EDC617}"/>
+                <a16:creationId xmlns="" xmlns:a16="http://schemas.microsoft.com/office/drawing/2014/main" id="{7138E486-F729-AEC8-0C2D-44FA21EDC617}"/>
               </a:ext>
             </a:extLst>
           </p:cNvPr>
@@ -9842,7 +9841,7 @@
           <p:cNvPr id="16" name="Text Placeholder 13">
             <a:extLst>
               <a:ext uri="{FF2B5EF4-FFF2-40B4-BE49-F238E27FC236}">
-                <a16:creationId xmlns:a16="http://schemas.microsoft.com/office/drawing/2014/main" xmlns="" id="{0F182FA8-4DA0-527F-89C3-96D9A996F2C7}"/>
+                <a16:creationId xmlns="" xmlns:a16="http://schemas.microsoft.com/office/drawing/2014/main" id="{0F182FA8-4DA0-527F-89C3-96D9A996F2C7}"/>
               </a:ext>
             </a:extLst>
           </p:cNvPr>
@@ -9894,7 +9893,7 @@
           <p:cNvPr id="18" name="Straight Connector 17">
             <a:extLst>
               <a:ext uri="{FF2B5EF4-FFF2-40B4-BE49-F238E27FC236}">
-                <a16:creationId xmlns:a16="http://schemas.microsoft.com/office/drawing/2014/main" xmlns="" id="{B6E73E07-0346-2BA8-44BC-6CB3BDEAAA99}"/>
+                <a16:creationId xmlns="" xmlns:a16="http://schemas.microsoft.com/office/drawing/2014/main" id="{B6E73E07-0346-2BA8-44BC-6CB3BDEAAA99}"/>
               </a:ext>
             </a:extLst>
           </p:cNvPr>
@@ -9937,7 +9936,7 @@
           <p:cNvPr id="19" name="Straight Connector 18">
             <a:extLst>
               <a:ext uri="{FF2B5EF4-FFF2-40B4-BE49-F238E27FC236}">
-                <a16:creationId xmlns:a16="http://schemas.microsoft.com/office/drawing/2014/main" xmlns="" id="{56E62977-27C7-5882-6A33-75257911D09A}"/>
+                <a16:creationId xmlns="" xmlns:a16="http://schemas.microsoft.com/office/drawing/2014/main" id="{56E62977-27C7-5882-6A33-75257911D09A}"/>
               </a:ext>
             </a:extLst>
           </p:cNvPr>
@@ -9980,7 +9979,7 @@
           <p:cNvPr id="20" name="Straight Connector 19">
             <a:extLst>
               <a:ext uri="{FF2B5EF4-FFF2-40B4-BE49-F238E27FC236}">
-                <a16:creationId xmlns:a16="http://schemas.microsoft.com/office/drawing/2014/main" xmlns="" id="{E705476C-2972-A423-7282-BABA9AAB32E6}"/>
+                <a16:creationId xmlns="" xmlns:a16="http://schemas.microsoft.com/office/drawing/2014/main" id="{E705476C-2972-A423-7282-BABA9AAB32E6}"/>
               </a:ext>
             </a:extLst>
           </p:cNvPr>
@@ -10023,7 +10022,7 @@
           <p:cNvPr id="21" name="Straight Connector 20">
             <a:extLst>
               <a:ext uri="{FF2B5EF4-FFF2-40B4-BE49-F238E27FC236}">
-                <a16:creationId xmlns:a16="http://schemas.microsoft.com/office/drawing/2014/main" xmlns="" id="{DE0D781B-3CB4-A523-427F-3D444B28E60E}"/>
+                <a16:creationId xmlns="" xmlns:a16="http://schemas.microsoft.com/office/drawing/2014/main" id="{DE0D781B-3CB4-A523-427F-3D444B28E60E}"/>
               </a:ext>
             </a:extLst>
           </p:cNvPr>
@@ -10096,7 +10095,7 @@
           <p:cNvPr id="2" name="Title 1">
             <a:extLst>
               <a:ext uri="{FF2B5EF4-FFF2-40B4-BE49-F238E27FC236}">
-                <a16:creationId xmlns:a16="http://schemas.microsoft.com/office/drawing/2014/main" xmlns="" id="{0783ED19-9B5E-8852-24D6-62401816CBB7}"/>
+                <a16:creationId xmlns="" xmlns:a16="http://schemas.microsoft.com/office/drawing/2014/main" id="{0783ED19-9B5E-8852-24D6-62401816CBB7}"/>
               </a:ext>
             </a:extLst>
           </p:cNvPr>
@@ -10134,7 +10133,7 @@
           <p:cNvPr id="3" name="Slide Number Placeholder 2">
             <a:extLst>
               <a:ext uri="{FF2B5EF4-FFF2-40B4-BE49-F238E27FC236}">
-                <a16:creationId xmlns:a16="http://schemas.microsoft.com/office/drawing/2014/main" xmlns="" id="{4307A8A0-5009-A086-A6AE-542CA4684892}"/>
+                <a16:creationId xmlns="" xmlns:a16="http://schemas.microsoft.com/office/drawing/2014/main" id="{4307A8A0-5009-A086-A6AE-542CA4684892}"/>
               </a:ext>
             </a:extLst>
           </p:cNvPr>
@@ -10164,7 +10163,7 @@
           <p:cNvPr id="4" name="Footer Placeholder 3">
             <a:extLst>
               <a:ext uri="{FF2B5EF4-FFF2-40B4-BE49-F238E27FC236}">
-                <a16:creationId xmlns:a16="http://schemas.microsoft.com/office/drawing/2014/main" xmlns="" id="{56746F73-AB2D-A55B-67FD-85A2F20D50E8}"/>
+                <a16:creationId xmlns="" xmlns:a16="http://schemas.microsoft.com/office/drawing/2014/main" id="{56746F73-AB2D-A55B-67FD-85A2F20D50E8}"/>
               </a:ext>
             </a:extLst>
           </p:cNvPr>
@@ -10192,7 +10191,7 @@
           <p:cNvPr id="5" name="Picture Placeholder 8">
             <a:extLst>
               <a:ext uri="{FF2B5EF4-FFF2-40B4-BE49-F238E27FC236}">
-                <a16:creationId xmlns:a16="http://schemas.microsoft.com/office/drawing/2014/main" xmlns="" id="{6F01F221-54DA-6EF2-D9DE-2B9A7AB60B1C}"/>
+                <a16:creationId xmlns="" xmlns:a16="http://schemas.microsoft.com/office/drawing/2014/main" id="{6F01F221-54DA-6EF2-D9DE-2B9A7AB60B1C}"/>
               </a:ext>
             </a:extLst>
           </p:cNvPr>
@@ -10236,7 +10235,7 @@
           <p:cNvPr id="6" name="Picture Placeholder 8">
             <a:extLst>
               <a:ext uri="{FF2B5EF4-FFF2-40B4-BE49-F238E27FC236}">
-                <a16:creationId xmlns:a16="http://schemas.microsoft.com/office/drawing/2014/main" xmlns="" id="{9BEECCD2-A0EF-0622-7377-A2BAE978656E}"/>
+                <a16:creationId xmlns="" xmlns:a16="http://schemas.microsoft.com/office/drawing/2014/main" id="{9BEECCD2-A0EF-0622-7377-A2BAE978656E}"/>
               </a:ext>
             </a:extLst>
           </p:cNvPr>
@@ -10280,7 +10279,7 @@
           <p:cNvPr id="7" name="Picture Placeholder 8">
             <a:extLst>
               <a:ext uri="{FF2B5EF4-FFF2-40B4-BE49-F238E27FC236}">
-                <a16:creationId xmlns:a16="http://schemas.microsoft.com/office/drawing/2014/main" xmlns="" id="{DDD9A982-D940-ADB7-F949-B3898D1984E6}"/>
+                <a16:creationId xmlns="" xmlns:a16="http://schemas.microsoft.com/office/drawing/2014/main" id="{DDD9A982-D940-ADB7-F949-B3898D1984E6}"/>
               </a:ext>
             </a:extLst>
           </p:cNvPr>
@@ -10324,7 +10323,7 @@
           <p:cNvPr id="8" name="Picture Placeholder 8">
             <a:extLst>
               <a:ext uri="{FF2B5EF4-FFF2-40B4-BE49-F238E27FC236}">
-                <a16:creationId xmlns:a16="http://schemas.microsoft.com/office/drawing/2014/main" xmlns="" id="{492630AD-4FA0-C5D3-DC29-AE0E67CB6CAA}"/>
+                <a16:creationId xmlns="" xmlns:a16="http://schemas.microsoft.com/office/drawing/2014/main" id="{492630AD-4FA0-C5D3-DC29-AE0E67CB6CAA}"/>
               </a:ext>
             </a:extLst>
           </p:cNvPr>
@@ -10368,7 +10367,7 @@
           <p:cNvPr id="9" name="Text Placeholder 13">
             <a:extLst>
               <a:ext uri="{FF2B5EF4-FFF2-40B4-BE49-F238E27FC236}">
-                <a16:creationId xmlns:a16="http://schemas.microsoft.com/office/drawing/2014/main" xmlns="" id="{AA3DDCC3-9231-434E-A1D1-8A078DE7BF10}"/>
+                <a16:creationId xmlns="" xmlns:a16="http://schemas.microsoft.com/office/drawing/2014/main" id="{AA3DDCC3-9231-434E-A1D1-8A078DE7BF10}"/>
               </a:ext>
             </a:extLst>
           </p:cNvPr>
@@ -10420,7 +10419,7 @@
           <p:cNvPr id="10" name="Text Placeholder 13">
             <a:extLst>
               <a:ext uri="{FF2B5EF4-FFF2-40B4-BE49-F238E27FC236}">
-                <a16:creationId xmlns:a16="http://schemas.microsoft.com/office/drawing/2014/main" xmlns="" id="{970A1046-F88C-E11E-0E2E-A7F3AEDB3A26}"/>
+                <a16:creationId xmlns="" xmlns:a16="http://schemas.microsoft.com/office/drawing/2014/main" id="{970A1046-F88C-E11E-0E2E-A7F3AEDB3A26}"/>
               </a:ext>
             </a:extLst>
           </p:cNvPr>
@@ -10472,7 +10471,7 @@
           <p:cNvPr id="11" name="Text Placeholder 13">
             <a:extLst>
               <a:ext uri="{FF2B5EF4-FFF2-40B4-BE49-F238E27FC236}">
-                <a16:creationId xmlns:a16="http://schemas.microsoft.com/office/drawing/2014/main" xmlns="" id="{BF27FC0A-1C34-6BFF-806A-6911C16F2184}"/>
+                <a16:creationId xmlns="" xmlns:a16="http://schemas.microsoft.com/office/drawing/2014/main" id="{BF27FC0A-1C34-6BFF-806A-6911C16F2184}"/>
               </a:ext>
             </a:extLst>
           </p:cNvPr>
@@ -10524,7 +10523,7 @@
           <p:cNvPr id="12" name="Text Placeholder 13">
             <a:extLst>
               <a:ext uri="{FF2B5EF4-FFF2-40B4-BE49-F238E27FC236}">
-                <a16:creationId xmlns:a16="http://schemas.microsoft.com/office/drawing/2014/main" xmlns="" id="{EF94CC5A-0B90-D0D3-CF42-2A9B86331729}"/>
+                <a16:creationId xmlns="" xmlns:a16="http://schemas.microsoft.com/office/drawing/2014/main" id="{EF94CC5A-0B90-D0D3-CF42-2A9B86331729}"/>
               </a:ext>
             </a:extLst>
           </p:cNvPr>
@@ -10576,7 +10575,7 @@
           <p:cNvPr id="13" name="Text Placeholder 13">
             <a:extLst>
               <a:ext uri="{FF2B5EF4-FFF2-40B4-BE49-F238E27FC236}">
-                <a16:creationId xmlns:a16="http://schemas.microsoft.com/office/drawing/2014/main" xmlns="" id="{8E685B28-FC51-9FE8-2F7E-C8255BD75945}"/>
+                <a16:creationId xmlns="" xmlns:a16="http://schemas.microsoft.com/office/drawing/2014/main" id="{8E685B28-FC51-9FE8-2F7E-C8255BD75945}"/>
               </a:ext>
             </a:extLst>
           </p:cNvPr>
@@ -10628,7 +10627,7 @@
           <p:cNvPr id="14" name="Text Placeholder 13">
             <a:extLst>
               <a:ext uri="{FF2B5EF4-FFF2-40B4-BE49-F238E27FC236}">
-                <a16:creationId xmlns:a16="http://schemas.microsoft.com/office/drawing/2014/main" xmlns="" id="{B472F1E6-DAE5-AE6D-F688-575FC243CD0C}"/>
+                <a16:creationId xmlns="" xmlns:a16="http://schemas.microsoft.com/office/drawing/2014/main" id="{B472F1E6-DAE5-AE6D-F688-575FC243CD0C}"/>
               </a:ext>
             </a:extLst>
           </p:cNvPr>
@@ -10680,7 +10679,7 @@
           <p:cNvPr id="15" name="Text Placeholder 13">
             <a:extLst>
               <a:ext uri="{FF2B5EF4-FFF2-40B4-BE49-F238E27FC236}">
-                <a16:creationId xmlns:a16="http://schemas.microsoft.com/office/drawing/2014/main" xmlns="" id="{7138E486-F729-AEC8-0C2D-44FA21EDC617}"/>
+                <a16:creationId xmlns="" xmlns:a16="http://schemas.microsoft.com/office/drawing/2014/main" id="{7138E486-F729-AEC8-0C2D-44FA21EDC617}"/>
               </a:ext>
             </a:extLst>
           </p:cNvPr>
@@ -10732,7 +10731,7 @@
           <p:cNvPr id="16" name="Text Placeholder 13">
             <a:extLst>
               <a:ext uri="{FF2B5EF4-FFF2-40B4-BE49-F238E27FC236}">
-                <a16:creationId xmlns:a16="http://schemas.microsoft.com/office/drawing/2014/main" xmlns="" id="{0F182FA8-4DA0-527F-89C3-96D9A996F2C7}"/>
+                <a16:creationId xmlns="" xmlns:a16="http://schemas.microsoft.com/office/drawing/2014/main" id="{0F182FA8-4DA0-527F-89C3-96D9A996F2C7}"/>
               </a:ext>
             </a:extLst>
           </p:cNvPr>
@@ -10784,7 +10783,7 @@
           <p:cNvPr id="17" name="Straight Connector 16">
             <a:extLst>
               <a:ext uri="{FF2B5EF4-FFF2-40B4-BE49-F238E27FC236}">
-                <a16:creationId xmlns:a16="http://schemas.microsoft.com/office/drawing/2014/main" xmlns="" id="{BF42A71B-2F05-7F67-85C0-0C5AA947983D}"/>
+                <a16:creationId xmlns="" xmlns:a16="http://schemas.microsoft.com/office/drawing/2014/main" id="{BF42A71B-2F05-7F67-85C0-0C5AA947983D}"/>
               </a:ext>
             </a:extLst>
           </p:cNvPr>
@@ -10827,7 +10826,7 @@
           <p:cNvPr id="18" name="Straight Connector 17">
             <a:extLst>
               <a:ext uri="{FF2B5EF4-FFF2-40B4-BE49-F238E27FC236}">
-                <a16:creationId xmlns:a16="http://schemas.microsoft.com/office/drawing/2014/main" xmlns="" id="{2BC25395-CA95-6040-8ED6-C7D8A2E16C49}"/>
+                <a16:creationId xmlns="" xmlns:a16="http://schemas.microsoft.com/office/drawing/2014/main" id="{2BC25395-CA95-6040-8ED6-C7D8A2E16C49}"/>
               </a:ext>
             </a:extLst>
           </p:cNvPr>
@@ -10870,7 +10869,7 @@
           <p:cNvPr id="19" name="Straight Connector 18">
             <a:extLst>
               <a:ext uri="{FF2B5EF4-FFF2-40B4-BE49-F238E27FC236}">
-                <a16:creationId xmlns:a16="http://schemas.microsoft.com/office/drawing/2014/main" xmlns="" id="{AE2F589B-649A-57C2-1D3E-79FDFF84BADB}"/>
+                <a16:creationId xmlns="" xmlns:a16="http://schemas.microsoft.com/office/drawing/2014/main" id="{AE2F589B-649A-57C2-1D3E-79FDFF84BADB}"/>
               </a:ext>
             </a:extLst>
           </p:cNvPr>
@@ -10913,7 +10912,7 @@
           <p:cNvPr id="20" name="Straight Connector 19">
             <a:extLst>
               <a:ext uri="{FF2B5EF4-FFF2-40B4-BE49-F238E27FC236}">
-                <a16:creationId xmlns:a16="http://schemas.microsoft.com/office/drawing/2014/main" xmlns="" id="{81F3728F-0FBF-5AD2-357E-FFCFFBF7687E}"/>
+                <a16:creationId xmlns="" xmlns:a16="http://schemas.microsoft.com/office/drawing/2014/main" id="{81F3728F-0FBF-5AD2-357E-FFCFFBF7687E}"/>
               </a:ext>
             </a:extLst>
           </p:cNvPr>
@@ -10956,7 +10955,7 @@
           <p:cNvPr id="21" name="Picture Placeholder 8">
             <a:extLst>
               <a:ext uri="{FF2B5EF4-FFF2-40B4-BE49-F238E27FC236}">
-                <a16:creationId xmlns:a16="http://schemas.microsoft.com/office/drawing/2014/main" xmlns="" id="{09A756E1-5275-58A9-7B09-95BEA4F4FACA}"/>
+                <a16:creationId xmlns="" xmlns:a16="http://schemas.microsoft.com/office/drawing/2014/main" id="{09A756E1-5275-58A9-7B09-95BEA4F4FACA}"/>
               </a:ext>
             </a:extLst>
           </p:cNvPr>
@@ -11000,7 +10999,7 @@
           <p:cNvPr id="22" name="Picture Placeholder 8">
             <a:extLst>
               <a:ext uri="{FF2B5EF4-FFF2-40B4-BE49-F238E27FC236}">
-                <a16:creationId xmlns:a16="http://schemas.microsoft.com/office/drawing/2014/main" xmlns="" id="{A4DA2F88-85BF-29B8-6321-AF19B25A6261}"/>
+                <a16:creationId xmlns="" xmlns:a16="http://schemas.microsoft.com/office/drawing/2014/main" id="{A4DA2F88-85BF-29B8-6321-AF19B25A6261}"/>
               </a:ext>
             </a:extLst>
           </p:cNvPr>
@@ -11044,7 +11043,7 @@
           <p:cNvPr id="23" name="Picture Placeholder 8">
             <a:extLst>
               <a:ext uri="{FF2B5EF4-FFF2-40B4-BE49-F238E27FC236}">
-                <a16:creationId xmlns:a16="http://schemas.microsoft.com/office/drawing/2014/main" xmlns="" id="{4636CEF4-05E9-F5BB-BD6F-6B081DBDCA9D}"/>
+                <a16:creationId xmlns="" xmlns:a16="http://schemas.microsoft.com/office/drawing/2014/main" id="{4636CEF4-05E9-F5BB-BD6F-6B081DBDCA9D}"/>
               </a:ext>
             </a:extLst>
           </p:cNvPr>
@@ -11088,7 +11087,7 @@
           <p:cNvPr id="24" name="Picture Placeholder 8">
             <a:extLst>
               <a:ext uri="{FF2B5EF4-FFF2-40B4-BE49-F238E27FC236}">
-                <a16:creationId xmlns:a16="http://schemas.microsoft.com/office/drawing/2014/main" xmlns="" id="{67B57C06-A1D0-7C74-6A14-2BFF0B1FC172}"/>
+                <a16:creationId xmlns="" xmlns:a16="http://schemas.microsoft.com/office/drawing/2014/main" id="{67B57C06-A1D0-7C74-6A14-2BFF0B1FC172}"/>
               </a:ext>
             </a:extLst>
           </p:cNvPr>
@@ -11132,7 +11131,7 @@
           <p:cNvPr id="25" name="Text Placeholder 13">
             <a:extLst>
               <a:ext uri="{FF2B5EF4-FFF2-40B4-BE49-F238E27FC236}">
-                <a16:creationId xmlns:a16="http://schemas.microsoft.com/office/drawing/2014/main" xmlns="" id="{1025D334-8990-1960-8865-C877ECC47E67}"/>
+                <a16:creationId xmlns="" xmlns:a16="http://schemas.microsoft.com/office/drawing/2014/main" id="{1025D334-8990-1960-8865-C877ECC47E67}"/>
               </a:ext>
             </a:extLst>
           </p:cNvPr>
@@ -11184,7 +11183,7 @@
           <p:cNvPr id="26" name="Text Placeholder 13">
             <a:extLst>
               <a:ext uri="{FF2B5EF4-FFF2-40B4-BE49-F238E27FC236}">
-                <a16:creationId xmlns:a16="http://schemas.microsoft.com/office/drawing/2014/main" xmlns="" id="{7F491CA2-1A10-E7DB-4203-DC7E9E48CCFF}"/>
+                <a16:creationId xmlns="" xmlns:a16="http://schemas.microsoft.com/office/drawing/2014/main" id="{7F491CA2-1A10-E7DB-4203-DC7E9E48CCFF}"/>
               </a:ext>
             </a:extLst>
           </p:cNvPr>
@@ -11236,7 +11235,7 @@
           <p:cNvPr id="27" name="Text Placeholder 13">
             <a:extLst>
               <a:ext uri="{FF2B5EF4-FFF2-40B4-BE49-F238E27FC236}">
-                <a16:creationId xmlns:a16="http://schemas.microsoft.com/office/drawing/2014/main" xmlns="" id="{697C28E5-6260-6DA9-B4F0-665506F52586}"/>
+                <a16:creationId xmlns="" xmlns:a16="http://schemas.microsoft.com/office/drawing/2014/main" id="{697C28E5-6260-6DA9-B4F0-665506F52586}"/>
               </a:ext>
             </a:extLst>
           </p:cNvPr>
@@ -11288,7 +11287,7 @@
           <p:cNvPr id="28" name="Text Placeholder 13">
             <a:extLst>
               <a:ext uri="{FF2B5EF4-FFF2-40B4-BE49-F238E27FC236}">
-                <a16:creationId xmlns:a16="http://schemas.microsoft.com/office/drawing/2014/main" xmlns="" id="{A594A25E-7F2D-4188-16B7-C34485FDD2F8}"/>
+                <a16:creationId xmlns="" xmlns:a16="http://schemas.microsoft.com/office/drawing/2014/main" id="{A594A25E-7F2D-4188-16B7-C34485FDD2F8}"/>
               </a:ext>
             </a:extLst>
           </p:cNvPr>
@@ -11340,7 +11339,7 @@
           <p:cNvPr id="29" name="Text Placeholder 13">
             <a:extLst>
               <a:ext uri="{FF2B5EF4-FFF2-40B4-BE49-F238E27FC236}">
-                <a16:creationId xmlns:a16="http://schemas.microsoft.com/office/drawing/2014/main" xmlns="" id="{584B38BF-6197-486D-7134-F86E1754AF78}"/>
+                <a16:creationId xmlns="" xmlns:a16="http://schemas.microsoft.com/office/drawing/2014/main" id="{584B38BF-6197-486D-7134-F86E1754AF78}"/>
               </a:ext>
             </a:extLst>
           </p:cNvPr>
@@ -11392,7 +11391,7 @@
           <p:cNvPr id="30" name="Text Placeholder 13">
             <a:extLst>
               <a:ext uri="{FF2B5EF4-FFF2-40B4-BE49-F238E27FC236}">
-                <a16:creationId xmlns:a16="http://schemas.microsoft.com/office/drawing/2014/main" xmlns="" id="{D788F8D9-8CDB-C458-9AAD-0426AB467D2A}"/>
+                <a16:creationId xmlns="" xmlns:a16="http://schemas.microsoft.com/office/drawing/2014/main" id="{D788F8D9-8CDB-C458-9AAD-0426AB467D2A}"/>
               </a:ext>
             </a:extLst>
           </p:cNvPr>
@@ -11444,7 +11443,7 @@
           <p:cNvPr id="31" name="Text Placeholder 13">
             <a:extLst>
               <a:ext uri="{FF2B5EF4-FFF2-40B4-BE49-F238E27FC236}">
-                <a16:creationId xmlns:a16="http://schemas.microsoft.com/office/drawing/2014/main" xmlns="" id="{78447882-2C86-B3A7-9450-29A0778E1B08}"/>
+                <a16:creationId xmlns="" xmlns:a16="http://schemas.microsoft.com/office/drawing/2014/main" id="{78447882-2C86-B3A7-9450-29A0778E1B08}"/>
               </a:ext>
             </a:extLst>
           </p:cNvPr>
@@ -11496,7 +11495,7 @@
           <p:cNvPr id="32" name="Text Placeholder 13">
             <a:extLst>
               <a:ext uri="{FF2B5EF4-FFF2-40B4-BE49-F238E27FC236}">
-                <a16:creationId xmlns:a16="http://schemas.microsoft.com/office/drawing/2014/main" xmlns="" id="{E321AAE1-532A-23F0-9108-055D0D7BDFBA}"/>
+                <a16:creationId xmlns="" xmlns:a16="http://schemas.microsoft.com/office/drawing/2014/main" id="{E321AAE1-532A-23F0-9108-055D0D7BDFBA}"/>
               </a:ext>
             </a:extLst>
           </p:cNvPr>
@@ -11548,7 +11547,7 @@
           <p:cNvPr id="33" name="Straight Connector 32">
             <a:extLst>
               <a:ext uri="{FF2B5EF4-FFF2-40B4-BE49-F238E27FC236}">
-                <a16:creationId xmlns:a16="http://schemas.microsoft.com/office/drawing/2014/main" xmlns="" id="{11BC4478-FBEA-422F-73BA-0A422F15D7EA}"/>
+                <a16:creationId xmlns="" xmlns:a16="http://schemas.microsoft.com/office/drawing/2014/main" id="{11BC4478-FBEA-422F-73BA-0A422F15D7EA}"/>
               </a:ext>
             </a:extLst>
           </p:cNvPr>
@@ -11591,7 +11590,7 @@
           <p:cNvPr id="34" name="Straight Connector 33">
             <a:extLst>
               <a:ext uri="{FF2B5EF4-FFF2-40B4-BE49-F238E27FC236}">
-                <a16:creationId xmlns:a16="http://schemas.microsoft.com/office/drawing/2014/main" xmlns="" id="{7A9AA302-5107-FDE7-557C-3305A9A7DEC2}"/>
+                <a16:creationId xmlns="" xmlns:a16="http://schemas.microsoft.com/office/drawing/2014/main" id="{7A9AA302-5107-FDE7-557C-3305A9A7DEC2}"/>
               </a:ext>
             </a:extLst>
           </p:cNvPr>
@@ -11634,7 +11633,7 @@
           <p:cNvPr id="35" name="Straight Connector 34">
             <a:extLst>
               <a:ext uri="{FF2B5EF4-FFF2-40B4-BE49-F238E27FC236}">
-                <a16:creationId xmlns:a16="http://schemas.microsoft.com/office/drawing/2014/main" xmlns="" id="{A9C9F7A3-B120-C59A-E379-173F84B7D153}"/>
+                <a16:creationId xmlns="" xmlns:a16="http://schemas.microsoft.com/office/drawing/2014/main" id="{A9C9F7A3-B120-C59A-E379-173F84B7D153}"/>
               </a:ext>
             </a:extLst>
           </p:cNvPr>
@@ -11677,7 +11676,7 @@
           <p:cNvPr id="36" name="Straight Connector 35">
             <a:extLst>
               <a:ext uri="{FF2B5EF4-FFF2-40B4-BE49-F238E27FC236}">
-                <a16:creationId xmlns:a16="http://schemas.microsoft.com/office/drawing/2014/main" xmlns="" id="{E073A4E7-9D16-A6C0-E297-A36B10A2FABB}"/>
+                <a16:creationId xmlns="" xmlns:a16="http://schemas.microsoft.com/office/drawing/2014/main" id="{E073A4E7-9D16-A6C0-E297-A36B10A2FABB}"/>
               </a:ext>
             </a:extLst>
           </p:cNvPr>
@@ -11758,7 +11757,7 @@
           <p:cNvPr id="2" name="Title Placeholder 1">
             <a:extLst>
               <a:ext uri="{FF2B5EF4-FFF2-40B4-BE49-F238E27FC236}">
-                <a16:creationId xmlns:a16="http://schemas.microsoft.com/office/drawing/2014/main" xmlns="" id="{9198F9AA-2C87-421D-97C1-B4248DFDC2C2}"/>
+                <a16:creationId xmlns="" xmlns:a16="http://schemas.microsoft.com/office/drawing/2014/main" id="{9198F9AA-2C87-421D-97C1-B4248DFDC2C2}"/>
               </a:ext>
             </a:extLst>
           </p:cNvPr>
@@ -11797,7 +11796,7 @@
           <p:cNvPr id="3" name="Text Placeholder 2">
             <a:extLst>
               <a:ext uri="{FF2B5EF4-FFF2-40B4-BE49-F238E27FC236}">
-                <a16:creationId xmlns:a16="http://schemas.microsoft.com/office/drawing/2014/main" xmlns="" id="{AE98FC63-C8D2-4CE6-A3F1-EE8ED24590C4}"/>
+                <a16:creationId xmlns="" xmlns:a16="http://schemas.microsoft.com/office/drawing/2014/main" id="{AE98FC63-C8D2-4CE6-A3F1-EE8ED24590C4}"/>
               </a:ext>
             </a:extLst>
           </p:cNvPr>
@@ -11865,7 +11864,7 @@
           <p:cNvPr id="21" name="Slide Number Placeholder 20">
             <a:extLst>
               <a:ext uri="{FF2B5EF4-FFF2-40B4-BE49-F238E27FC236}">
-                <a16:creationId xmlns:a16="http://schemas.microsoft.com/office/drawing/2014/main" xmlns="" id="{78A08F60-CEF1-832D-D403-282EA76CBEF2}"/>
+                <a16:creationId xmlns="" xmlns:a16="http://schemas.microsoft.com/office/drawing/2014/main" id="{78A08F60-CEF1-832D-D403-282EA76CBEF2}"/>
               </a:ext>
             </a:extLst>
           </p:cNvPr>
@@ -11912,7 +11911,7 @@
           <p:cNvPr id="25" name="Footer Placeholder 24">
             <a:extLst>
               <a:ext uri="{FF2B5EF4-FFF2-40B4-BE49-F238E27FC236}">
-                <a16:creationId xmlns:a16="http://schemas.microsoft.com/office/drawing/2014/main" xmlns="" id="{010F9766-B67A-A34E-2927-9A2D6360F77A}"/>
+                <a16:creationId xmlns="" xmlns:a16="http://schemas.microsoft.com/office/drawing/2014/main" id="{010F9766-B67A-A34E-2927-9A2D6360F77A}"/>
               </a:ext>
             </a:extLst>
           </p:cNvPr>
@@ -11957,7 +11956,7 @@
           <p:cNvPr id="4" name="Straight Connector 3">
             <a:extLst>
               <a:ext uri="{FF2B5EF4-FFF2-40B4-BE49-F238E27FC236}">
-                <a16:creationId xmlns:a16="http://schemas.microsoft.com/office/drawing/2014/main" xmlns="" id="{C0A131BE-DFE5-28BE-2AF8-50ADF9AFDB94}"/>
+                <a16:creationId xmlns="" xmlns:a16="http://schemas.microsoft.com/office/drawing/2014/main" id="{C0A131BE-DFE5-28BE-2AF8-50ADF9AFDB94}"/>
               </a:ext>
             </a:extLst>
           </p:cNvPr>
@@ -12416,7 +12415,7 @@
           <p:cNvPr id="38" name="Picture Placeholder 37">
             <a:extLst>
               <a:ext uri="{FF2B5EF4-FFF2-40B4-BE49-F238E27FC236}">
-                <a16:creationId xmlns:a16="http://schemas.microsoft.com/office/drawing/2014/main" xmlns="" id="{06DC6A65-C7EC-190F-5F6E-154F66A80A0B}"/>
+                <a16:creationId xmlns="" xmlns:a16="http://schemas.microsoft.com/office/drawing/2014/main" id="{06DC6A65-C7EC-190F-5F6E-154F66A80A0B}"/>
               </a:ext>
             </a:extLst>
           </p:cNvPr>
@@ -12446,7 +12445,7 @@
           <p:cNvPr id="4" name="Title 3">
             <a:extLst>
               <a:ext uri="{FF2B5EF4-FFF2-40B4-BE49-F238E27FC236}">
-                <a16:creationId xmlns:a16="http://schemas.microsoft.com/office/drawing/2014/main" xmlns="" id="{305E10E9-9AB7-0642-D4C4-DDFDAB7B5B2C}"/>
+                <a16:creationId xmlns="" xmlns:a16="http://schemas.microsoft.com/office/drawing/2014/main" id="{305E10E9-9AB7-0642-D4C4-DDFDAB7B5B2C}"/>
               </a:ext>
             </a:extLst>
           </p:cNvPr>
@@ -12511,7 +12510,7 @@
           <p:cNvPr id="2" name="Title 1">
             <a:extLst>
               <a:ext uri="{FF2B5EF4-FFF2-40B4-BE49-F238E27FC236}">
-                <a16:creationId xmlns:a16="http://schemas.microsoft.com/office/drawing/2014/main" xmlns="" id="{A546168A-9F8B-AE64-6A3B-DD036396CD45}"/>
+                <a16:creationId xmlns="" xmlns:a16="http://schemas.microsoft.com/office/drawing/2014/main" id="{A546168A-9F8B-AE64-6A3B-DD036396CD45}"/>
               </a:ext>
             </a:extLst>
           </p:cNvPr>
@@ -12542,7 +12541,7 @@
           <p:cNvPr id="4" name="Footer Placeholder 3">
             <a:extLst>
               <a:ext uri="{FF2B5EF4-FFF2-40B4-BE49-F238E27FC236}">
-                <a16:creationId xmlns:a16="http://schemas.microsoft.com/office/drawing/2014/main" xmlns="" id="{8A39D430-6FFC-66C6-AF3D-05E76D9D4BB4}"/>
+                <a16:creationId xmlns="" xmlns:a16="http://schemas.microsoft.com/office/drawing/2014/main" id="{8A39D430-6FFC-66C6-AF3D-05E76D9D4BB4}"/>
               </a:ext>
             </a:extLst>
           </p:cNvPr>
@@ -12575,7 +12574,7 @@
           <p:cNvPr id="3" name="Slide Number Placeholder 2">
             <a:extLst>
               <a:ext uri="{FF2B5EF4-FFF2-40B4-BE49-F238E27FC236}">
-                <a16:creationId xmlns:a16="http://schemas.microsoft.com/office/drawing/2014/main" xmlns="" id="{F08CF61D-4147-236F-218C-CE2A064E6BD9}"/>
+                <a16:creationId xmlns="" xmlns:a16="http://schemas.microsoft.com/office/drawing/2014/main" id="{F08CF61D-4147-236F-218C-CE2A064E6BD9}"/>
               </a:ext>
             </a:extLst>
           </p:cNvPr>
@@ -12605,7 +12604,7 @@
           <p:cNvPr id="6" name="Content Placeholder 4">
             <a:extLst>
               <a:ext uri="{FF2B5EF4-FFF2-40B4-BE49-F238E27FC236}">
-                <a16:creationId xmlns:a16="http://schemas.microsoft.com/office/drawing/2014/main" xmlns="" id="{D40A2881-15F6-FF24-285A-218469C87F53}"/>
+                <a16:creationId xmlns="" xmlns:a16="http://schemas.microsoft.com/office/drawing/2014/main" id="{D40A2881-15F6-FF24-285A-218469C87F53}"/>
               </a:ext>
             </a:extLst>
           </p:cNvPr>
@@ -12993,7 +12992,7 @@
           <p:cNvPr id="3" name="Title 2">
             <a:extLst>
               <a:ext uri="{FF2B5EF4-FFF2-40B4-BE49-F238E27FC236}">
-                <a16:creationId xmlns:a16="http://schemas.microsoft.com/office/drawing/2014/main" xmlns="" id="{58A45141-45F1-0A77-FE4E-CBCA53A2BEB0}"/>
+                <a16:creationId xmlns="" xmlns:a16="http://schemas.microsoft.com/office/drawing/2014/main" id="{58A45141-45F1-0A77-FE4E-CBCA53A2BEB0}"/>
               </a:ext>
             </a:extLst>
           </p:cNvPr>
@@ -13021,7 +13020,7 @@
           <p:cNvPr id="5" name="Footer Placeholder 4">
             <a:extLst>
               <a:ext uri="{FF2B5EF4-FFF2-40B4-BE49-F238E27FC236}">
-                <a16:creationId xmlns:a16="http://schemas.microsoft.com/office/drawing/2014/main" xmlns="" id="{F0D8A8D9-0655-E1FF-7DED-F2EC492D6EE1}"/>
+                <a16:creationId xmlns="" xmlns:a16="http://schemas.microsoft.com/office/drawing/2014/main" id="{F0D8A8D9-0655-E1FF-7DED-F2EC492D6EE1}"/>
               </a:ext>
             </a:extLst>
           </p:cNvPr>
@@ -13054,10 +13053,10 @@
           <p:cNvPr id="17" name="Straight Connector 16">
             <a:extLst>
               <a:ext uri="{FF2B5EF4-FFF2-40B4-BE49-F238E27FC236}">
-                <a16:creationId xmlns:a16="http://schemas.microsoft.com/office/drawing/2014/main" xmlns="" id="{8488A0F8-E720-D31B-750D-634FA849B5A9}"/>
+                <a16:creationId xmlns="" xmlns:a16="http://schemas.microsoft.com/office/drawing/2014/main" id="{8488A0F8-E720-D31B-750D-634FA849B5A9}"/>
               </a:ext>
               <a:ext uri="{C183D7F6-B498-43B3-948B-1728B52AA6E4}">
-                <adec:decorative xmlns:adec="http://schemas.microsoft.com/office/drawing/2017/decorative" xmlns="" val="1"/>
+                <adec:decorative xmlns="" xmlns:adec="http://schemas.microsoft.com/office/drawing/2017/decorative" val="1"/>
               </a:ext>
             </a:extLst>
           </p:cNvPr>
@@ -13100,7 +13099,7 @@
           <p:cNvPr id="4" name="Slide Number Placeholder 3">
             <a:extLst>
               <a:ext uri="{FF2B5EF4-FFF2-40B4-BE49-F238E27FC236}">
-                <a16:creationId xmlns:a16="http://schemas.microsoft.com/office/drawing/2014/main" xmlns="" id="{B63EE887-A172-F01E-98D1-8781769CBEDE}"/>
+                <a16:creationId xmlns="" xmlns:a16="http://schemas.microsoft.com/office/drawing/2014/main" id="{B63EE887-A172-F01E-98D1-8781769CBEDE}"/>
               </a:ext>
             </a:extLst>
           </p:cNvPr>
@@ -13189,7 +13188,7 @@
           <p:cNvPr id="3" name="Title 2">
             <a:extLst>
               <a:ext uri="{FF2B5EF4-FFF2-40B4-BE49-F238E27FC236}">
-                <a16:creationId xmlns:a16="http://schemas.microsoft.com/office/drawing/2014/main" xmlns="" id="{58A45141-45F1-0A77-FE4E-CBCA53A2BEB0}"/>
+                <a16:creationId xmlns="" xmlns:a16="http://schemas.microsoft.com/office/drawing/2014/main" id="{58A45141-45F1-0A77-FE4E-CBCA53A2BEB0}"/>
               </a:ext>
             </a:extLst>
           </p:cNvPr>
@@ -13200,7 +13199,12 @@
             <p:ph type="title"/>
           </p:nvPr>
         </p:nvSpPr>
-        <p:spPr/>
+        <p:spPr>
+          <a:xfrm>
+            <a:off x="1265392" y="436490"/>
+            <a:ext cx="10021824" cy="1252728"/>
+          </a:xfrm>
+        </p:spPr>
         <p:txBody>
           <a:bodyPr/>
           <a:lstStyle/>
@@ -13217,7 +13221,7 @@
           <p:cNvPr id="5" name="Footer Placeholder 4">
             <a:extLst>
               <a:ext uri="{FF2B5EF4-FFF2-40B4-BE49-F238E27FC236}">
-                <a16:creationId xmlns:a16="http://schemas.microsoft.com/office/drawing/2014/main" xmlns="" id="{F0D8A8D9-0655-E1FF-7DED-F2EC492D6EE1}"/>
+                <a16:creationId xmlns="" xmlns:a16="http://schemas.microsoft.com/office/drawing/2014/main" id="{F0D8A8D9-0655-E1FF-7DED-F2EC492D6EE1}"/>
               </a:ext>
             </a:extLst>
           </p:cNvPr>
@@ -13250,10 +13254,10 @@
           <p:cNvPr id="17" name="Straight Connector 16">
             <a:extLst>
               <a:ext uri="{FF2B5EF4-FFF2-40B4-BE49-F238E27FC236}">
-                <a16:creationId xmlns:a16="http://schemas.microsoft.com/office/drawing/2014/main" xmlns="" id="{8488A0F8-E720-D31B-750D-634FA849B5A9}"/>
+                <a16:creationId xmlns="" xmlns:a16="http://schemas.microsoft.com/office/drawing/2014/main" id="{8488A0F8-E720-D31B-750D-634FA849B5A9}"/>
               </a:ext>
               <a:ext uri="{C183D7F6-B498-43B3-948B-1728B52AA6E4}">
-                <adec:decorative xmlns:adec="http://schemas.microsoft.com/office/drawing/2017/decorative" xmlns="" val="1"/>
+                <adec:decorative xmlns="" xmlns:adec="http://schemas.microsoft.com/office/drawing/2017/decorative" val="1"/>
               </a:ext>
             </a:extLst>
           </p:cNvPr>
@@ -13296,7 +13300,7 @@
           <p:cNvPr id="4" name="Slide Number Placeholder 3">
             <a:extLst>
               <a:ext uri="{FF2B5EF4-FFF2-40B4-BE49-F238E27FC236}">
-                <a16:creationId xmlns:a16="http://schemas.microsoft.com/office/drawing/2014/main" xmlns="" id="{B63EE887-A172-F01E-98D1-8781769CBEDE}"/>
+                <a16:creationId xmlns="" xmlns:a16="http://schemas.microsoft.com/office/drawing/2014/main" id="{B63EE887-A172-F01E-98D1-8781769CBEDE}"/>
               </a:ext>
             </a:extLst>
           </p:cNvPr>
@@ -13326,7 +13330,7 @@
           <p:cNvPr id="7" name="TextBox 6">
             <a:extLst>
               <a:ext uri="{FF2B5EF4-FFF2-40B4-BE49-F238E27FC236}">
-                <a16:creationId xmlns:a16="http://schemas.microsoft.com/office/drawing/2014/main" xmlns="" id="{F5EE5EFC-CEB8-D397-AD6F-51B580EA5FE2}"/>
+                <a16:creationId xmlns="" xmlns:a16="http://schemas.microsoft.com/office/drawing/2014/main" id="{F5EE5EFC-CEB8-D397-AD6F-51B580EA5FE2}"/>
               </a:ext>
             </a:extLst>
           </p:cNvPr>
@@ -13366,7 +13370,7 @@
           <p:cNvPr id="6" name="Picture 5">
             <a:extLst>
               <a:ext uri="{FF2B5EF4-FFF2-40B4-BE49-F238E27FC236}">
-                <a16:creationId xmlns:a16="http://schemas.microsoft.com/office/drawing/2014/main" xmlns="" id="{D9B21C0F-F16E-9314-9595-DF48B2129720}"/>
+                <a16:creationId xmlns="" xmlns:a16="http://schemas.microsoft.com/office/drawing/2014/main" id="{D9B21C0F-F16E-9314-9595-DF48B2129720}"/>
               </a:ext>
             </a:extLst>
           </p:cNvPr>
@@ -13436,7 +13440,7 @@
           <p:cNvPr id="3" name="Title 2">
             <a:extLst>
               <a:ext uri="{FF2B5EF4-FFF2-40B4-BE49-F238E27FC236}">
-                <a16:creationId xmlns:a16="http://schemas.microsoft.com/office/drawing/2014/main" xmlns="" id="{58A45141-45F1-0A77-FE4E-CBCA53A2BEB0}"/>
+                <a16:creationId xmlns="" xmlns:a16="http://schemas.microsoft.com/office/drawing/2014/main" id="{58A45141-45F1-0A77-FE4E-CBCA53A2BEB0}"/>
               </a:ext>
             </a:extLst>
           </p:cNvPr>
@@ -13464,7 +13468,7 @@
           <p:cNvPr id="5" name="Footer Placeholder 4">
             <a:extLst>
               <a:ext uri="{FF2B5EF4-FFF2-40B4-BE49-F238E27FC236}">
-                <a16:creationId xmlns:a16="http://schemas.microsoft.com/office/drawing/2014/main" xmlns="" id="{F0D8A8D9-0655-E1FF-7DED-F2EC492D6EE1}"/>
+                <a16:creationId xmlns="" xmlns:a16="http://schemas.microsoft.com/office/drawing/2014/main" id="{F0D8A8D9-0655-E1FF-7DED-F2EC492D6EE1}"/>
               </a:ext>
             </a:extLst>
           </p:cNvPr>
@@ -13497,7 +13501,7 @@
           <p:cNvPr id="16" name="Content Placeholder 25" descr="Microscopic view of a suspended bubble-like material with water in it">
             <a:extLst>
               <a:ext uri="{FF2B5EF4-FFF2-40B4-BE49-F238E27FC236}">
-                <a16:creationId xmlns:a16="http://schemas.microsoft.com/office/drawing/2014/main" xmlns="" id="{B083ED63-584D-2579-2721-B716F3BC8F6B}"/>
+                <a16:creationId xmlns="" xmlns:a16="http://schemas.microsoft.com/office/drawing/2014/main" id="{B083ED63-584D-2579-2721-B716F3BC8F6B}"/>
               </a:ext>
             </a:extLst>
           </p:cNvPr>
@@ -13588,10 +13592,10 @@
           <p:cNvPr id="17" name="Straight Connector 16">
             <a:extLst>
               <a:ext uri="{FF2B5EF4-FFF2-40B4-BE49-F238E27FC236}">
-                <a16:creationId xmlns:a16="http://schemas.microsoft.com/office/drawing/2014/main" xmlns="" id="{8488A0F8-E720-D31B-750D-634FA849B5A9}"/>
+                <a16:creationId xmlns="" xmlns:a16="http://schemas.microsoft.com/office/drawing/2014/main" id="{8488A0F8-E720-D31B-750D-634FA849B5A9}"/>
               </a:ext>
               <a:ext uri="{C183D7F6-B498-43B3-948B-1728B52AA6E4}">
-                <adec:decorative xmlns:adec="http://schemas.microsoft.com/office/drawing/2017/decorative" xmlns="" val="1"/>
+                <adec:decorative xmlns="" xmlns:adec="http://schemas.microsoft.com/office/drawing/2017/decorative" val="1"/>
               </a:ext>
             </a:extLst>
           </p:cNvPr>
@@ -13634,7 +13638,7 @@
           <p:cNvPr id="4" name="Slide Number Placeholder 3">
             <a:extLst>
               <a:ext uri="{FF2B5EF4-FFF2-40B4-BE49-F238E27FC236}">
-                <a16:creationId xmlns:a16="http://schemas.microsoft.com/office/drawing/2014/main" xmlns="" id="{B63EE887-A172-F01E-98D1-8781769CBEDE}"/>
+                <a16:creationId xmlns="" xmlns:a16="http://schemas.microsoft.com/office/drawing/2014/main" id="{B63EE887-A172-F01E-98D1-8781769CBEDE}"/>
               </a:ext>
             </a:extLst>
           </p:cNvPr>
@@ -13664,7 +13668,7 @@
           <p:cNvPr id="7" name="TextBox 6">
             <a:extLst>
               <a:ext uri="{FF2B5EF4-FFF2-40B4-BE49-F238E27FC236}">
-                <a16:creationId xmlns:a16="http://schemas.microsoft.com/office/drawing/2014/main" xmlns="" id="{F5EE5EFC-CEB8-D397-AD6F-51B580EA5FE2}"/>
+                <a16:creationId xmlns="" xmlns:a16="http://schemas.microsoft.com/office/drawing/2014/main" id="{F5EE5EFC-CEB8-D397-AD6F-51B580EA5FE2}"/>
               </a:ext>
             </a:extLst>
           </p:cNvPr>
@@ -13704,7 +13708,7 @@
           <p:cNvPr id="6" name="Picture 5" descr="A screenshot of a computer&#10;&#10;Description automatically generated with low confidence">
             <a:extLst>
               <a:ext uri="{FF2B5EF4-FFF2-40B4-BE49-F238E27FC236}">
-                <a16:creationId xmlns:a16="http://schemas.microsoft.com/office/drawing/2014/main" xmlns="" id="{58BCC00C-9734-891E-9529-99F1D14DDA9E}"/>
+                <a16:creationId xmlns="" xmlns:a16="http://schemas.microsoft.com/office/drawing/2014/main" id="{58BCC00C-9734-891E-9529-99F1D14DDA9E}"/>
               </a:ext>
             </a:extLst>
           </p:cNvPr>
@@ -13777,79 +13781,12 @@
       </p:grpSpPr>
       <p:sp>
         <p:nvSpPr>
-          <p:cNvPr id="2" name="Title 1">
-            <a:extLst>
-              <a:ext uri="{FF2B5EF4-FFF2-40B4-BE49-F238E27FC236}">
-                <a16:creationId xmlns:a16="http://schemas.microsoft.com/office/drawing/2014/main" xmlns="" id="{5579856F-92A5-9936-EAA5-B01FC81B4FF8}"/>
-              </a:ext>
-            </a:extLst>
-          </p:cNvPr>
-          <p:cNvSpPr>
-            <a:spLocks noGrp="1"/>
-          </p:cNvSpPr>
-          <p:nvPr>
-            <p:ph type="title"/>
-          </p:nvPr>
-        </p:nvSpPr>
-        <p:spPr/>
-        <p:txBody>
-          <a:bodyPr/>
-          <a:lstStyle/>
-          <a:p>
-            <a:r>
-              <a:rPr lang="en-US" sz="4400" dirty="0"/>
-              <a:t>Hours worked (weekly)</a:t>
-            </a:r>
-          </a:p>
-        </p:txBody>
-      </p:sp>
-      <p:sp>
-        <p:nvSpPr>
-          <p:cNvPr id="5" name="Footer Placeholder 4">
-            <a:extLst>
-              <a:ext uri="{FF2B5EF4-FFF2-40B4-BE49-F238E27FC236}">
-                <a16:creationId xmlns:a16="http://schemas.microsoft.com/office/drawing/2014/main" xmlns="" id="{F55E31DF-7A65-925F-3A83-F62DFCE2A228}"/>
-              </a:ext>
-            </a:extLst>
-          </p:cNvPr>
-          <p:cNvSpPr>
-            <a:spLocks noGrp="1"/>
-          </p:cNvSpPr>
-          <p:nvPr>
-            <p:ph type="ftr" sz="quarter" idx="12"/>
-          </p:nvPr>
-        </p:nvSpPr>
-        <p:spPr>
-          <a:xfrm rot="16200000">
-            <a:off x="-408552" y="1258323"/>
-            <a:ext cx="2143126" cy="217030"/>
-          </a:xfrm>
-        </p:spPr>
-        <p:txBody>
-          <a:bodyPr/>
-          <a:lstStyle/>
-          <a:p>
-            <a:r>
-              <a:rPr lang="en-US" dirty="0"/>
-              <a:t>CRI AI THERMAL CAMERA</a:t>
-            </a:r>
-          </a:p>
-        </p:txBody>
-      </p:sp>
-      <p:sp>
-        <p:nvSpPr>
-          <p:cNvPr id="4" name="Slide Number Placeholder 3">
-            <a:extLst>
-              <a:ext uri="{FF2B5EF4-FFF2-40B4-BE49-F238E27FC236}">
-                <a16:creationId xmlns:a16="http://schemas.microsoft.com/office/drawing/2014/main" xmlns="" id="{AB34DDCD-707A-A5D7-B2C6-B463856CE28B}"/>
-              </a:ext>
-            </a:extLst>
-          </p:cNvPr>
-          <p:cNvSpPr>
-            <a:spLocks noGrp="1"/>
-          </p:cNvSpPr>
-          <p:nvPr>
-            <p:ph type="sldNum" sz="quarter" idx="11"/>
+          <p:cNvPr id="4" name="Slide Number Placeholder 3"/>
+          <p:cNvSpPr>
+            <a:spLocks noGrp="1"/>
+          </p:cNvSpPr>
+          <p:nvPr>
+            <p:ph type="sldNum" sz="quarter" idx="10"/>
           </p:nvPr>
         </p:nvSpPr>
         <p:spPr/>
@@ -13866,40 +13803,164 @@
           </a:p>
         </p:txBody>
       </p:sp>
-      <p:graphicFrame>
-        <p:nvGraphicFramePr>
-          <p:cNvPr id="8" name="Content Placeholder 7">
-            <a:extLst>
-              <a:ext uri="{FF2B5EF4-FFF2-40B4-BE49-F238E27FC236}">
-                <a16:creationId xmlns:a16="http://schemas.microsoft.com/office/drawing/2014/main" xmlns="" id="{BEF7C8E1-FB12-C90D-BBD8-9F9455992533}"/>
-              </a:ext>
-            </a:extLst>
-          </p:cNvPr>
-          <p:cNvGraphicFramePr>
-            <a:graphicFrameLocks/>
-          </p:cNvGraphicFramePr>
-          <p:nvPr>
-            <p:extLst>
-              <p:ext uri="{D42A27DB-BD31-4B8C-83A1-F6EECF244321}">
-                <p14:modId xmlns:p14="http://schemas.microsoft.com/office/powerpoint/2010/main" val="1777455160"/>
-              </p:ext>
-            </p:extLst>
-          </p:nvPr>
-        </p:nvGraphicFramePr>
-        <p:xfrm>
-          <a:off x="1066799" y="1609494"/>
-          <a:ext cx="10515600" cy="4705515"/>
-        </p:xfrm>
-        <a:graphic>
-          <a:graphicData uri="http://schemas.openxmlformats.org/drawingml/2006/chart">
-            <c:chart xmlns:c="http://schemas.openxmlformats.org/drawingml/2006/chart" xmlns:r="http://schemas.openxmlformats.org/officeDocument/2006/relationships" r:id="rId2"/>
-          </a:graphicData>
-        </a:graphic>
-      </p:graphicFrame>
+      <p:sp>
+        <p:nvSpPr>
+          <p:cNvPr id="5" name="Footer Placeholder 4"/>
+          <p:cNvSpPr>
+            <a:spLocks noGrp="1"/>
+          </p:cNvSpPr>
+          <p:nvPr>
+            <p:ph type="ftr" sz="quarter" idx="11"/>
+          </p:nvPr>
+        </p:nvSpPr>
+        <p:spPr/>
+        <p:txBody>
+          <a:bodyPr/>
+          <a:lstStyle/>
+          <a:p>
+            <a:r>
+              <a:rPr lang="en-US" smtClean="0"/>
+              <a:t>presentation title</a:t>
+            </a:r>
+            <a:endParaRPr lang="en-US" dirty="0"/>
+          </a:p>
+        </p:txBody>
+      </p:sp>
+      <p:sp>
+        <p:nvSpPr>
+          <p:cNvPr id="16" name="Title 2">
+            <a:extLst>
+              <a:ext uri="{FF2B5EF4-FFF2-40B4-BE49-F238E27FC236}">
+                <a16:creationId xmlns="" xmlns:a16="http://schemas.microsoft.com/office/drawing/2014/main" id="{58A45141-45F1-0A77-FE4E-CBCA53A2BEB0}"/>
+              </a:ext>
+            </a:extLst>
+          </p:cNvPr>
+          <p:cNvSpPr>
+            <a:spLocks noGrp="1"/>
+          </p:cNvSpPr>
+          <p:nvPr>
+            <p:ph type="title"/>
+          </p:nvPr>
+        </p:nvSpPr>
+        <p:spPr>
+          <a:xfrm>
+            <a:off x="554495" y="256186"/>
+            <a:ext cx="10021824" cy="1252728"/>
+          </a:xfrm>
+        </p:spPr>
+        <p:txBody>
+          <a:bodyPr/>
+          <a:lstStyle/>
+          <a:p>
+            <a:r>
+              <a:rPr lang="en-US" sz="3600" dirty="0"/>
+              <a:t>Glimpse of the work done</a:t>
+            </a:r>
+          </a:p>
+        </p:txBody>
+      </p:sp>
+      <p:sp>
+        <p:nvSpPr>
+          <p:cNvPr id="17" name="TextBox 16">
+            <a:extLst>
+              <a:ext uri="{FF2B5EF4-FFF2-40B4-BE49-F238E27FC236}">
+                <a16:creationId xmlns="" xmlns:a16="http://schemas.microsoft.com/office/drawing/2014/main" id="{F5EE5EFC-CEB8-D397-AD6F-51B580EA5FE2}"/>
+              </a:ext>
+            </a:extLst>
+          </p:cNvPr>
+          <p:cNvSpPr txBox="1"/>
+          <p:nvPr/>
+        </p:nvSpPr>
+        <p:spPr>
+          <a:xfrm>
+            <a:off x="4300015" y="1478863"/>
+            <a:ext cx="6096000" cy="461665"/>
+          </a:xfrm>
+          <a:prstGeom prst="rect">
+            <a:avLst/>
+          </a:prstGeom>
+          <a:noFill/>
+        </p:spPr>
+        <p:txBody>
+          <a:bodyPr wrap="square">
+            <a:spAutoFit/>
+          </a:bodyPr>
+          <a:lstStyle/>
+          <a:p>
+            <a:r>
+              <a:rPr lang="en-US" sz="2400" dirty="0">
+                <a:latin typeface="+mj-lt"/>
+              </a:rPr>
+              <a:t>Face Recognition</a:t>
+            </a:r>
+            <a:endParaRPr lang="en-IN" sz="2400" dirty="0">
+              <a:latin typeface="+mj-lt"/>
+            </a:endParaRPr>
+          </a:p>
+        </p:txBody>
+      </p:sp>
+      <p:pic>
+        <p:nvPicPr>
+          <p:cNvPr id="19" name="Picture 18"/>
+          <p:cNvPicPr>
+            <a:picLocks noChangeAspect="1"/>
+          </p:cNvPicPr>
+          <p:nvPr/>
+        </p:nvPicPr>
+        <p:blipFill rotWithShape="1">
+          <a:blip r:embed="rId2">
+            <a:extLst>
+              <a:ext uri="{28A0092B-C50C-407E-A947-70E740481C1C}">
+                <a14:useLocalDpi xmlns:a14="http://schemas.microsoft.com/office/drawing/2010/main" val="0"/>
+              </a:ext>
+            </a:extLst>
+          </a:blip>
+          <a:srcRect l="43415" t="9745" r="9472" b="24119"/>
+          <a:stretch/>
+        </p:blipFill>
+        <p:spPr>
+          <a:xfrm>
+            <a:off x="6645499" y="2866742"/>
+            <a:ext cx="5057104" cy="3991258"/>
+          </a:xfrm>
+          <a:prstGeom prst="rect">
+            <a:avLst/>
+          </a:prstGeom>
+        </p:spPr>
+      </p:pic>
+      <p:pic>
+        <p:nvPicPr>
+          <p:cNvPr id="20" name="Picture 19"/>
+          <p:cNvPicPr>
+            <a:picLocks noChangeAspect="1"/>
+          </p:cNvPicPr>
+          <p:nvPr/>
+        </p:nvPicPr>
+        <p:blipFill rotWithShape="1">
+          <a:blip r:embed="rId3">
+            <a:extLst>
+              <a:ext uri="{28A0092B-C50C-407E-A947-70E740481C1C}">
+                <a14:useLocalDpi xmlns:a14="http://schemas.microsoft.com/office/drawing/2010/main" val="0"/>
+              </a:ext>
+            </a:extLst>
+          </a:blip>
+          <a:srcRect l="43520" t="9558" r="9790" b="23743"/>
+          <a:stretch/>
+        </p:blipFill>
+        <p:spPr>
+          <a:xfrm>
+            <a:off x="743953" y="2655333"/>
+            <a:ext cx="5232617" cy="4202667"/>
+          </a:xfrm>
+          <a:prstGeom prst="rect">
+            <a:avLst/>
+          </a:prstGeom>
+        </p:spPr>
+      </p:pic>
     </p:spTree>
     <p:extLst>
       <p:ext uri="{BB962C8B-B14F-4D97-AF65-F5344CB8AC3E}">
-        <p14:creationId xmlns:p14="http://schemas.microsoft.com/office/powerpoint/2010/main" val="1263875044"/>
+        <p14:creationId xmlns:p14="http://schemas.microsoft.com/office/powerpoint/2010/main" val="2140161612"/>
       </p:ext>
     </p:extLst>
   </p:cSld>
@@ -13931,7 +13992,158 @@
           <p:cNvPr id="2" name="Title 1">
             <a:extLst>
               <a:ext uri="{FF2B5EF4-FFF2-40B4-BE49-F238E27FC236}">
-                <a16:creationId xmlns:a16="http://schemas.microsoft.com/office/drawing/2014/main" xmlns="" id="{A546168A-9F8B-AE64-6A3B-DD036396CD45}"/>
+                <a16:creationId xmlns="" xmlns:a16="http://schemas.microsoft.com/office/drawing/2014/main" id="{5579856F-92A5-9936-EAA5-B01FC81B4FF8}"/>
+              </a:ext>
+            </a:extLst>
+          </p:cNvPr>
+          <p:cNvSpPr>
+            <a:spLocks noGrp="1"/>
+          </p:cNvSpPr>
+          <p:nvPr>
+            <p:ph type="title"/>
+          </p:nvPr>
+        </p:nvSpPr>
+        <p:spPr/>
+        <p:txBody>
+          <a:bodyPr/>
+          <a:lstStyle/>
+          <a:p>
+            <a:r>
+              <a:rPr lang="en-US" sz="4400" dirty="0"/>
+              <a:t>Hours worked (weekly)</a:t>
+            </a:r>
+          </a:p>
+        </p:txBody>
+      </p:sp>
+      <p:sp>
+        <p:nvSpPr>
+          <p:cNvPr id="5" name="Footer Placeholder 4">
+            <a:extLst>
+              <a:ext uri="{FF2B5EF4-FFF2-40B4-BE49-F238E27FC236}">
+                <a16:creationId xmlns="" xmlns:a16="http://schemas.microsoft.com/office/drawing/2014/main" id="{F55E31DF-7A65-925F-3A83-F62DFCE2A228}"/>
+              </a:ext>
+            </a:extLst>
+          </p:cNvPr>
+          <p:cNvSpPr>
+            <a:spLocks noGrp="1"/>
+          </p:cNvSpPr>
+          <p:nvPr>
+            <p:ph type="ftr" sz="quarter" idx="12"/>
+          </p:nvPr>
+        </p:nvSpPr>
+        <p:spPr>
+          <a:xfrm rot="16200000">
+            <a:off x="-408552" y="1258323"/>
+            <a:ext cx="2143126" cy="217030"/>
+          </a:xfrm>
+        </p:spPr>
+        <p:txBody>
+          <a:bodyPr/>
+          <a:lstStyle/>
+          <a:p>
+            <a:r>
+              <a:rPr lang="en-US" dirty="0"/>
+              <a:t>CRI AI THERMAL CAMERA</a:t>
+            </a:r>
+          </a:p>
+        </p:txBody>
+      </p:sp>
+      <p:sp>
+        <p:nvSpPr>
+          <p:cNvPr id="4" name="Slide Number Placeholder 3">
+            <a:extLst>
+              <a:ext uri="{FF2B5EF4-FFF2-40B4-BE49-F238E27FC236}">
+                <a16:creationId xmlns="" xmlns:a16="http://schemas.microsoft.com/office/drawing/2014/main" id="{AB34DDCD-707A-A5D7-B2C6-B463856CE28B}"/>
+              </a:ext>
+            </a:extLst>
+          </p:cNvPr>
+          <p:cNvSpPr>
+            <a:spLocks noGrp="1"/>
+          </p:cNvSpPr>
+          <p:nvPr>
+            <p:ph type="sldNum" sz="quarter" idx="11"/>
+          </p:nvPr>
+        </p:nvSpPr>
+        <p:spPr/>
+        <p:txBody>
+          <a:bodyPr/>
+          <a:lstStyle/>
+          <a:p>
+            <a:fld id="{75DF2D63-3FF5-D547-96B9-BE9CCD1ABA58}" type="slidenum">
+              <a:rPr lang="en-US" smtClean="0"/>
+              <a:pPr/>
+              <a:t>15</a:t>
+            </a:fld>
+            <a:endParaRPr lang="en-US" dirty="0"/>
+          </a:p>
+        </p:txBody>
+      </p:sp>
+      <p:graphicFrame>
+        <p:nvGraphicFramePr>
+          <p:cNvPr id="8" name="Content Placeholder 7">
+            <a:extLst>
+              <a:ext uri="{FF2B5EF4-FFF2-40B4-BE49-F238E27FC236}">
+                <a16:creationId xmlns="" xmlns:a16="http://schemas.microsoft.com/office/drawing/2014/main" id="{BEF7C8E1-FB12-C90D-BBD8-9F9455992533}"/>
+              </a:ext>
+            </a:extLst>
+          </p:cNvPr>
+          <p:cNvGraphicFramePr>
+            <a:graphicFrameLocks/>
+          </p:cNvGraphicFramePr>
+          <p:nvPr>
+            <p:extLst>
+              <p:ext uri="{D42A27DB-BD31-4B8C-83A1-F6EECF244321}">
+                <p14:modId xmlns:p14="http://schemas.microsoft.com/office/powerpoint/2010/main" val="1777455160"/>
+              </p:ext>
+            </p:extLst>
+          </p:nvPr>
+        </p:nvGraphicFramePr>
+        <p:xfrm>
+          <a:off x="1066799" y="1609494"/>
+          <a:ext cx="10515600" cy="4705515"/>
+        </p:xfrm>
+        <a:graphic>
+          <a:graphicData uri="http://schemas.openxmlformats.org/drawingml/2006/chart">
+            <c:chart xmlns:c="http://schemas.openxmlformats.org/drawingml/2006/chart" xmlns:r="http://schemas.openxmlformats.org/officeDocument/2006/relationships" r:id="rId2"/>
+          </a:graphicData>
+        </a:graphic>
+      </p:graphicFrame>
+    </p:spTree>
+    <p:extLst>
+      <p:ext uri="{BB962C8B-B14F-4D97-AF65-F5344CB8AC3E}">
+        <p14:creationId xmlns:p14="http://schemas.microsoft.com/office/powerpoint/2010/main" val="1263875044"/>
+      </p:ext>
+    </p:extLst>
+  </p:cSld>
+  <p:clrMapOvr>
+    <a:masterClrMapping/>
+  </p:clrMapOvr>
+</p:sld>
+</file>
+
+<file path=ppt/slides/slide16.xml><?xml version="1.0" encoding="utf-8"?>
+<p:sld xmlns:a="http://schemas.openxmlformats.org/drawingml/2006/main" xmlns:r="http://schemas.openxmlformats.org/officeDocument/2006/relationships" xmlns:p="http://schemas.openxmlformats.org/presentationml/2006/main">
+  <p:cSld>
+    <p:spTree>
+      <p:nvGrpSpPr>
+        <p:cNvPr id="1" name=""/>
+        <p:cNvGrpSpPr/>
+        <p:nvPr/>
+      </p:nvGrpSpPr>
+      <p:grpSpPr>
+        <a:xfrm>
+          <a:off x="0" y="0"/>
+          <a:ext cx="0" cy="0"/>
+          <a:chOff x="0" y="0"/>
+          <a:chExt cx="0" cy="0"/>
+        </a:xfrm>
+      </p:grpSpPr>
+      <p:sp>
+        <p:nvSpPr>
+          <p:cNvPr id="2" name="Title 1">
+            <a:extLst>
+              <a:ext uri="{FF2B5EF4-FFF2-40B4-BE49-F238E27FC236}">
+                <a16:creationId xmlns="" xmlns:a16="http://schemas.microsoft.com/office/drawing/2014/main" id="{A546168A-9F8B-AE64-6A3B-DD036396CD45}"/>
               </a:ext>
             </a:extLst>
           </p:cNvPr>
@@ -13962,7 +14174,7 @@
           <p:cNvPr id="4" name="Footer Placeholder 3">
             <a:extLst>
               <a:ext uri="{FF2B5EF4-FFF2-40B4-BE49-F238E27FC236}">
-                <a16:creationId xmlns:a16="http://schemas.microsoft.com/office/drawing/2014/main" xmlns="" id="{8A39D430-6FFC-66C6-AF3D-05E76D9D4BB4}"/>
+                <a16:creationId xmlns="" xmlns:a16="http://schemas.microsoft.com/office/drawing/2014/main" id="{8A39D430-6FFC-66C6-AF3D-05E76D9D4BB4}"/>
               </a:ext>
             </a:extLst>
           </p:cNvPr>
@@ -13995,7 +14207,7 @@
           <p:cNvPr id="3" name="Slide Number Placeholder 2">
             <a:extLst>
               <a:ext uri="{FF2B5EF4-FFF2-40B4-BE49-F238E27FC236}">
-                <a16:creationId xmlns:a16="http://schemas.microsoft.com/office/drawing/2014/main" xmlns="" id="{F08CF61D-4147-236F-218C-CE2A064E6BD9}"/>
+                <a16:creationId xmlns="" xmlns:a16="http://schemas.microsoft.com/office/drawing/2014/main" id="{F08CF61D-4147-236F-218C-CE2A064E6BD9}"/>
               </a:ext>
             </a:extLst>
           </p:cNvPr>
@@ -14014,7 +14226,7 @@
             <a:fld id="{75DF2D63-3FF5-D547-96B9-BE9CCD1ABA58}" type="slidenum">
               <a:rPr lang="en-US" smtClean="0"/>
               <a:pPr/>
-              <a:t>15</a:t>
+              <a:t>16</a:t>
             </a:fld>
             <a:endParaRPr lang="en-US" dirty="0"/>
           </a:p>
@@ -14277,7 +14489,7 @@
           <p:cNvPr id="6" name="Content Placeholder 25" descr="Microscopic view of a suspended bubble-like material with water in it">
             <a:extLst>
               <a:ext uri="{FF2B5EF4-FFF2-40B4-BE49-F238E27FC236}">
-                <a16:creationId xmlns:a16="http://schemas.microsoft.com/office/drawing/2014/main" xmlns="" id="{B083ED63-584D-2579-2721-B716F3BC8F6B}"/>
+                <a16:creationId xmlns="" xmlns:a16="http://schemas.microsoft.com/office/drawing/2014/main" id="{B083ED63-584D-2579-2721-B716F3BC8F6B}"/>
               </a:ext>
             </a:extLst>
           </p:cNvPr>
@@ -14376,288 +14588,6 @@
 </p:sld>
 </file>
 
-<file path=ppt/slides/slide16.xml><?xml version="1.0" encoding="utf-8"?>
-<p:sld xmlns:a="http://schemas.openxmlformats.org/drawingml/2006/main" xmlns:r="http://schemas.openxmlformats.org/officeDocument/2006/relationships" xmlns:p="http://schemas.openxmlformats.org/presentationml/2006/main">
-  <p:cSld>
-    <p:spTree>
-      <p:nvGrpSpPr>
-        <p:cNvPr id="1" name=""/>
-        <p:cNvGrpSpPr/>
-        <p:nvPr/>
-      </p:nvGrpSpPr>
-      <p:grpSpPr>
-        <a:xfrm>
-          <a:off x="0" y="0"/>
-          <a:ext cx="0" cy="0"/>
-          <a:chOff x="0" y="0"/>
-          <a:chExt cx="0" cy="0"/>
-        </a:xfrm>
-      </p:grpSpPr>
-      <p:sp>
-        <p:nvSpPr>
-          <p:cNvPr id="2" name="Title 1">
-            <a:extLst>
-              <a:ext uri="{FF2B5EF4-FFF2-40B4-BE49-F238E27FC236}">
-                <a16:creationId xmlns:a16="http://schemas.microsoft.com/office/drawing/2014/main" xmlns="" id="{F0984788-646A-CF90-D67D-14752A71745D}"/>
-              </a:ext>
-            </a:extLst>
-          </p:cNvPr>
-          <p:cNvSpPr>
-            <a:spLocks noGrp="1"/>
-          </p:cNvSpPr>
-          <p:nvPr>
-            <p:ph type="title"/>
-          </p:nvPr>
-        </p:nvSpPr>
-        <p:spPr/>
-        <p:txBody>
-          <a:bodyPr/>
-          <a:lstStyle/>
-          <a:p>
-            <a:r>
-              <a:rPr lang="en-US" sz="4400" dirty="0"/>
-              <a:t>General Budget</a:t>
-            </a:r>
-          </a:p>
-        </p:txBody>
-      </p:sp>
-      <p:sp>
-        <p:nvSpPr>
-          <p:cNvPr id="5" name="Footer Placeholder 4">
-            <a:extLst>
-              <a:ext uri="{FF2B5EF4-FFF2-40B4-BE49-F238E27FC236}">
-                <a16:creationId xmlns:a16="http://schemas.microsoft.com/office/drawing/2014/main" xmlns="" id="{241D8BC6-DD9D-7F06-3B9F-9F2B462E4984}"/>
-              </a:ext>
-            </a:extLst>
-          </p:cNvPr>
-          <p:cNvSpPr>
-            <a:spLocks noGrp="1"/>
-          </p:cNvSpPr>
-          <p:nvPr>
-            <p:ph type="ftr" sz="quarter" idx="12"/>
-          </p:nvPr>
-        </p:nvSpPr>
-        <p:spPr>
-          <a:xfrm rot="16200000">
-            <a:off x="-444802" y="1238995"/>
-            <a:ext cx="2198704" cy="200107"/>
-          </a:xfrm>
-        </p:spPr>
-        <p:txBody>
-          <a:bodyPr/>
-          <a:lstStyle/>
-          <a:p>
-            <a:r>
-              <a:rPr lang="en-US" dirty="0"/>
-              <a:t>CRI AI THEMRAL CAMERA</a:t>
-            </a:r>
-          </a:p>
-        </p:txBody>
-      </p:sp>
-      <p:sp>
-        <p:nvSpPr>
-          <p:cNvPr id="4" name="Slide Number Placeholder 3">
-            <a:extLst>
-              <a:ext uri="{FF2B5EF4-FFF2-40B4-BE49-F238E27FC236}">
-                <a16:creationId xmlns:a16="http://schemas.microsoft.com/office/drawing/2014/main" xmlns="" id="{B6586F16-C3E1-6E51-D140-EF50382CA456}"/>
-              </a:ext>
-            </a:extLst>
-          </p:cNvPr>
-          <p:cNvSpPr>
-            <a:spLocks noGrp="1"/>
-          </p:cNvSpPr>
-          <p:nvPr>
-            <p:ph type="sldNum" sz="quarter" idx="11"/>
-          </p:nvPr>
-        </p:nvSpPr>
-        <p:spPr/>
-        <p:txBody>
-          <a:bodyPr/>
-          <a:lstStyle/>
-          <a:p>
-            <a:fld id="{75DF2D63-3FF5-D547-96B9-BE9CCD1ABA58}" type="slidenum">
-              <a:rPr lang="en-US" smtClean="0"/>
-              <a:pPr/>
-              <a:t>16</a:t>
-            </a:fld>
-            <a:endParaRPr lang="en-US" dirty="0"/>
-          </a:p>
-        </p:txBody>
-      </p:sp>
-      <p:sp>
-        <p:nvSpPr>
-          <p:cNvPr id="3" name="Content Placeholder 2">
-            <a:extLst>
-              <a:ext uri="{FF2B5EF4-FFF2-40B4-BE49-F238E27FC236}">
-                <a16:creationId xmlns:a16="http://schemas.microsoft.com/office/drawing/2014/main" xmlns="" id="{77C9C890-ADC6-0AA7-BBC0-05E856AA7C3C}"/>
-              </a:ext>
-            </a:extLst>
-          </p:cNvPr>
-          <p:cNvSpPr>
-            <a:spLocks noGrp="1"/>
-          </p:cNvSpPr>
-          <p:nvPr>
-            <p:ph idx="1"/>
-          </p:nvPr>
-        </p:nvSpPr>
-        <p:spPr/>
-        <p:txBody>
-          <a:bodyPr/>
-          <a:lstStyle/>
-          <a:p>
-            <a:pPr marL="0" indent="0">
-              <a:lnSpc>
-                <a:spcPts val="2400"/>
-              </a:lnSpc>
-              <a:buNone/>
-            </a:pPr>
-            <a:r>
-              <a:rPr lang="en-US" sz="2000" b="1" spc="0" dirty="0">
-                <a:ea typeface="+mn-lt"/>
-                <a:cs typeface="+mn-lt"/>
-              </a:rPr>
-              <a:t>•Number of developers: </a:t>
-            </a:r>
-            <a:r>
-              <a:rPr lang="en-US" sz="2000" spc="0" dirty="0">
-                <a:ea typeface="+mn-lt"/>
-                <a:cs typeface="+mn-lt"/>
-              </a:rPr>
-              <a:t>3</a:t>
-            </a:r>
-          </a:p>
-          <a:p>
-            <a:pPr marL="0" indent="0">
-              <a:lnSpc>
-                <a:spcPts val="2400"/>
-              </a:lnSpc>
-              <a:buNone/>
-            </a:pPr>
-            <a:r>
-              <a:rPr lang="en-US" sz="2000" b="1" spc="0" dirty="0">
-                <a:ea typeface="+mn-lt"/>
-                <a:cs typeface="+mn-lt"/>
-              </a:rPr>
-              <a:t>•Hourly cost: </a:t>
-            </a:r>
-            <a:r>
-              <a:rPr lang="en-US" sz="2000" spc="0" dirty="0">
-                <a:ea typeface="+mn-lt"/>
-                <a:cs typeface="+mn-lt"/>
-              </a:rPr>
-              <a:t>$50 per developer</a:t>
-            </a:r>
-          </a:p>
-          <a:p>
-            <a:pPr marL="0" indent="0">
-              <a:lnSpc>
-                <a:spcPts val="2400"/>
-              </a:lnSpc>
-              <a:buNone/>
-            </a:pPr>
-            <a:r>
-              <a:rPr lang="en-US" sz="2000" b="1" spc="0" dirty="0">
-                <a:ea typeface="+mn-lt"/>
-                <a:cs typeface="+mn-lt"/>
-              </a:rPr>
-              <a:t>•Estimated weekly time: </a:t>
-            </a:r>
-            <a:r>
-              <a:rPr lang="en-US" sz="2000" spc="0" dirty="0">
-                <a:ea typeface="+mn-lt"/>
-                <a:cs typeface="+mn-lt"/>
-              </a:rPr>
-              <a:t>8 hours per developer</a:t>
-            </a:r>
-          </a:p>
-          <a:p>
-            <a:pPr marL="0" indent="0">
-              <a:lnSpc>
-                <a:spcPts val="2400"/>
-              </a:lnSpc>
-              <a:buNone/>
-            </a:pPr>
-            <a:r>
-              <a:rPr lang="en-US" sz="2000" b="1" spc="0" dirty="0">
-                <a:ea typeface="+mn-lt"/>
-                <a:cs typeface="+mn-lt"/>
-              </a:rPr>
-              <a:t>•Estimated weeks: </a:t>
-            </a:r>
-            <a:r>
-              <a:rPr lang="en-US" sz="2000" spc="0" dirty="0">
-                <a:ea typeface="+mn-lt"/>
-                <a:cs typeface="+mn-lt"/>
-              </a:rPr>
-              <a:t>13</a:t>
-            </a:r>
-          </a:p>
-          <a:p>
-            <a:pPr marL="0" indent="0">
-              <a:lnSpc>
-                <a:spcPts val="2400"/>
-              </a:lnSpc>
-              <a:buNone/>
-            </a:pPr>
-            <a:r>
-              <a:rPr lang="en-US" sz="2000" b="1" spc="0" dirty="0">
-                <a:ea typeface="+mn-lt"/>
-                <a:cs typeface="+mn-lt"/>
-              </a:rPr>
-              <a:t>•Estimated fictious budget: </a:t>
-            </a:r>
-            <a:r>
-              <a:rPr lang="en-US" sz="2000" spc="0" dirty="0">
-                <a:ea typeface="+mn-lt"/>
-                <a:cs typeface="+mn-lt"/>
-              </a:rPr>
-              <a:t>$15,600</a:t>
-            </a:r>
-            <a:endParaRPr lang="en-US" sz="2000" spc="0" dirty="0"/>
-          </a:p>
-        </p:txBody>
-      </p:sp>
-      <p:pic>
-        <p:nvPicPr>
-          <p:cNvPr id="14" name="Picture Placeholder 13">
-            <a:extLst>
-              <a:ext uri="{FF2B5EF4-FFF2-40B4-BE49-F238E27FC236}">
-                <a16:creationId xmlns:a16="http://schemas.microsoft.com/office/drawing/2014/main" xmlns="" id="{A20DE870-8870-D406-4A9A-7A3DA347C563}"/>
-              </a:ext>
-            </a:extLst>
-          </p:cNvPr>
-          <p:cNvPicPr>
-            <a:picLocks noGrp="1" noChangeAspect="1"/>
-          </p:cNvPicPr>
-          <p:nvPr>
-            <p:ph type="pic" sz="quarter" idx="13"/>
-          </p:nvPr>
-        </p:nvPicPr>
-        <p:blipFill rotWithShape="1">
-          <a:blip r:embed="rId2"/>
-          <a:srcRect l="20041" t="813" r="14586" b="8130"/>
-          <a:stretch/>
-        </p:blipFill>
-        <p:spPr>
-          <a:xfrm rot="-360000">
-            <a:off x="1298448" y="1828800"/>
-            <a:ext cx="3200400" cy="3200400"/>
-          </a:xfrm>
-        </p:spPr>
-      </p:pic>
-    </p:spTree>
-    <p:extLst>
-      <p:ext uri="{BB962C8B-B14F-4D97-AF65-F5344CB8AC3E}">
-        <p14:creationId xmlns:p14="http://schemas.microsoft.com/office/powerpoint/2010/main" val="3086009480"/>
-      </p:ext>
-    </p:extLst>
-  </p:cSld>
-  <p:clrMapOvr>
-    <a:masterClrMapping/>
-  </p:clrMapOvr>
-</p:sld>
-</file>
-
 <file path=ppt/slides/slide17.xml><?xml version="1.0" encoding="utf-8"?>
 <p:sld xmlns:a="http://schemas.openxmlformats.org/drawingml/2006/main" xmlns:r="http://schemas.openxmlformats.org/officeDocument/2006/relationships" xmlns:p="http://schemas.openxmlformats.org/presentationml/2006/main">
   <p:cSld>
@@ -14677,10 +14607,10 @@
       </p:grpSpPr>
       <p:sp>
         <p:nvSpPr>
-          <p:cNvPr id="3" name="Title 2">
-            <a:extLst>
-              <a:ext uri="{FF2B5EF4-FFF2-40B4-BE49-F238E27FC236}">
-                <a16:creationId xmlns:a16="http://schemas.microsoft.com/office/drawing/2014/main" xmlns="" id="{B3E315A2-4CED-23BB-CA3C-C8962E2419FD}"/>
+          <p:cNvPr id="2" name="Title 1">
+            <a:extLst>
+              <a:ext uri="{FF2B5EF4-FFF2-40B4-BE49-F238E27FC236}">
+                <a16:creationId xmlns="" xmlns:a16="http://schemas.microsoft.com/office/drawing/2014/main" id="{F0984788-646A-CF90-D67D-14752A71745D}"/>
               </a:ext>
             </a:extLst>
           </p:cNvPr>
@@ -14698,17 +14628,17 @@
           <a:p>
             <a:r>
               <a:rPr lang="en-US" sz="4400" dirty="0"/>
-              <a:t>REFERENCES</a:t>
-            </a:r>
-          </a:p>
-        </p:txBody>
-      </p:sp>
-      <p:sp>
-        <p:nvSpPr>
-          <p:cNvPr id="9" name="Footer Placeholder 8">
-            <a:extLst>
-              <a:ext uri="{FF2B5EF4-FFF2-40B4-BE49-F238E27FC236}">
-                <a16:creationId xmlns:a16="http://schemas.microsoft.com/office/drawing/2014/main" xmlns="" id="{90FCB302-A0EE-7CF7-A4B2-ED343BFF9BC0}"/>
+              <a:t>General Budget</a:t>
+            </a:r>
+          </a:p>
+        </p:txBody>
+      </p:sp>
+      <p:sp>
+        <p:nvSpPr>
+          <p:cNvPr id="5" name="Footer Placeholder 4">
+            <a:extLst>
+              <a:ext uri="{FF2B5EF4-FFF2-40B4-BE49-F238E27FC236}">
+                <a16:creationId xmlns="" xmlns:a16="http://schemas.microsoft.com/office/drawing/2014/main" id="{241D8BC6-DD9D-7F06-3B9F-9F2B462E4984}"/>
               </a:ext>
             </a:extLst>
           </p:cNvPr>
@@ -14721,8 +14651,8 @@
         </p:nvSpPr>
         <p:spPr>
           <a:xfrm rot="16200000">
-            <a:off x="-422840" y="1244036"/>
-            <a:ext cx="2171701" cy="217030"/>
+            <a:off x="-444802" y="1238995"/>
+            <a:ext cx="2198704" cy="200107"/>
           </a:xfrm>
         </p:spPr>
         <p:txBody>
@@ -14731,17 +14661,17 @@
           <a:p>
             <a:r>
               <a:rPr lang="en-US" dirty="0"/>
-              <a:t>CRI AI THERMAL CAMERA</a:t>
-            </a:r>
-          </a:p>
-        </p:txBody>
-      </p:sp>
-      <p:sp>
-        <p:nvSpPr>
-          <p:cNvPr id="8" name="Slide Number Placeholder 7">
-            <a:extLst>
-              <a:ext uri="{FF2B5EF4-FFF2-40B4-BE49-F238E27FC236}">
-                <a16:creationId xmlns:a16="http://schemas.microsoft.com/office/drawing/2014/main" xmlns="" id="{2205EC8C-AC41-F14C-3C63-5BF0F54D1D23}"/>
+              <a:t>CRI AI THEMRAL CAMERA</a:t>
+            </a:r>
+          </a:p>
+        </p:txBody>
+      </p:sp>
+      <p:sp>
+        <p:nvSpPr>
+          <p:cNvPr id="4" name="Slide Number Placeholder 3">
+            <a:extLst>
+              <a:ext uri="{FF2B5EF4-FFF2-40B4-BE49-F238E27FC236}">
+                <a16:creationId xmlns="" xmlns:a16="http://schemas.microsoft.com/office/drawing/2014/main" id="{B6586F16-C3E1-6E51-D140-EF50382CA456}"/>
               </a:ext>
             </a:extLst>
           </p:cNvPr>
@@ -14768,10 +14698,292 @@
       </p:sp>
       <p:sp>
         <p:nvSpPr>
+          <p:cNvPr id="3" name="Content Placeholder 2">
+            <a:extLst>
+              <a:ext uri="{FF2B5EF4-FFF2-40B4-BE49-F238E27FC236}">
+                <a16:creationId xmlns="" xmlns:a16="http://schemas.microsoft.com/office/drawing/2014/main" id="{77C9C890-ADC6-0AA7-BBC0-05E856AA7C3C}"/>
+              </a:ext>
+            </a:extLst>
+          </p:cNvPr>
+          <p:cNvSpPr>
+            <a:spLocks noGrp="1"/>
+          </p:cNvSpPr>
+          <p:nvPr>
+            <p:ph idx="1"/>
+          </p:nvPr>
+        </p:nvSpPr>
+        <p:spPr/>
+        <p:txBody>
+          <a:bodyPr/>
+          <a:lstStyle/>
+          <a:p>
+            <a:pPr marL="0" indent="0">
+              <a:lnSpc>
+                <a:spcPts val="2400"/>
+              </a:lnSpc>
+              <a:buNone/>
+            </a:pPr>
+            <a:r>
+              <a:rPr lang="en-US" sz="2000" b="1" spc="0" dirty="0">
+                <a:ea typeface="+mn-lt"/>
+                <a:cs typeface="+mn-lt"/>
+              </a:rPr>
+              <a:t>•Number of developers: </a:t>
+            </a:r>
+            <a:r>
+              <a:rPr lang="en-US" sz="2000" spc="0" dirty="0">
+                <a:ea typeface="+mn-lt"/>
+                <a:cs typeface="+mn-lt"/>
+              </a:rPr>
+              <a:t>3</a:t>
+            </a:r>
+          </a:p>
+          <a:p>
+            <a:pPr marL="0" indent="0">
+              <a:lnSpc>
+                <a:spcPts val="2400"/>
+              </a:lnSpc>
+              <a:buNone/>
+            </a:pPr>
+            <a:r>
+              <a:rPr lang="en-US" sz="2000" b="1" spc="0" dirty="0">
+                <a:ea typeface="+mn-lt"/>
+                <a:cs typeface="+mn-lt"/>
+              </a:rPr>
+              <a:t>•Hourly cost: </a:t>
+            </a:r>
+            <a:r>
+              <a:rPr lang="en-US" sz="2000" spc="0" dirty="0">
+                <a:ea typeface="+mn-lt"/>
+                <a:cs typeface="+mn-lt"/>
+              </a:rPr>
+              <a:t>$50 per developer</a:t>
+            </a:r>
+          </a:p>
+          <a:p>
+            <a:pPr marL="0" indent="0">
+              <a:lnSpc>
+                <a:spcPts val="2400"/>
+              </a:lnSpc>
+              <a:buNone/>
+            </a:pPr>
+            <a:r>
+              <a:rPr lang="en-US" sz="2000" b="1" spc="0" dirty="0">
+                <a:ea typeface="+mn-lt"/>
+                <a:cs typeface="+mn-lt"/>
+              </a:rPr>
+              <a:t>•Estimated weekly time: </a:t>
+            </a:r>
+            <a:r>
+              <a:rPr lang="en-US" sz="2000" spc="0" dirty="0">
+                <a:ea typeface="+mn-lt"/>
+                <a:cs typeface="+mn-lt"/>
+              </a:rPr>
+              <a:t>8 hours per developer</a:t>
+            </a:r>
+          </a:p>
+          <a:p>
+            <a:pPr marL="0" indent="0">
+              <a:lnSpc>
+                <a:spcPts val="2400"/>
+              </a:lnSpc>
+              <a:buNone/>
+            </a:pPr>
+            <a:r>
+              <a:rPr lang="en-US" sz="2000" b="1" spc="0" dirty="0">
+                <a:ea typeface="+mn-lt"/>
+                <a:cs typeface="+mn-lt"/>
+              </a:rPr>
+              <a:t>•Estimated weeks: </a:t>
+            </a:r>
+            <a:r>
+              <a:rPr lang="en-US" sz="2000" spc="0" dirty="0">
+                <a:ea typeface="+mn-lt"/>
+                <a:cs typeface="+mn-lt"/>
+              </a:rPr>
+              <a:t>13</a:t>
+            </a:r>
+          </a:p>
+          <a:p>
+            <a:pPr marL="0" indent="0">
+              <a:lnSpc>
+                <a:spcPts val="2400"/>
+              </a:lnSpc>
+              <a:buNone/>
+            </a:pPr>
+            <a:r>
+              <a:rPr lang="en-US" sz="2000" b="1" spc="0" dirty="0">
+                <a:ea typeface="+mn-lt"/>
+                <a:cs typeface="+mn-lt"/>
+              </a:rPr>
+              <a:t>•Estimated fictious budget: </a:t>
+            </a:r>
+            <a:r>
+              <a:rPr lang="en-US" sz="2000" spc="0" dirty="0">
+                <a:ea typeface="+mn-lt"/>
+                <a:cs typeface="+mn-lt"/>
+              </a:rPr>
+              <a:t>$15,600</a:t>
+            </a:r>
+            <a:endParaRPr lang="en-US" sz="2000" spc="0" dirty="0"/>
+          </a:p>
+        </p:txBody>
+      </p:sp>
+      <p:pic>
+        <p:nvPicPr>
+          <p:cNvPr id="14" name="Picture Placeholder 13">
+            <a:extLst>
+              <a:ext uri="{FF2B5EF4-FFF2-40B4-BE49-F238E27FC236}">
+                <a16:creationId xmlns="" xmlns:a16="http://schemas.microsoft.com/office/drawing/2014/main" id="{A20DE870-8870-D406-4A9A-7A3DA347C563}"/>
+              </a:ext>
+            </a:extLst>
+          </p:cNvPr>
+          <p:cNvPicPr>
+            <a:picLocks noGrp="1" noChangeAspect="1"/>
+          </p:cNvPicPr>
+          <p:nvPr>
+            <p:ph type="pic" sz="quarter" idx="13"/>
+          </p:nvPr>
+        </p:nvPicPr>
+        <p:blipFill rotWithShape="1">
+          <a:blip r:embed="rId2"/>
+          <a:srcRect l="20041" t="813" r="14586" b="8130"/>
+          <a:stretch/>
+        </p:blipFill>
+        <p:spPr>
+          <a:xfrm rot="-360000">
+            <a:off x="1298448" y="1828800"/>
+            <a:ext cx="3200400" cy="3200400"/>
+          </a:xfrm>
+        </p:spPr>
+      </p:pic>
+    </p:spTree>
+    <p:extLst>
+      <p:ext uri="{BB962C8B-B14F-4D97-AF65-F5344CB8AC3E}">
+        <p14:creationId xmlns:p14="http://schemas.microsoft.com/office/powerpoint/2010/main" val="3086009480"/>
+      </p:ext>
+    </p:extLst>
+  </p:cSld>
+  <p:clrMapOvr>
+    <a:masterClrMapping/>
+  </p:clrMapOvr>
+</p:sld>
+</file>
+
+<file path=ppt/slides/slide18.xml><?xml version="1.0" encoding="utf-8"?>
+<p:sld xmlns:a="http://schemas.openxmlformats.org/drawingml/2006/main" xmlns:r="http://schemas.openxmlformats.org/officeDocument/2006/relationships" xmlns:p="http://schemas.openxmlformats.org/presentationml/2006/main">
+  <p:cSld>
+    <p:spTree>
+      <p:nvGrpSpPr>
+        <p:cNvPr id="1" name=""/>
+        <p:cNvGrpSpPr/>
+        <p:nvPr/>
+      </p:nvGrpSpPr>
+      <p:grpSpPr>
+        <a:xfrm>
+          <a:off x="0" y="0"/>
+          <a:ext cx="0" cy="0"/>
+          <a:chOff x="0" y="0"/>
+          <a:chExt cx="0" cy="0"/>
+        </a:xfrm>
+      </p:grpSpPr>
+      <p:sp>
+        <p:nvSpPr>
+          <p:cNvPr id="3" name="Title 2">
+            <a:extLst>
+              <a:ext uri="{FF2B5EF4-FFF2-40B4-BE49-F238E27FC236}">
+                <a16:creationId xmlns="" xmlns:a16="http://schemas.microsoft.com/office/drawing/2014/main" id="{B3E315A2-4CED-23BB-CA3C-C8962E2419FD}"/>
+              </a:ext>
+            </a:extLst>
+          </p:cNvPr>
+          <p:cNvSpPr>
+            <a:spLocks noGrp="1"/>
+          </p:cNvSpPr>
+          <p:nvPr>
+            <p:ph type="title"/>
+          </p:nvPr>
+        </p:nvSpPr>
+        <p:spPr/>
+        <p:txBody>
+          <a:bodyPr/>
+          <a:lstStyle/>
+          <a:p>
+            <a:r>
+              <a:rPr lang="en-US" sz="4400" dirty="0"/>
+              <a:t>REFERENCES</a:t>
+            </a:r>
+          </a:p>
+        </p:txBody>
+      </p:sp>
+      <p:sp>
+        <p:nvSpPr>
+          <p:cNvPr id="9" name="Footer Placeholder 8">
+            <a:extLst>
+              <a:ext uri="{FF2B5EF4-FFF2-40B4-BE49-F238E27FC236}">
+                <a16:creationId xmlns="" xmlns:a16="http://schemas.microsoft.com/office/drawing/2014/main" id="{90FCB302-A0EE-7CF7-A4B2-ED343BFF9BC0}"/>
+              </a:ext>
+            </a:extLst>
+          </p:cNvPr>
+          <p:cNvSpPr>
+            <a:spLocks noGrp="1"/>
+          </p:cNvSpPr>
+          <p:nvPr>
+            <p:ph type="ftr" sz="quarter" idx="12"/>
+          </p:nvPr>
+        </p:nvSpPr>
+        <p:spPr>
+          <a:xfrm rot="16200000">
+            <a:off x="-422840" y="1244036"/>
+            <a:ext cx="2171701" cy="217030"/>
+          </a:xfrm>
+        </p:spPr>
+        <p:txBody>
+          <a:bodyPr/>
+          <a:lstStyle/>
+          <a:p>
+            <a:r>
+              <a:rPr lang="en-US" dirty="0"/>
+              <a:t>CRI AI THERMAL CAMERA</a:t>
+            </a:r>
+          </a:p>
+        </p:txBody>
+      </p:sp>
+      <p:sp>
+        <p:nvSpPr>
+          <p:cNvPr id="8" name="Slide Number Placeholder 7">
+            <a:extLst>
+              <a:ext uri="{FF2B5EF4-FFF2-40B4-BE49-F238E27FC236}">
+                <a16:creationId xmlns="" xmlns:a16="http://schemas.microsoft.com/office/drawing/2014/main" id="{2205EC8C-AC41-F14C-3C63-5BF0F54D1D23}"/>
+              </a:ext>
+            </a:extLst>
+          </p:cNvPr>
+          <p:cNvSpPr>
+            <a:spLocks noGrp="1"/>
+          </p:cNvSpPr>
+          <p:nvPr>
+            <p:ph type="sldNum" sz="quarter" idx="11"/>
+          </p:nvPr>
+        </p:nvSpPr>
+        <p:spPr/>
+        <p:txBody>
+          <a:bodyPr/>
+          <a:lstStyle/>
+          <a:p>
+            <a:fld id="{75DF2D63-3FF5-D547-96B9-BE9CCD1ABA58}" type="slidenum">
+              <a:rPr lang="en-US" smtClean="0"/>
+              <a:pPr/>
+              <a:t>18</a:t>
+            </a:fld>
+            <a:endParaRPr lang="en-US" dirty="0"/>
+          </a:p>
+        </p:txBody>
+      </p:sp>
+      <p:sp>
+        <p:nvSpPr>
           <p:cNvPr id="4" name="Text Placeholder 3">
             <a:extLst>
               <a:ext uri="{FF2B5EF4-FFF2-40B4-BE49-F238E27FC236}">
-                <a16:creationId xmlns:a16="http://schemas.microsoft.com/office/drawing/2014/main" xmlns="" id="{DB4489FD-4F12-40A7-1EA9-79A941933E98}"/>
+                <a16:creationId xmlns="" xmlns:a16="http://schemas.microsoft.com/office/drawing/2014/main" id="{DB4489FD-4F12-40A7-1EA9-79A941933E98}"/>
               </a:ext>
             </a:extLst>
           </p:cNvPr>
@@ -14998,10 +15210,10 @@
           <p:cNvPr id="27" name="Straight Connector 26">
             <a:extLst>
               <a:ext uri="{FF2B5EF4-FFF2-40B4-BE49-F238E27FC236}">
-                <a16:creationId xmlns:a16="http://schemas.microsoft.com/office/drawing/2014/main" xmlns="" id="{E4A534A3-16E3-79AB-9E75-F40D0FDB4C98}"/>
+                <a16:creationId xmlns="" xmlns:a16="http://schemas.microsoft.com/office/drawing/2014/main" id="{E4A534A3-16E3-79AB-9E75-F40D0FDB4C98}"/>
               </a:ext>
               <a:ext uri="{C183D7F6-B498-43B3-948B-1728B52AA6E4}">
-                <adec:decorative xmlns:adec="http://schemas.microsoft.com/office/drawing/2017/decorative" xmlns="" val="1"/>
+                <adec:decorative xmlns="" xmlns:adec="http://schemas.microsoft.com/office/drawing/2017/decorative" val="1"/>
               </a:ext>
             </a:extLst>
           </p:cNvPr>
@@ -15052,7 +15264,7 @@
 </p:sld>
 </file>
 
-<file path=ppt/slides/slide18.xml><?xml version="1.0" encoding="utf-8"?>
+<file path=ppt/slides/slide19.xml><?xml version="1.0" encoding="utf-8"?>
 <p:sld xmlns:a="http://schemas.openxmlformats.org/drawingml/2006/main" xmlns:r="http://schemas.openxmlformats.org/officeDocument/2006/relationships" xmlns:p="http://schemas.openxmlformats.org/presentationml/2006/main">
   <p:cSld>
     <p:spTree>
@@ -15074,7 +15286,7 @@
           <p:cNvPr id="17" name="Picture Placeholder 16" descr="White DNA structure">
             <a:extLst>
               <a:ext uri="{FF2B5EF4-FFF2-40B4-BE49-F238E27FC236}">
-                <a16:creationId xmlns:a16="http://schemas.microsoft.com/office/drawing/2014/main" xmlns="" id="{6D8705D1-EA1F-3113-ABE0-EC474D1F18DA}"/>
+                <a16:creationId xmlns="" xmlns:a16="http://schemas.microsoft.com/office/drawing/2014/main" id="{6D8705D1-EA1F-3113-ABE0-EC474D1F18DA}"/>
               </a:ext>
             </a:extLst>
           </p:cNvPr>
@@ -15104,7 +15316,7 @@
           <p:cNvPr id="19" name="Title 18">
             <a:extLst>
               <a:ext uri="{FF2B5EF4-FFF2-40B4-BE49-F238E27FC236}">
-                <a16:creationId xmlns:a16="http://schemas.microsoft.com/office/drawing/2014/main" xmlns="" id="{1130D679-D78E-1F15-EC3D-4BED6D69B35F}"/>
+                <a16:creationId xmlns="" xmlns:a16="http://schemas.microsoft.com/office/drawing/2014/main" id="{1130D679-D78E-1F15-EC3D-4BED6D69B35F}"/>
               </a:ext>
             </a:extLst>
           </p:cNvPr>
@@ -15132,7 +15344,7 @@
           <p:cNvPr id="27" name="Text Placeholder 26">
             <a:extLst>
               <a:ext uri="{FF2B5EF4-FFF2-40B4-BE49-F238E27FC236}">
-                <a16:creationId xmlns:a16="http://schemas.microsoft.com/office/drawing/2014/main" xmlns="" id="{BB8B6963-69FE-8A03-5E86-2BF855024B00}"/>
+                <a16:creationId xmlns="" xmlns:a16="http://schemas.microsoft.com/office/drawing/2014/main" id="{BB8B6963-69FE-8A03-5E86-2BF855024B00}"/>
               </a:ext>
             </a:extLst>
           </p:cNvPr>
@@ -15191,7 +15403,7 @@
           <p:cNvPr id="11" name="Picture Placeholder 10">
             <a:extLst>
               <a:ext uri="{FF2B5EF4-FFF2-40B4-BE49-F238E27FC236}">
-                <a16:creationId xmlns:a16="http://schemas.microsoft.com/office/drawing/2014/main" xmlns="" id="{BFCFAEAA-1286-1EA5-E714-DDF48E69F2CF}"/>
+                <a16:creationId xmlns="" xmlns:a16="http://schemas.microsoft.com/office/drawing/2014/main" id="{BFCFAEAA-1286-1EA5-E714-DDF48E69F2CF}"/>
               </a:ext>
             </a:extLst>
           </p:cNvPr>
@@ -15246,7 +15458,7 @@
           <p:cNvPr id="2" name="Title 1">
             <a:extLst>
               <a:ext uri="{FF2B5EF4-FFF2-40B4-BE49-F238E27FC236}">
-                <a16:creationId xmlns:a16="http://schemas.microsoft.com/office/drawing/2014/main" xmlns="" id="{9A3EB422-1287-FCEB-63CE-599FDC8468D8}"/>
+                <a16:creationId xmlns="" xmlns:a16="http://schemas.microsoft.com/office/drawing/2014/main" id="{9A3EB422-1287-FCEB-63CE-599FDC8468D8}"/>
               </a:ext>
             </a:extLst>
           </p:cNvPr>
@@ -15279,7 +15491,7 @@
           <p:cNvPr id="5" name="Footer Placeholder 4">
             <a:extLst>
               <a:ext uri="{FF2B5EF4-FFF2-40B4-BE49-F238E27FC236}">
-                <a16:creationId xmlns:a16="http://schemas.microsoft.com/office/drawing/2014/main" xmlns="" id="{DE9EDB55-C0CF-1610-24F0-07462C63BCEB}"/>
+                <a16:creationId xmlns="" xmlns:a16="http://schemas.microsoft.com/office/drawing/2014/main" id="{DE9EDB55-C0CF-1610-24F0-07462C63BCEB}"/>
               </a:ext>
             </a:extLst>
           </p:cNvPr>
@@ -15312,7 +15524,7 @@
           <p:cNvPr id="4" name="Slide Number Placeholder 3">
             <a:extLst>
               <a:ext uri="{FF2B5EF4-FFF2-40B4-BE49-F238E27FC236}">
-                <a16:creationId xmlns:a16="http://schemas.microsoft.com/office/drawing/2014/main" xmlns="" id="{43D6DE2E-F5E3-8CAF-A5C3-E67C03F538DF}"/>
+                <a16:creationId xmlns="" xmlns:a16="http://schemas.microsoft.com/office/drawing/2014/main" id="{43D6DE2E-F5E3-8CAF-A5C3-E67C03F538DF}"/>
               </a:ext>
             </a:extLst>
           </p:cNvPr>
@@ -15342,7 +15554,7 @@
           <p:cNvPr id="3" name="Content Placeholder 2">
             <a:extLst>
               <a:ext uri="{FF2B5EF4-FFF2-40B4-BE49-F238E27FC236}">
-                <a16:creationId xmlns:a16="http://schemas.microsoft.com/office/drawing/2014/main" xmlns="" id="{4D038CD2-9585-7E51-5359-D52935A77DF0}"/>
+                <a16:creationId xmlns="" xmlns:a16="http://schemas.microsoft.com/office/drawing/2014/main" id="{4D038CD2-9585-7E51-5359-D52935A77DF0}"/>
               </a:ext>
             </a:extLst>
           </p:cNvPr>
@@ -15602,7 +15814,7 @@
           <p:cNvPr id="12" name="Picture Placeholder 11">
             <a:extLst>
               <a:ext uri="{FF2B5EF4-FFF2-40B4-BE49-F238E27FC236}">
-                <a16:creationId xmlns:a16="http://schemas.microsoft.com/office/drawing/2014/main" xmlns="" id="{8D06B28F-8023-0246-0E31-3B9953E88A8D}"/>
+                <a16:creationId xmlns="" xmlns:a16="http://schemas.microsoft.com/office/drawing/2014/main" id="{8D06B28F-8023-0246-0E31-3B9953E88A8D}"/>
               </a:ext>
             </a:extLst>
           </p:cNvPr>
@@ -15648,7 +15860,7 @@
           <p:cNvPr id="13" name="TextBox 12">
             <a:extLst>
               <a:ext uri="{FF2B5EF4-FFF2-40B4-BE49-F238E27FC236}">
-                <a16:creationId xmlns:a16="http://schemas.microsoft.com/office/drawing/2014/main" xmlns="" id="{B3B3F4B9-7135-333C-AB15-20C592149980}"/>
+                <a16:creationId xmlns="" xmlns:a16="http://schemas.microsoft.com/office/drawing/2014/main" id="{B3B3F4B9-7135-333C-AB15-20C592149980}"/>
               </a:ext>
             </a:extLst>
           </p:cNvPr>
@@ -15720,7 +15932,7 @@
           <p:cNvPr id="2" name="Title 1">
             <a:extLst>
               <a:ext uri="{FF2B5EF4-FFF2-40B4-BE49-F238E27FC236}">
-                <a16:creationId xmlns:a16="http://schemas.microsoft.com/office/drawing/2014/main" xmlns="" id="{F0984788-646A-CF90-D67D-14752A71745D}"/>
+                <a16:creationId xmlns="" xmlns:a16="http://schemas.microsoft.com/office/drawing/2014/main" id="{F0984788-646A-CF90-D67D-14752A71745D}"/>
               </a:ext>
             </a:extLst>
           </p:cNvPr>
@@ -15748,7 +15960,7 @@
           <p:cNvPr id="5" name="Footer Placeholder 4">
             <a:extLst>
               <a:ext uri="{FF2B5EF4-FFF2-40B4-BE49-F238E27FC236}">
-                <a16:creationId xmlns:a16="http://schemas.microsoft.com/office/drawing/2014/main" xmlns="" id="{241D8BC6-DD9D-7F06-3B9F-9F2B462E4984}"/>
+                <a16:creationId xmlns="" xmlns:a16="http://schemas.microsoft.com/office/drawing/2014/main" id="{241D8BC6-DD9D-7F06-3B9F-9F2B462E4984}"/>
               </a:ext>
             </a:extLst>
           </p:cNvPr>
@@ -15781,7 +15993,7 @@
           <p:cNvPr id="4" name="Slide Number Placeholder 3">
             <a:extLst>
               <a:ext uri="{FF2B5EF4-FFF2-40B4-BE49-F238E27FC236}">
-                <a16:creationId xmlns:a16="http://schemas.microsoft.com/office/drawing/2014/main" xmlns="" id="{B6586F16-C3E1-6E51-D140-EF50382CA456}"/>
+                <a16:creationId xmlns="" xmlns:a16="http://schemas.microsoft.com/office/drawing/2014/main" id="{B6586F16-C3E1-6E51-D140-EF50382CA456}"/>
               </a:ext>
             </a:extLst>
           </p:cNvPr>
@@ -15811,7 +16023,7 @@
           <p:cNvPr id="7" name="Picture Placeholder 6">
             <a:extLst>
               <a:ext uri="{FF2B5EF4-FFF2-40B4-BE49-F238E27FC236}">
-                <a16:creationId xmlns:a16="http://schemas.microsoft.com/office/drawing/2014/main" xmlns="" id="{7FFC92DA-E590-4A49-8738-10A5D4DBBE6E}"/>
+                <a16:creationId xmlns="" xmlns:a16="http://schemas.microsoft.com/office/drawing/2014/main" id="{7FFC92DA-E590-4A49-8738-10A5D4DBBE6E}"/>
               </a:ext>
             </a:extLst>
           </p:cNvPr>
@@ -15901,7 +16113,7 @@
           <p:cNvPr id="3" name="Content Placeholder 2">
             <a:extLst>
               <a:ext uri="{FF2B5EF4-FFF2-40B4-BE49-F238E27FC236}">
-                <a16:creationId xmlns:a16="http://schemas.microsoft.com/office/drawing/2014/main" xmlns="" id="{77C9C890-ADC6-0AA7-BBC0-05E856AA7C3C}"/>
+                <a16:creationId xmlns="" xmlns:a16="http://schemas.microsoft.com/office/drawing/2014/main" id="{77C9C890-ADC6-0AA7-BBC0-05E856AA7C3C}"/>
               </a:ext>
             </a:extLst>
           </p:cNvPr>
@@ -16023,7 +16235,7 @@
           <p:cNvPr id="11" name="Picture Placeholder 10" descr="White DNA structure">
             <a:extLst>
               <a:ext uri="{FF2B5EF4-FFF2-40B4-BE49-F238E27FC236}">
-                <a16:creationId xmlns:a16="http://schemas.microsoft.com/office/drawing/2014/main" xmlns="" id="{7F21F877-E428-8BB2-045F-D9FA57744C27}"/>
+                <a16:creationId xmlns="" xmlns:a16="http://schemas.microsoft.com/office/drawing/2014/main" id="{7F21F877-E428-8BB2-045F-D9FA57744C27}"/>
               </a:ext>
             </a:extLst>
           </p:cNvPr>
@@ -16059,7 +16271,7 @@
           <p:cNvPr id="3" name="Title 2">
             <a:extLst>
               <a:ext uri="{FF2B5EF4-FFF2-40B4-BE49-F238E27FC236}">
-                <a16:creationId xmlns:a16="http://schemas.microsoft.com/office/drawing/2014/main" xmlns="" id="{03924A06-2533-68FE-6815-A6208AD97D3D}"/>
+                <a16:creationId xmlns="" xmlns:a16="http://schemas.microsoft.com/office/drawing/2014/main" id="{03924A06-2533-68FE-6815-A6208AD97D3D}"/>
               </a:ext>
             </a:extLst>
           </p:cNvPr>
@@ -16087,7 +16299,7 @@
           <p:cNvPr id="4" name="Text Placeholder 3">
             <a:extLst>
               <a:ext uri="{FF2B5EF4-FFF2-40B4-BE49-F238E27FC236}">
-                <a16:creationId xmlns:a16="http://schemas.microsoft.com/office/drawing/2014/main" xmlns="" id="{78D3FE44-803A-0FCA-D29B-EB40225C360F}"/>
+                <a16:creationId xmlns="" xmlns:a16="http://schemas.microsoft.com/office/drawing/2014/main" id="{78D3FE44-803A-0FCA-D29B-EB40225C360F}"/>
               </a:ext>
             </a:extLst>
           </p:cNvPr>
@@ -16162,7 +16374,7 @@
           <p:cNvPr id="9" name="Picture Placeholder 37">
             <a:extLst>
               <a:ext uri="{FF2B5EF4-FFF2-40B4-BE49-F238E27FC236}">
-                <a16:creationId xmlns:a16="http://schemas.microsoft.com/office/drawing/2014/main" xmlns="" id="{99AB31F9-0B6E-9A05-F106-E0F4F1B784E5}"/>
+                <a16:creationId xmlns="" xmlns:a16="http://schemas.microsoft.com/office/drawing/2014/main" id="{99AB31F9-0B6E-9A05-F106-E0F4F1B784E5}"/>
               </a:ext>
             </a:extLst>
           </p:cNvPr>
@@ -16193,7 +16405,7 @@
           <p:cNvPr id="6" name="Title 5">
             <a:extLst>
               <a:ext uri="{FF2B5EF4-FFF2-40B4-BE49-F238E27FC236}">
-                <a16:creationId xmlns:a16="http://schemas.microsoft.com/office/drawing/2014/main" xmlns="" id="{BB7103A8-AEEA-50D3-BE61-CC85D24BDF23}"/>
+                <a16:creationId xmlns="" xmlns:a16="http://schemas.microsoft.com/office/drawing/2014/main" id="{BB7103A8-AEEA-50D3-BE61-CC85D24BDF23}"/>
               </a:ext>
             </a:extLst>
           </p:cNvPr>
@@ -16221,7 +16433,7 @@
           <p:cNvPr id="3" name="Footer Placeholder 2">
             <a:extLst>
               <a:ext uri="{FF2B5EF4-FFF2-40B4-BE49-F238E27FC236}">
-                <a16:creationId xmlns:a16="http://schemas.microsoft.com/office/drawing/2014/main" xmlns="" id="{AA5BCABC-85E9-BA68-F054-2D77592245F0}"/>
+                <a16:creationId xmlns="" xmlns:a16="http://schemas.microsoft.com/office/drawing/2014/main" id="{AA5BCABC-85E9-BA68-F054-2D77592245F0}"/>
               </a:ext>
             </a:extLst>
           </p:cNvPr>
@@ -16254,7 +16466,7 @@
           <p:cNvPr id="2" name="Slide Number Placeholder 1">
             <a:extLst>
               <a:ext uri="{FF2B5EF4-FFF2-40B4-BE49-F238E27FC236}">
-                <a16:creationId xmlns:a16="http://schemas.microsoft.com/office/drawing/2014/main" xmlns="" id="{1A978ADB-AD70-DE7C-4643-85C48AE12770}"/>
+                <a16:creationId xmlns="" xmlns:a16="http://schemas.microsoft.com/office/drawing/2014/main" id="{1A978ADB-AD70-DE7C-4643-85C48AE12770}"/>
               </a:ext>
             </a:extLst>
           </p:cNvPr>
@@ -16284,7 +16496,7 @@
           <p:cNvPr id="4" name="Text Placeholder 3">
             <a:extLst>
               <a:ext uri="{FF2B5EF4-FFF2-40B4-BE49-F238E27FC236}">
-                <a16:creationId xmlns:a16="http://schemas.microsoft.com/office/drawing/2014/main" xmlns="" id="{68003147-27BE-7492-36B6-F405F1156F31}"/>
+                <a16:creationId xmlns="" xmlns:a16="http://schemas.microsoft.com/office/drawing/2014/main" id="{68003147-27BE-7492-36B6-F405F1156F31}"/>
               </a:ext>
             </a:extLst>
           </p:cNvPr>
@@ -16359,7 +16571,7 @@
           <p:cNvPr id="32" name="Rectangle 31">
             <a:extLst>
               <a:ext uri="{FF2B5EF4-FFF2-40B4-BE49-F238E27FC236}">
-                <a16:creationId xmlns:a16="http://schemas.microsoft.com/office/drawing/2014/main" xmlns="" id="{FD4D1C9B-9FA1-40CC-0ED6-893B90663C2B}"/>
+                <a16:creationId xmlns="" xmlns:a16="http://schemas.microsoft.com/office/drawing/2014/main" id="{FD4D1C9B-9FA1-40CC-0ED6-893B90663C2B}"/>
               </a:ext>
             </a:extLst>
           </p:cNvPr>
@@ -16413,7 +16625,7 @@
           <p:cNvPr id="2" name="Title 1">
             <a:extLst>
               <a:ext uri="{FF2B5EF4-FFF2-40B4-BE49-F238E27FC236}">
-                <a16:creationId xmlns:a16="http://schemas.microsoft.com/office/drawing/2014/main" xmlns="" id="{A546168A-9F8B-AE64-6A3B-DD036396CD45}"/>
+                <a16:creationId xmlns="" xmlns:a16="http://schemas.microsoft.com/office/drawing/2014/main" id="{A546168A-9F8B-AE64-6A3B-DD036396CD45}"/>
               </a:ext>
             </a:extLst>
           </p:cNvPr>
@@ -16444,7 +16656,7 @@
           <p:cNvPr id="4" name="Footer Placeholder 3">
             <a:extLst>
               <a:ext uri="{FF2B5EF4-FFF2-40B4-BE49-F238E27FC236}">
-                <a16:creationId xmlns:a16="http://schemas.microsoft.com/office/drawing/2014/main" xmlns="" id="{8A39D430-6FFC-66C6-AF3D-05E76D9D4BB4}"/>
+                <a16:creationId xmlns="" xmlns:a16="http://schemas.microsoft.com/office/drawing/2014/main" id="{8A39D430-6FFC-66C6-AF3D-05E76D9D4BB4}"/>
               </a:ext>
             </a:extLst>
           </p:cNvPr>
@@ -16477,7 +16689,7 @@
           <p:cNvPr id="3" name="Slide Number Placeholder 2">
             <a:extLst>
               <a:ext uri="{FF2B5EF4-FFF2-40B4-BE49-F238E27FC236}">
-                <a16:creationId xmlns:a16="http://schemas.microsoft.com/office/drawing/2014/main" xmlns="" id="{F08CF61D-4147-236F-218C-CE2A064E6BD9}"/>
+                <a16:creationId xmlns="" xmlns:a16="http://schemas.microsoft.com/office/drawing/2014/main" id="{F08CF61D-4147-236F-218C-CE2A064E6BD9}"/>
               </a:ext>
             </a:extLst>
           </p:cNvPr>
@@ -16507,7 +16719,7 @@
           <p:cNvPr id="9" name="Text Placeholder 8">
             <a:extLst>
               <a:ext uri="{FF2B5EF4-FFF2-40B4-BE49-F238E27FC236}">
-                <a16:creationId xmlns:a16="http://schemas.microsoft.com/office/drawing/2014/main" xmlns="" id="{4555555B-2DC1-8FAB-836A-FF067294BAB7}"/>
+                <a16:creationId xmlns="" xmlns:a16="http://schemas.microsoft.com/office/drawing/2014/main" id="{4555555B-2DC1-8FAB-836A-FF067294BAB7}"/>
               </a:ext>
             </a:extLst>
           </p:cNvPr>
@@ -16548,7 +16760,7 @@
           <p:cNvPr id="10" name="Text Placeholder 9">
             <a:extLst>
               <a:ext uri="{FF2B5EF4-FFF2-40B4-BE49-F238E27FC236}">
-                <a16:creationId xmlns:a16="http://schemas.microsoft.com/office/drawing/2014/main" xmlns="" id="{9231214F-3674-6AA5-28C4-945128C75152}"/>
+                <a16:creationId xmlns="" xmlns:a16="http://schemas.microsoft.com/office/drawing/2014/main" id="{9231214F-3674-6AA5-28C4-945128C75152}"/>
               </a:ext>
             </a:extLst>
           </p:cNvPr>
@@ -16583,7 +16795,7 @@
           <p:cNvPr id="21" name="Picture Placeholder 20">
             <a:extLst>
               <a:ext uri="{FF2B5EF4-FFF2-40B4-BE49-F238E27FC236}">
-                <a16:creationId xmlns:a16="http://schemas.microsoft.com/office/drawing/2014/main" xmlns="" id="{A72AF81F-FD65-0481-6DF1-86D94056C8AC}"/>
+                <a16:creationId xmlns="" xmlns:a16="http://schemas.microsoft.com/office/drawing/2014/main" id="{A72AF81F-FD65-0481-6DF1-86D94056C8AC}"/>
               </a:ext>
             </a:extLst>
           </p:cNvPr>
@@ -16611,7 +16823,7 @@
           <p:cNvPr id="25" name="Picture Placeholder 24">
             <a:extLst>
               <a:ext uri="{FF2B5EF4-FFF2-40B4-BE49-F238E27FC236}">
-                <a16:creationId xmlns:a16="http://schemas.microsoft.com/office/drawing/2014/main" xmlns="" id="{5B0AED0B-0820-9FD3-9B8F-FEE5C61F2AAD}"/>
+                <a16:creationId xmlns="" xmlns:a16="http://schemas.microsoft.com/office/drawing/2014/main" id="{5B0AED0B-0820-9FD3-9B8F-FEE5C61F2AAD}"/>
               </a:ext>
             </a:extLst>
           </p:cNvPr>
@@ -16639,7 +16851,7 @@
           <p:cNvPr id="29" name="Picture Placeholder 28">
             <a:extLst>
               <a:ext uri="{FF2B5EF4-FFF2-40B4-BE49-F238E27FC236}">
-                <a16:creationId xmlns:a16="http://schemas.microsoft.com/office/drawing/2014/main" xmlns="" id="{E2820BBC-937B-D497-2E25-BB85DB6F6BFC}"/>
+                <a16:creationId xmlns="" xmlns:a16="http://schemas.microsoft.com/office/drawing/2014/main" id="{E2820BBC-937B-D497-2E25-BB85DB6F6BFC}"/>
               </a:ext>
             </a:extLst>
           </p:cNvPr>
@@ -16667,7 +16879,7 @@
           <p:cNvPr id="50" name="TextBox 49">
             <a:extLst>
               <a:ext uri="{FF2B5EF4-FFF2-40B4-BE49-F238E27FC236}">
-                <a16:creationId xmlns:a16="http://schemas.microsoft.com/office/drawing/2014/main" xmlns="" id="{6D29FC1C-BA54-FCE2-8684-B4414FD1EDD7}"/>
+                <a16:creationId xmlns="" xmlns:a16="http://schemas.microsoft.com/office/drawing/2014/main" id="{6D29FC1C-BA54-FCE2-8684-B4414FD1EDD7}"/>
               </a:ext>
             </a:extLst>
           </p:cNvPr>
@@ -16768,7 +16980,7 @@
           <p:cNvPr id="51" name="Text Placeholder 9">
             <a:extLst>
               <a:ext uri="{FF2B5EF4-FFF2-40B4-BE49-F238E27FC236}">
-                <a16:creationId xmlns:a16="http://schemas.microsoft.com/office/drawing/2014/main" xmlns="" id="{094947FD-E005-E414-EB48-C7E3E74B9EAA}"/>
+                <a16:creationId xmlns="" xmlns:a16="http://schemas.microsoft.com/office/drawing/2014/main" id="{094947FD-E005-E414-EB48-C7E3E74B9EAA}"/>
               </a:ext>
             </a:extLst>
           </p:cNvPr>
@@ -16967,7 +17179,7 @@
           <p:cNvPr id="53" name="TextBox 52">
             <a:extLst>
               <a:ext uri="{FF2B5EF4-FFF2-40B4-BE49-F238E27FC236}">
-                <a16:creationId xmlns:a16="http://schemas.microsoft.com/office/drawing/2014/main" xmlns="" id="{159FBFC8-7248-F3BD-6E49-38F7CFFC13BB}"/>
+                <a16:creationId xmlns="" xmlns:a16="http://schemas.microsoft.com/office/drawing/2014/main" id="{159FBFC8-7248-F3BD-6E49-38F7CFFC13BB}"/>
               </a:ext>
             </a:extLst>
           </p:cNvPr>
@@ -17085,7 +17297,7 @@
           <p:cNvPr id="54" name="Text Placeholder 9">
             <a:extLst>
               <a:ext uri="{FF2B5EF4-FFF2-40B4-BE49-F238E27FC236}">
-                <a16:creationId xmlns:a16="http://schemas.microsoft.com/office/drawing/2014/main" xmlns="" id="{0A547878-30BB-B8F5-2CC0-C317F8A4CED2}"/>
+                <a16:creationId xmlns="" xmlns:a16="http://schemas.microsoft.com/office/drawing/2014/main" id="{0A547878-30BB-B8F5-2CC0-C317F8A4CED2}"/>
               </a:ext>
             </a:extLst>
           </p:cNvPr>
@@ -17314,7 +17526,7 @@
           <p:cNvPr id="17" name="Picture Placeholder 37">
             <a:extLst>
               <a:ext uri="{FF2B5EF4-FFF2-40B4-BE49-F238E27FC236}">
-                <a16:creationId xmlns:a16="http://schemas.microsoft.com/office/drawing/2014/main" xmlns="" id="{DFE9721D-C50D-3DB8-0C96-27F875195162}"/>
+                <a16:creationId xmlns="" xmlns:a16="http://schemas.microsoft.com/office/drawing/2014/main" id="{DFE9721D-C50D-3DB8-0C96-27F875195162}"/>
               </a:ext>
             </a:extLst>
           </p:cNvPr>
@@ -17421,7 +17633,7 @@
           <p:cNvPr id="3" name="Title 2">
             <a:extLst>
               <a:ext uri="{FF2B5EF4-FFF2-40B4-BE49-F238E27FC236}">
-                <a16:creationId xmlns:a16="http://schemas.microsoft.com/office/drawing/2014/main" xmlns="" id="{B3E315A2-4CED-23BB-CA3C-C8962E2419FD}"/>
+                <a16:creationId xmlns="" xmlns:a16="http://schemas.microsoft.com/office/drawing/2014/main" id="{B3E315A2-4CED-23BB-CA3C-C8962E2419FD}"/>
               </a:ext>
             </a:extLst>
           </p:cNvPr>
@@ -17449,7 +17661,7 @@
           <p:cNvPr id="9" name="Footer Placeholder 8">
             <a:extLst>
               <a:ext uri="{FF2B5EF4-FFF2-40B4-BE49-F238E27FC236}">
-                <a16:creationId xmlns:a16="http://schemas.microsoft.com/office/drawing/2014/main" xmlns="" id="{90FCB302-A0EE-7CF7-A4B2-ED343BFF9BC0}"/>
+                <a16:creationId xmlns="" xmlns:a16="http://schemas.microsoft.com/office/drawing/2014/main" id="{90FCB302-A0EE-7CF7-A4B2-ED343BFF9BC0}"/>
               </a:ext>
             </a:extLst>
           </p:cNvPr>
@@ -17482,7 +17694,7 @@
           <p:cNvPr id="8" name="Slide Number Placeholder 7">
             <a:extLst>
               <a:ext uri="{FF2B5EF4-FFF2-40B4-BE49-F238E27FC236}">
-                <a16:creationId xmlns:a16="http://schemas.microsoft.com/office/drawing/2014/main" xmlns="" id="{2205EC8C-AC41-F14C-3C63-5BF0F54D1D23}"/>
+                <a16:creationId xmlns="" xmlns:a16="http://schemas.microsoft.com/office/drawing/2014/main" id="{2205EC8C-AC41-F14C-3C63-5BF0F54D1D23}"/>
               </a:ext>
             </a:extLst>
           </p:cNvPr>
@@ -17512,7 +17724,7 @@
           <p:cNvPr id="4" name="Text Placeholder 3">
             <a:extLst>
               <a:ext uri="{FF2B5EF4-FFF2-40B4-BE49-F238E27FC236}">
-                <a16:creationId xmlns:a16="http://schemas.microsoft.com/office/drawing/2014/main" xmlns="" id="{DB4489FD-4F12-40A7-1EA9-79A941933E98}"/>
+                <a16:creationId xmlns="" xmlns:a16="http://schemas.microsoft.com/office/drawing/2014/main" id="{DB4489FD-4F12-40A7-1EA9-79A941933E98}"/>
               </a:ext>
             </a:extLst>
           </p:cNvPr>
@@ -17613,10 +17825,10 @@
           <p:cNvPr id="27" name="Straight Connector 26">
             <a:extLst>
               <a:ext uri="{FF2B5EF4-FFF2-40B4-BE49-F238E27FC236}">
-                <a16:creationId xmlns:a16="http://schemas.microsoft.com/office/drawing/2014/main" xmlns="" id="{E4A534A3-16E3-79AB-9E75-F40D0FDB4C98}"/>
+                <a16:creationId xmlns="" xmlns:a16="http://schemas.microsoft.com/office/drawing/2014/main" id="{E4A534A3-16E3-79AB-9E75-F40D0FDB4C98}"/>
               </a:ext>
               <a:ext uri="{C183D7F6-B498-43B3-948B-1728B52AA6E4}">
-                <adec:decorative xmlns:adec="http://schemas.microsoft.com/office/drawing/2017/decorative" xmlns="" val="1"/>
+                <adec:decorative xmlns="" xmlns:adec="http://schemas.microsoft.com/office/drawing/2017/decorative" val="1"/>
               </a:ext>
             </a:extLst>
           </p:cNvPr>
@@ -17689,7 +17901,7 @@
           <p:cNvPr id="2" name="Title 1">
             <a:extLst>
               <a:ext uri="{FF2B5EF4-FFF2-40B4-BE49-F238E27FC236}">
-                <a16:creationId xmlns:a16="http://schemas.microsoft.com/office/drawing/2014/main" xmlns="" id="{A546168A-9F8B-AE64-6A3B-DD036396CD45}"/>
+                <a16:creationId xmlns="" xmlns:a16="http://schemas.microsoft.com/office/drawing/2014/main" id="{A546168A-9F8B-AE64-6A3B-DD036396CD45}"/>
               </a:ext>
             </a:extLst>
           </p:cNvPr>
@@ -17720,7 +17932,7 @@
           <p:cNvPr id="4" name="Footer Placeholder 3">
             <a:extLst>
               <a:ext uri="{FF2B5EF4-FFF2-40B4-BE49-F238E27FC236}">
-                <a16:creationId xmlns:a16="http://schemas.microsoft.com/office/drawing/2014/main" xmlns="" id="{8A39D430-6FFC-66C6-AF3D-05E76D9D4BB4}"/>
+                <a16:creationId xmlns="" xmlns:a16="http://schemas.microsoft.com/office/drawing/2014/main" id="{8A39D430-6FFC-66C6-AF3D-05E76D9D4BB4}"/>
               </a:ext>
             </a:extLst>
           </p:cNvPr>
@@ -17753,7 +17965,7 @@
           <p:cNvPr id="3" name="Slide Number Placeholder 2">
             <a:extLst>
               <a:ext uri="{FF2B5EF4-FFF2-40B4-BE49-F238E27FC236}">
-                <a16:creationId xmlns:a16="http://schemas.microsoft.com/office/drawing/2014/main" xmlns="" id="{F08CF61D-4147-236F-218C-CE2A064E6BD9}"/>
+                <a16:creationId xmlns="" xmlns:a16="http://schemas.microsoft.com/office/drawing/2014/main" id="{F08CF61D-4147-236F-218C-CE2A064E6BD9}"/>
               </a:ext>
             </a:extLst>
           </p:cNvPr>
@@ -17783,7 +17995,7 @@
           <p:cNvPr id="20" name="Content Placeholder 4">
             <a:extLst>
               <a:ext uri="{FF2B5EF4-FFF2-40B4-BE49-F238E27FC236}">
-                <a16:creationId xmlns:a16="http://schemas.microsoft.com/office/drawing/2014/main" xmlns="" id="{C727D6AB-2ED1-490A-9EBD-99C9428D4C08}"/>
+                <a16:creationId xmlns="" xmlns:a16="http://schemas.microsoft.com/office/drawing/2014/main" id="{C727D6AB-2ED1-490A-9EBD-99C9428D4C08}"/>
               </a:ext>
             </a:extLst>
           </p:cNvPr>
@@ -18113,7 +18325,7 @@
           <p:cNvPr id="17" name="Picture Placeholder 37">
             <a:extLst>
               <a:ext uri="{FF2B5EF4-FFF2-40B4-BE49-F238E27FC236}">
-                <a16:creationId xmlns:a16="http://schemas.microsoft.com/office/drawing/2014/main" xmlns="" id="{DFE9721D-C50D-3DB8-0C96-27F875195162}"/>
+                <a16:creationId xmlns="" xmlns:a16="http://schemas.microsoft.com/office/drawing/2014/main" id="{DFE9721D-C50D-3DB8-0C96-27F875195162}"/>
               </a:ext>
             </a:extLst>
           </p:cNvPr>
@@ -18220,7 +18432,7 @@
           <p:cNvPr id="3" name="Title 2">
             <a:extLst>
               <a:ext uri="{FF2B5EF4-FFF2-40B4-BE49-F238E27FC236}">
-                <a16:creationId xmlns:a16="http://schemas.microsoft.com/office/drawing/2014/main" xmlns="" id="{B3E315A2-4CED-23BB-CA3C-C8962E2419FD}"/>
+                <a16:creationId xmlns="" xmlns:a16="http://schemas.microsoft.com/office/drawing/2014/main" id="{B3E315A2-4CED-23BB-CA3C-C8962E2419FD}"/>
               </a:ext>
             </a:extLst>
           </p:cNvPr>
@@ -18262,7 +18474,7 @@
           <p:cNvPr id="9" name="Footer Placeholder 8">
             <a:extLst>
               <a:ext uri="{FF2B5EF4-FFF2-40B4-BE49-F238E27FC236}">
-                <a16:creationId xmlns:a16="http://schemas.microsoft.com/office/drawing/2014/main" xmlns="" id="{90FCB302-A0EE-7CF7-A4B2-ED343BFF9BC0}"/>
+                <a16:creationId xmlns="" xmlns:a16="http://schemas.microsoft.com/office/drawing/2014/main" id="{90FCB302-A0EE-7CF7-A4B2-ED343BFF9BC0}"/>
               </a:ext>
             </a:extLst>
           </p:cNvPr>
@@ -18295,7 +18507,7 @@
           <p:cNvPr id="8" name="Slide Number Placeholder 7">
             <a:extLst>
               <a:ext uri="{FF2B5EF4-FFF2-40B4-BE49-F238E27FC236}">
-                <a16:creationId xmlns:a16="http://schemas.microsoft.com/office/drawing/2014/main" xmlns="" id="{2205EC8C-AC41-F14C-3C63-5BF0F54D1D23}"/>
+                <a16:creationId xmlns="" xmlns:a16="http://schemas.microsoft.com/office/drawing/2014/main" id="{2205EC8C-AC41-F14C-3C63-5BF0F54D1D23}"/>
               </a:ext>
             </a:extLst>
           </p:cNvPr>
@@ -18325,7 +18537,7 @@
           <p:cNvPr id="4" name="Text Placeholder 3">
             <a:extLst>
               <a:ext uri="{FF2B5EF4-FFF2-40B4-BE49-F238E27FC236}">
-                <a16:creationId xmlns:a16="http://schemas.microsoft.com/office/drawing/2014/main" xmlns="" id="{DB4489FD-4F12-40A7-1EA9-79A941933E98}"/>
+                <a16:creationId xmlns="" xmlns:a16="http://schemas.microsoft.com/office/drawing/2014/main" id="{DB4489FD-4F12-40A7-1EA9-79A941933E98}"/>
               </a:ext>
             </a:extLst>
           </p:cNvPr>
@@ -18411,10 +18623,10 @@
           <p:cNvPr id="27" name="Straight Connector 26">
             <a:extLst>
               <a:ext uri="{FF2B5EF4-FFF2-40B4-BE49-F238E27FC236}">
-                <a16:creationId xmlns:a16="http://schemas.microsoft.com/office/drawing/2014/main" xmlns="" id="{E4A534A3-16E3-79AB-9E75-F40D0FDB4C98}"/>
+                <a16:creationId xmlns="" xmlns:a16="http://schemas.microsoft.com/office/drawing/2014/main" id="{E4A534A3-16E3-79AB-9E75-F40D0FDB4C98}"/>
               </a:ext>
               <a:ext uri="{C183D7F6-B498-43B3-948B-1728B52AA6E4}">
-                <adec:decorative xmlns:adec="http://schemas.microsoft.com/office/drawing/2017/decorative" xmlns="" val="1"/>
+                <adec:decorative xmlns="" xmlns:adec="http://schemas.microsoft.com/office/drawing/2017/decorative" val="1"/>
               </a:ext>
             </a:extLst>
           </p:cNvPr>
@@ -19257,26 +19469,6 @@
 </file>
 
 <file path=customXml/item1.xml><?xml version="1.0" encoding="utf-8"?>
-<p:properties xmlns:p="http://schemas.microsoft.com/office/2006/metadata/properties" xmlns:xsi="http://www.w3.org/2001/XMLSchema-instance" xmlns:pc="http://schemas.microsoft.com/office/infopath/2007/PartnerControls">
-  <documentManagement>
-    <_ip_UnifiedCompliancePolicyUIAction xmlns="http://schemas.microsoft.com/sharepoint/v3" xsi:nil="true"/>
-    <Image xmlns="71af3243-3dd4-4a8d-8c0d-dd76da1f02a5">
-      <Url xsi:nil="true"/>
-      <Description xsi:nil="true"/>
-    </Image>
-    <Status xmlns="71af3243-3dd4-4a8d-8c0d-dd76da1f02a5">Not started</Status>
-    <Background xmlns="71af3243-3dd4-4a8d-8c0d-dd76da1f02a5">false</Background>
-    <_ip_UnifiedCompliancePolicyProperties xmlns="http://schemas.microsoft.com/sharepoint/v3" xsi:nil="true"/>
-    <ImageTagsTaxHTField xmlns="71af3243-3dd4-4a8d-8c0d-dd76da1f02a5">
-      <Terms xmlns="http://schemas.microsoft.com/office/infopath/2007/PartnerControls"/>
-    </ImageTagsTaxHTField>
-    <TaxCatchAll xmlns="230e9df3-be65-4c73-a93b-d1236ebd677e" xsi:nil="true"/>
-    <MediaServiceKeyPoints xmlns="71af3243-3dd4-4a8d-8c0d-dd76da1f02a5" xsi:nil="true"/>
-  </documentManagement>
-</p:properties>
-</file>
-
-<file path=customXml/item2.xml><?xml version="1.0" encoding="utf-8"?>
 <ct:contentTypeSchema xmlns:ct="http://schemas.microsoft.com/office/2006/metadata/contentType" xmlns:ma="http://schemas.microsoft.com/office/2006/metadata/properties/metaAttributes" ct:_="" ma:_="" ma:contentTypeName="Document" ma:contentTypeID="0x01010079F111ED35F8CC479449609E8A0923A6" ma:contentTypeVersion="25" ma:contentTypeDescription="Create a new document." ma:contentTypeScope="" ma:versionID="e02306daf00165b375dc6a58966960be">
   <xsd:schema xmlns:xsd="http://www.w3.org/2001/XMLSchema" xmlns:xs="http://www.w3.org/2001/XMLSchema" xmlns:p="http://schemas.microsoft.com/office/2006/metadata/properties" xmlns:ns1="http://schemas.microsoft.com/sharepoint/v3" xmlns:ns2="71af3243-3dd4-4a8d-8c0d-dd76da1f02a5" xmlns:ns3="16c05727-aa75-4e4a-9b5f-8a80a1165891" xmlns:ns4="230e9df3-be65-4c73-a93b-d1236ebd677e" targetNamespace="http://schemas.microsoft.com/office/2006/metadata/properties" ma:root="true" ma:fieldsID="df88fb76bf5f555224557953949c1ec9" ns1:_="" ns2:_="" ns3:_="" ns4:_="">
     <xsd:import namespace="http://schemas.microsoft.com/sharepoint/v3"/>
@@ -19570,6 +19762,26 @@
 </ct:contentTypeSchema>
 </file>
 
+<file path=customXml/item2.xml><?xml version="1.0" encoding="utf-8"?>
+<p:properties xmlns:p="http://schemas.microsoft.com/office/2006/metadata/properties" xmlns:xsi="http://www.w3.org/2001/XMLSchema-instance" xmlns:pc="http://schemas.microsoft.com/office/infopath/2007/PartnerControls">
+  <documentManagement>
+    <_ip_UnifiedCompliancePolicyUIAction xmlns="http://schemas.microsoft.com/sharepoint/v3" xsi:nil="true"/>
+    <Image xmlns="71af3243-3dd4-4a8d-8c0d-dd76da1f02a5">
+      <Url xsi:nil="true"/>
+      <Description xsi:nil="true"/>
+    </Image>
+    <Status xmlns="71af3243-3dd4-4a8d-8c0d-dd76da1f02a5">Not started</Status>
+    <Background xmlns="71af3243-3dd4-4a8d-8c0d-dd76da1f02a5">false</Background>
+    <_ip_UnifiedCompliancePolicyProperties xmlns="http://schemas.microsoft.com/sharepoint/v3" xsi:nil="true"/>
+    <ImageTagsTaxHTField xmlns="71af3243-3dd4-4a8d-8c0d-dd76da1f02a5">
+      <Terms xmlns="http://schemas.microsoft.com/office/infopath/2007/PartnerControls"/>
+    </ImageTagsTaxHTField>
+    <TaxCatchAll xmlns="230e9df3-be65-4c73-a93b-d1236ebd677e" xsi:nil="true"/>
+    <MediaServiceKeyPoints xmlns="71af3243-3dd4-4a8d-8c0d-dd76da1f02a5" xsi:nil="true"/>
+  </documentManagement>
+</p:properties>
+</file>
+
 <file path=customXml/item3.xml><?xml version="1.0" encoding="utf-8"?>
 <?mso-contentType ?>
 <FormTemplates xmlns="http://schemas.microsoft.com/sharepoint/v3/contenttype/forms">
@@ -19580,18 +19792,6 @@
 </file>
 
 <file path=customXml/itemProps1.xml><?xml version="1.0" encoding="utf-8"?>
-<ds:datastoreItem xmlns:ds="http://schemas.openxmlformats.org/officeDocument/2006/customXml" ds:itemID="{99746342-5E84-430E-9251-61001F208E7A}">
-  <ds:schemaRefs>
-    <ds:schemaRef ds:uri="http://schemas.microsoft.com/office/2006/metadata/properties"/>
-    <ds:schemaRef ds:uri="http://schemas.microsoft.com/office/infopath/2007/PartnerControls"/>
-    <ds:schemaRef ds:uri="http://schemas.microsoft.com/sharepoint/v3"/>
-    <ds:schemaRef ds:uri="71af3243-3dd4-4a8d-8c0d-dd76da1f02a5"/>
-    <ds:schemaRef ds:uri="230e9df3-be65-4c73-a93b-d1236ebd677e"/>
-  </ds:schemaRefs>
-</ds:datastoreItem>
-</file>
-
-<file path=customXml/itemProps2.xml><?xml version="1.0" encoding="utf-8"?>
 <ds:datastoreItem xmlns:ds="http://schemas.openxmlformats.org/officeDocument/2006/customXml" ds:itemID="{2EB2FABB-45EC-440E-B647-8CA57BA45ACA}">
   <ds:schemaRefs>
     <ds:schemaRef ds:uri="http://schemas.microsoft.com/office/2006/metadata/contentType"/>
@@ -19612,6 +19812,18 @@
 </ds:datastoreItem>
 </file>
 
+<file path=customXml/itemProps2.xml><?xml version="1.0" encoding="utf-8"?>
+<ds:datastoreItem xmlns:ds="http://schemas.openxmlformats.org/officeDocument/2006/customXml" ds:itemID="{99746342-5E84-430E-9251-61001F208E7A}">
+  <ds:schemaRefs>
+    <ds:schemaRef ds:uri="http://schemas.microsoft.com/office/2006/metadata/properties"/>
+    <ds:schemaRef ds:uri="http://schemas.microsoft.com/office/infopath/2007/PartnerControls"/>
+    <ds:schemaRef ds:uri="http://schemas.microsoft.com/sharepoint/v3"/>
+    <ds:schemaRef ds:uri="71af3243-3dd4-4a8d-8c0d-dd76da1f02a5"/>
+    <ds:schemaRef ds:uri="230e9df3-be65-4c73-a93b-d1236ebd677e"/>
+  </ds:schemaRefs>
+</ds:datastoreItem>
+</file>
+
 <file path=customXml/itemProps3.xml><?xml version="1.0" encoding="utf-8"?>
 <ds:datastoreItem xmlns:ds="http://schemas.openxmlformats.org/officeDocument/2006/customXml" ds:itemID="{0E8B3377-22F1-4153-96F0-CC2E4BE41C57}">
   <ds:schemaRefs>

--- a/Presentations/CRI_AI_Camera_Week_9.pptx
+++ b/Presentations/CRI_AI_Camera_Week_9.pptx
@@ -204,6 +204,7 @@
           </a:p>
         </c:rich>
       </c:tx>
+      <c:layout/>
       <c:overlay val="0"/>
       <c:spPr>
         <a:noFill/>
@@ -563,6 +564,7 @@
     </c:plotArea>
     <c:legend>
       <c:legendPos val="b"/>
+      <c:layout/>
       <c:overlay val="0"/>
       <c:spPr>
         <a:noFill/>
@@ -12615,7 +12617,7 @@
         </p:nvSpPr>
         <p:spPr>
           <a:xfrm>
-            <a:off x="1097280" y="1576581"/>
+            <a:off x="1097280" y="1668463"/>
             <a:ext cx="10515600" cy="4351338"/>
           </a:xfrm>
           <a:prstGeom prst="rect">
@@ -13920,8 +13922,8 @@
         </p:blipFill>
         <p:spPr>
           <a:xfrm>
-            <a:off x="6645499" y="2866742"/>
-            <a:ext cx="5057104" cy="3991258"/>
+            <a:off x="6166028" y="2438401"/>
+            <a:ext cx="5334806" cy="4210431"/>
           </a:xfrm>
           <a:prstGeom prst="rect">
             <a:avLst/>
@@ -13949,7 +13951,7 @@
         </p:blipFill>
         <p:spPr>
           <a:xfrm>
-            <a:off x="743953" y="2655333"/>
+            <a:off x="743953" y="2438401"/>
             <a:ext cx="5232617" cy="4202667"/>
           </a:xfrm>
           <a:prstGeom prst="rect">
@@ -14442,7 +14444,28 @@
                 <a:latin typeface="Times New Roman" panose="02020603050405020304" pitchFamily="18" charset="0"/>
                 <a:cs typeface="Times New Roman" panose="02020603050405020304" pitchFamily="18" charset="0"/>
               </a:rPr>
-              <a:t>Facial recognition using CRI AI camera</a:t>
+              <a:t>R</a:t>
+            </a:r>
+            <a:r>
+              <a:rPr lang="en-US" sz="1800" dirty="0" smtClean="0">
+                <a:latin typeface="Times New Roman" panose="02020603050405020304" pitchFamily="18" charset="0"/>
+                <a:cs typeface="Times New Roman" panose="02020603050405020304" pitchFamily="18" charset="0"/>
+              </a:rPr>
+              <a:t>educe latency while Facial detection and </a:t>
+            </a:r>
+            <a:r>
+              <a:rPr lang="en-US" sz="1800" dirty="0">
+                <a:latin typeface="Times New Roman" panose="02020603050405020304" pitchFamily="18" charset="0"/>
+                <a:cs typeface="Times New Roman" panose="02020603050405020304" pitchFamily="18" charset="0"/>
+              </a:rPr>
+              <a:t>recognition </a:t>
+            </a:r>
+            <a:r>
+              <a:rPr lang="en-US" sz="1800" dirty="0" smtClean="0">
+                <a:latin typeface="Times New Roman" panose="02020603050405020304" pitchFamily="18" charset="0"/>
+                <a:cs typeface="Times New Roman" panose="02020603050405020304" pitchFamily="18" charset="0"/>
+              </a:rPr>
+              <a:t>using CRI AI camera</a:t>
             </a:r>
             <a:endParaRPr lang="en-IN" sz="1800" dirty="0" smtClean="0">
               <a:latin typeface="Times New Roman" panose="02020603050405020304" pitchFamily="18" charset="0"/>
@@ -14459,6 +14482,9 @@
             </a:r>
           </a:p>
           <a:p>
+            <a:pPr marL="0" indent="0">
+              <a:buNone/>
+            </a:pPr>
             <a:endParaRPr lang="en-IN" sz="1800" dirty="0" smtClean="0">
               <a:latin typeface="Times New Roman" panose="02020603050405020304" pitchFamily="18" charset="0"/>
               <a:cs typeface="Times New Roman" panose="02020603050405020304" pitchFamily="18" charset="0"/>
@@ -18214,7 +18240,14 @@
                 <a:latin typeface="Times New Roman" panose="02020603050405020304" pitchFamily="18" charset="0"/>
                 <a:cs typeface="Times New Roman" panose="02020603050405020304" pitchFamily="18" charset="0"/>
               </a:rPr>
-              <a:t>Facial recognition using CRI AI camera (</a:t>
+              <a:t>Reduce latency while Facial </a:t>
+            </a:r>
+            <a:r>
+              <a:rPr lang="en-US" dirty="0" smtClean="0">
+                <a:latin typeface="Times New Roman" panose="02020603050405020304" pitchFamily="18" charset="0"/>
+                <a:cs typeface="Times New Roman" panose="02020603050405020304" pitchFamily="18" charset="0"/>
+              </a:rPr>
+              <a:t>recognition using CRI AI camera (</a:t>
             </a:r>
             <a:r>
               <a:rPr lang="en-US" dirty="0">
